--- a/Presentables/Clustering Colleges.pptx
+++ b/Presentables/Clustering Colleges.pptx
@@ -2,7 +2,7 @@
 <file path=ppt/presentation.xml><?xml version="1.0" encoding="utf-8"?>
 <p:presentation xmlns:a="http://schemas.openxmlformats.org/drawingml/2006/main" xmlns:r="http://schemas.openxmlformats.org/officeDocument/2006/relationships" xmlns:p="http://schemas.openxmlformats.org/presentationml/2006/main" autoCompressPictures="0">
   <p:sldMasterIdLst>
-    <p:sldMasterId id="2147483648" r:id="rId1"/>
+    <p:sldMasterId id="2147483714" r:id="rId1"/>
   </p:sldMasterIdLst>
   <p:sldIdLst>
     <p:sldId id="256" r:id="rId2"/>
@@ -12,11 +12,13 @@
     <p:sldId id="260" r:id="rId6"/>
     <p:sldId id="261" r:id="rId7"/>
     <p:sldId id="262" r:id="rId8"/>
-    <p:sldId id="263" r:id="rId9"/>
-    <p:sldId id="264" r:id="rId10"/>
-    <p:sldId id="265" r:id="rId11"/>
-    <p:sldId id="266" r:id="rId12"/>
-    <p:sldId id="267" r:id="rId13"/>
+    <p:sldId id="268" r:id="rId9"/>
+    <p:sldId id="263" r:id="rId10"/>
+    <p:sldId id="269" r:id="rId11"/>
+    <p:sldId id="264" r:id="rId12"/>
+    <p:sldId id="265" r:id="rId13"/>
+    <p:sldId id="266" r:id="rId14"/>
+    <p:sldId id="267" r:id="rId15"/>
   </p:sldIdLst>
   <p:sldSz cx="12192000" cy="6858000"/>
   <p:notesSz cx="6858000" cy="9144000"/>
@@ -115,11 +117,16 @@
       </a:defRPr>
     </a:lvl9pPr>
   </p:defaultTextStyle>
+  <p:extLst>
+    <p:ext uri="{EFAFB233-063F-42B5-8137-9DF3F51BA10A}">
+      <p15:sldGuideLst xmlns:p15="http://schemas.microsoft.com/office/powerpoint/2012/main"/>
+    </p:ext>
+  </p:extLst>
 </p:presentation>
 </file>
 
 <file path=ppt/slideLayouts/slideLayout1.xml><?xml version="1.0" encoding="utf-8"?>
-<p:sldLayout xmlns:a="http://schemas.openxmlformats.org/drawingml/2006/main" xmlns:r="http://schemas.openxmlformats.org/officeDocument/2006/relationships" xmlns:p="http://schemas.openxmlformats.org/presentationml/2006/main" type="title" preserve="1">
+<p:sldLayout xmlns:a="http://schemas.openxmlformats.org/drawingml/2006/main" xmlns:r="http://schemas.openxmlformats.org/officeDocument/2006/relationships" xmlns:p="http://schemas.openxmlformats.org/presentationml/2006/main" showMasterSp="0" type="title" preserve="1">
   <p:cSld name="Title Slide">
     <p:spTree>
       <p:nvGrpSpPr>
@@ -135,6 +142,536 @@
           <a:chExt cx="0" cy="0"/>
         </a:xfrm>
       </p:grpSpPr>
+      <p:grpSp>
+        <p:nvGrpSpPr>
+          <p:cNvPr id="7" name="Group 6"/>
+          <p:cNvGrpSpPr/>
+          <p:nvPr/>
+        </p:nvGrpSpPr>
+        <p:grpSpPr>
+          <a:xfrm>
+            <a:off x="0" y="-8467"/>
+            <a:ext cx="12192000" cy="6866467"/>
+            <a:chOff x="0" y="-8467"/>
+            <a:chExt cx="12192000" cy="6866467"/>
+          </a:xfrm>
+        </p:grpSpPr>
+        <p:cxnSp>
+          <p:nvCxnSpPr>
+            <p:cNvPr id="32" name="Straight Connector 31"/>
+            <p:cNvCxnSpPr/>
+            <p:nvPr/>
+          </p:nvCxnSpPr>
+          <p:spPr>
+            <a:xfrm>
+              <a:off x="9371012" y="0"/>
+              <a:ext cx="1219200" cy="6858000"/>
+            </a:xfrm>
+            <a:prstGeom prst="line">
+              <a:avLst/>
+            </a:prstGeom>
+            <a:ln w="9525">
+              <a:solidFill>
+                <a:schemeClr val="bg1">
+                  <a:lumMod val="75000"/>
+                </a:schemeClr>
+              </a:solidFill>
+            </a:ln>
+          </p:spPr>
+          <p:style>
+            <a:lnRef idx="2">
+              <a:schemeClr val="accent1"/>
+            </a:lnRef>
+            <a:fillRef idx="0">
+              <a:schemeClr val="accent1"/>
+            </a:fillRef>
+            <a:effectRef idx="1">
+              <a:schemeClr val="accent1"/>
+            </a:effectRef>
+            <a:fontRef idx="minor">
+              <a:schemeClr val="tx1"/>
+            </a:fontRef>
+          </p:style>
+        </p:cxnSp>
+        <p:cxnSp>
+          <p:nvCxnSpPr>
+            <p:cNvPr id="21" name="Straight Connector 20"/>
+            <p:cNvCxnSpPr/>
+            <p:nvPr/>
+          </p:nvCxnSpPr>
+          <p:spPr>
+            <a:xfrm flipH="1">
+              <a:off x="7425267" y="3681413"/>
+              <a:ext cx="4763558" cy="3176587"/>
+            </a:xfrm>
+            <a:prstGeom prst="line">
+              <a:avLst/>
+            </a:prstGeom>
+            <a:ln w="9525">
+              <a:solidFill>
+                <a:schemeClr val="bg1">
+                  <a:lumMod val="85000"/>
+                </a:schemeClr>
+              </a:solidFill>
+            </a:ln>
+          </p:spPr>
+          <p:style>
+            <a:lnRef idx="2">
+              <a:schemeClr val="accent1"/>
+            </a:lnRef>
+            <a:fillRef idx="0">
+              <a:schemeClr val="accent1"/>
+            </a:fillRef>
+            <a:effectRef idx="1">
+              <a:schemeClr val="accent1"/>
+            </a:effectRef>
+            <a:fontRef idx="minor">
+              <a:schemeClr val="tx1"/>
+            </a:fontRef>
+          </p:style>
+        </p:cxnSp>
+        <p:sp>
+          <p:nvSpPr>
+            <p:cNvPr id="24" name="Rectangle 23"/>
+            <p:cNvSpPr/>
+            <p:nvPr/>
+          </p:nvSpPr>
+          <p:spPr>
+            <a:xfrm>
+              <a:off x="9181476" y="-8467"/>
+              <a:ext cx="3007349" cy="6866467"/>
+            </a:xfrm>
+            <a:custGeom>
+              <a:avLst/>
+              <a:gdLst/>
+              <a:ahLst/>
+              <a:cxnLst/>
+              <a:rect l="l" t="t" r="r" b="b"/>
+              <a:pathLst>
+                <a:path w="3007349" h="6866467">
+                  <a:moveTo>
+                    <a:pt x="2045532" y="0"/>
+                  </a:moveTo>
+                  <a:lnTo>
+                    <a:pt x="3007349" y="0"/>
+                  </a:lnTo>
+                  <a:lnTo>
+                    <a:pt x="3007349" y="6866467"/>
+                  </a:lnTo>
+                  <a:lnTo>
+                    <a:pt x="0" y="6866467"/>
+                  </a:lnTo>
+                  <a:lnTo>
+                    <a:pt x="2045532" y="0"/>
+                  </a:lnTo>
+                  <a:close/>
+                </a:path>
+              </a:pathLst>
+            </a:custGeom>
+            <a:solidFill>
+              <a:schemeClr val="accent1">
+                <a:alpha val="30000"/>
+              </a:schemeClr>
+            </a:solidFill>
+            <a:ln>
+              <a:noFill/>
+            </a:ln>
+            <a:effectLst/>
+          </p:spPr>
+          <p:style>
+            <a:lnRef idx="1">
+              <a:schemeClr val="accent1"/>
+            </a:lnRef>
+            <a:fillRef idx="3">
+              <a:schemeClr val="accent1"/>
+            </a:fillRef>
+            <a:effectRef idx="2">
+              <a:schemeClr val="accent1"/>
+            </a:effectRef>
+            <a:fontRef idx="minor">
+              <a:schemeClr val="lt1"/>
+            </a:fontRef>
+          </p:style>
+        </p:sp>
+        <p:sp>
+          <p:nvSpPr>
+            <p:cNvPr id="26" name="Rectangle 25"/>
+            <p:cNvSpPr/>
+            <p:nvPr/>
+          </p:nvSpPr>
+          <p:spPr>
+            <a:xfrm>
+              <a:off x="9603442" y="-8467"/>
+              <a:ext cx="2588558" cy="6866467"/>
+            </a:xfrm>
+            <a:custGeom>
+              <a:avLst/>
+              <a:gdLst/>
+              <a:ahLst/>
+              <a:cxnLst/>
+              <a:rect l="l" t="t" r="r" b="b"/>
+              <a:pathLst>
+                <a:path w="2573311" h="6866467">
+                  <a:moveTo>
+                    <a:pt x="0" y="0"/>
+                  </a:moveTo>
+                  <a:lnTo>
+                    <a:pt x="2573311" y="0"/>
+                  </a:lnTo>
+                  <a:lnTo>
+                    <a:pt x="2573311" y="6866467"/>
+                  </a:lnTo>
+                  <a:lnTo>
+                    <a:pt x="1202336" y="6866467"/>
+                  </a:lnTo>
+                  <a:lnTo>
+                    <a:pt x="0" y="0"/>
+                  </a:lnTo>
+                  <a:close/>
+                </a:path>
+              </a:pathLst>
+            </a:custGeom>
+            <a:solidFill>
+              <a:schemeClr val="accent1">
+                <a:alpha val="20000"/>
+              </a:schemeClr>
+            </a:solidFill>
+            <a:ln>
+              <a:noFill/>
+            </a:ln>
+            <a:effectLst/>
+          </p:spPr>
+          <p:style>
+            <a:lnRef idx="1">
+              <a:schemeClr val="accent1"/>
+            </a:lnRef>
+            <a:fillRef idx="3">
+              <a:schemeClr val="accent1"/>
+            </a:fillRef>
+            <a:effectRef idx="2">
+              <a:schemeClr val="accent1"/>
+            </a:effectRef>
+            <a:fontRef idx="minor">
+              <a:schemeClr val="lt1"/>
+            </a:fontRef>
+          </p:style>
+        </p:sp>
+        <p:sp>
+          <p:nvSpPr>
+            <p:cNvPr id="27" name="Isosceles Triangle 26"/>
+            <p:cNvSpPr/>
+            <p:nvPr/>
+          </p:nvSpPr>
+          <p:spPr>
+            <a:xfrm>
+              <a:off x="8932333" y="3048000"/>
+              <a:ext cx="3259667" cy="3810000"/>
+            </a:xfrm>
+            <a:prstGeom prst="triangle">
+              <a:avLst>
+                <a:gd name="adj" fmla="val 100000"/>
+              </a:avLst>
+            </a:prstGeom>
+            <a:solidFill>
+              <a:schemeClr val="accent2">
+                <a:alpha val="72000"/>
+              </a:schemeClr>
+            </a:solidFill>
+            <a:ln>
+              <a:noFill/>
+            </a:ln>
+            <a:effectLst/>
+          </p:spPr>
+          <p:style>
+            <a:lnRef idx="1">
+              <a:schemeClr val="accent1"/>
+            </a:lnRef>
+            <a:fillRef idx="3">
+              <a:schemeClr val="accent1"/>
+            </a:fillRef>
+            <a:effectRef idx="2">
+              <a:schemeClr val="accent1"/>
+            </a:effectRef>
+            <a:fontRef idx="minor">
+              <a:schemeClr val="lt1"/>
+            </a:fontRef>
+          </p:style>
+        </p:sp>
+        <p:sp>
+          <p:nvSpPr>
+            <p:cNvPr id="28" name="Rectangle 27"/>
+            <p:cNvSpPr/>
+            <p:nvPr/>
+          </p:nvSpPr>
+          <p:spPr>
+            <a:xfrm>
+              <a:off x="9334500" y="-8467"/>
+              <a:ext cx="2854326" cy="6866467"/>
+            </a:xfrm>
+            <a:custGeom>
+              <a:avLst/>
+              <a:gdLst/>
+              <a:ahLst/>
+              <a:cxnLst/>
+              <a:rect l="l" t="t" r="r" b="b"/>
+              <a:pathLst>
+                <a:path w="2858013" h="6866467">
+                  <a:moveTo>
+                    <a:pt x="0" y="0"/>
+                  </a:moveTo>
+                  <a:lnTo>
+                    <a:pt x="2858013" y="0"/>
+                  </a:lnTo>
+                  <a:lnTo>
+                    <a:pt x="2858013" y="6866467"/>
+                  </a:lnTo>
+                  <a:lnTo>
+                    <a:pt x="2473942" y="6866467"/>
+                  </a:lnTo>
+                  <a:lnTo>
+                    <a:pt x="0" y="0"/>
+                  </a:lnTo>
+                  <a:close/>
+                </a:path>
+              </a:pathLst>
+            </a:custGeom>
+            <a:solidFill>
+              <a:schemeClr val="accent2">
+                <a:lumMod val="75000"/>
+                <a:alpha val="70000"/>
+              </a:schemeClr>
+            </a:solidFill>
+            <a:ln>
+              <a:noFill/>
+            </a:ln>
+            <a:effectLst/>
+          </p:spPr>
+          <p:style>
+            <a:lnRef idx="1">
+              <a:schemeClr val="accent1"/>
+            </a:lnRef>
+            <a:fillRef idx="3">
+              <a:schemeClr val="accent1"/>
+            </a:fillRef>
+            <a:effectRef idx="2">
+              <a:schemeClr val="accent1"/>
+            </a:effectRef>
+            <a:fontRef idx="minor">
+              <a:schemeClr val="lt1"/>
+            </a:fontRef>
+          </p:style>
+        </p:sp>
+        <p:sp>
+          <p:nvSpPr>
+            <p:cNvPr id="29" name="Rectangle 28"/>
+            <p:cNvSpPr/>
+            <p:nvPr/>
+          </p:nvSpPr>
+          <p:spPr>
+            <a:xfrm>
+              <a:off x="10898730" y="-8467"/>
+              <a:ext cx="1290094" cy="6866467"/>
+            </a:xfrm>
+            <a:custGeom>
+              <a:avLst/>
+              <a:gdLst/>
+              <a:ahLst/>
+              <a:cxnLst/>
+              <a:rect l="l" t="t" r="r" b="b"/>
+              <a:pathLst>
+                <a:path w="1290094" h="6858000">
+                  <a:moveTo>
+                    <a:pt x="1019735" y="0"/>
+                  </a:moveTo>
+                  <a:lnTo>
+                    <a:pt x="1290094" y="0"/>
+                  </a:lnTo>
+                  <a:lnTo>
+                    <a:pt x="1290094" y="6858000"/>
+                  </a:lnTo>
+                  <a:lnTo>
+                    <a:pt x="0" y="6858000"/>
+                  </a:lnTo>
+                  <a:lnTo>
+                    <a:pt x="1019735" y="0"/>
+                  </a:lnTo>
+                  <a:close/>
+                </a:path>
+              </a:pathLst>
+            </a:custGeom>
+            <a:solidFill>
+              <a:schemeClr val="accent1">
+                <a:lumMod val="60000"/>
+                <a:lumOff val="40000"/>
+                <a:alpha val="70000"/>
+              </a:schemeClr>
+            </a:solidFill>
+            <a:ln>
+              <a:noFill/>
+            </a:ln>
+            <a:effectLst/>
+          </p:spPr>
+          <p:style>
+            <a:lnRef idx="1">
+              <a:schemeClr val="accent1"/>
+            </a:lnRef>
+            <a:fillRef idx="3">
+              <a:schemeClr val="accent1"/>
+            </a:fillRef>
+            <a:effectRef idx="2">
+              <a:schemeClr val="accent1"/>
+            </a:effectRef>
+            <a:fontRef idx="minor">
+              <a:schemeClr val="lt1"/>
+            </a:fontRef>
+          </p:style>
+        </p:sp>
+        <p:sp>
+          <p:nvSpPr>
+            <p:cNvPr id="30" name="Rectangle 29"/>
+            <p:cNvSpPr/>
+            <p:nvPr/>
+          </p:nvSpPr>
+          <p:spPr>
+            <a:xfrm>
+              <a:off x="10938999" y="-8467"/>
+              <a:ext cx="1249825" cy="6866467"/>
+            </a:xfrm>
+            <a:custGeom>
+              <a:avLst/>
+              <a:gdLst/>
+              <a:ahLst/>
+              <a:cxnLst/>
+              <a:rect l="l" t="t" r="r" b="b"/>
+              <a:pathLst>
+                <a:path w="1249825" h="6858000">
+                  <a:moveTo>
+                    <a:pt x="0" y="0"/>
+                  </a:moveTo>
+                  <a:lnTo>
+                    <a:pt x="1249825" y="0"/>
+                  </a:lnTo>
+                  <a:lnTo>
+                    <a:pt x="1249825" y="6858000"/>
+                  </a:lnTo>
+                  <a:lnTo>
+                    <a:pt x="1109382" y="6858000"/>
+                  </a:lnTo>
+                  <a:lnTo>
+                    <a:pt x="0" y="0"/>
+                  </a:lnTo>
+                  <a:close/>
+                </a:path>
+              </a:pathLst>
+            </a:custGeom>
+            <a:solidFill>
+              <a:schemeClr val="accent1">
+                <a:alpha val="65000"/>
+              </a:schemeClr>
+            </a:solidFill>
+            <a:ln>
+              <a:noFill/>
+            </a:ln>
+            <a:effectLst/>
+          </p:spPr>
+          <p:style>
+            <a:lnRef idx="1">
+              <a:schemeClr val="accent1"/>
+            </a:lnRef>
+            <a:fillRef idx="3">
+              <a:schemeClr val="accent1"/>
+            </a:fillRef>
+            <a:effectRef idx="2">
+              <a:schemeClr val="accent1"/>
+            </a:effectRef>
+            <a:fontRef idx="minor">
+              <a:schemeClr val="lt1"/>
+            </a:fontRef>
+          </p:style>
+        </p:sp>
+        <p:sp>
+          <p:nvSpPr>
+            <p:cNvPr id="31" name="Isosceles Triangle 30"/>
+            <p:cNvSpPr/>
+            <p:nvPr/>
+          </p:nvSpPr>
+          <p:spPr>
+            <a:xfrm>
+              <a:off x="10371666" y="3589867"/>
+              <a:ext cx="1817159" cy="3268133"/>
+            </a:xfrm>
+            <a:prstGeom prst="triangle">
+              <a:avLst>
+                <a:gd name="adj" fmla="val 100000"/>
+              </a:avLst>
+            </a:prstGeom>
+            <a:solidFill>
+              <a:schemeClr val="accent1">
+                <a:alpha val="80000"/>
+              </a:schemeClr>
+            </a:solidFill>
+            <a:ln>
+              <a:noFill/>
+            </a:ln>
+            <a:effectLst/>
+          </p:spPr>
+          <p:style>
+            <a:lnRef idx="1">
+              <a:schemeClr val="accent1"/>
+            </a:lnRef>
+            <a:fillRef idx="3">
+              <a:schemeClr val="accent1"/>
+            </a:fillRef>
+            <a:effectRef idx="2">
+              <a:schemeClr val="accent1"/>
+            </a:effectRef>
+            <a:fontRef idx="minor">
+              <a:schemeClr val="lt1"/>
+            </a:fontRef>
+          </p:style>
+        </p:sp>
+        <p:sp>
+          <p:nvSpPr>
+            <p:cNvPr id="19" name="Isosceles Triangle 18"/>
+            <p:cNvSpPr/>
+            <p:nvPr/>
+          </p:nvSpPr>
+          <p:spPr>
+            <a:xfrm rot="10800000">
+              <a:off x="0" y="0"/>
+              <a:ext cx="842596" cy="5666154"/>
+            </a:xfrm>
+            <a:prstGeom prst="triangle">
+              <a:avLst>
+                <a:gd name="adj" fmla="val 100000"/>
+              </a:avLst>
+            </a:prstGeom>
+            <a:solidFill>
+              <a:schemeClr val="accent1">
+                <a:alpha val="85000"/>
+              </a:schemeClr>
+            </a:solidFill>
+            <a:ln>
+              <a:noFill/>
+            </a:ln>
+            <a:effectLst/>
+          </p:spPr>
+          <p:style>
+            <a:lnRef idx="1">
+              <a:schemeClr val="accent1"/>
+            </a:lnRef>
+            <a:fillRef idx="3">
+              <a:schemeClr val="accent1"/>
+            </a:fillRef>
+            <a:effectRef idx="2">
+              <a:schemeClr val="accent1"/>
+            </a:effectRef>
+            <a:fontRef idx="minor">
+              <a:schemeClr val="lt1"/>
+            </a:fontRef>
+          </p:style>
+        </p:sp>
+      </p:grpSp>
       <p:sp>
         <p:nvSpPr>
           <p:cNvPr id="2" name="Title 1"/>
@@ -147,17 +684,21 @@
         </p:nvSpPr>
         <p:spPr>
           <a:xfrm>
-            <a:off x="2417779" y="802298"/>
-            <a:ext cx="8637073" cy="2541431"/>
+            <a:off x="1507067" y="2404534"/>
+            <a:ext cx="7766936" cy="1646302"/>
           </a:xfrm>
         </p:spPr>
         <p:txBody>
-          <a:bodyPr bIns="0" anchor="b">
-            <a:normAutofit/>
+          <a:bodyPr anchor="b">
+            <a:noAutofit/>
           </a:bodyPr>
           <a:lstStyle>
-            <a:lvl1pPr algn="l">
-              <a:defRPr sz="6600"/>
+            <a:lvl1pPr algn="r">
+              <a:defRPr sz="5400">
+                <a:solidFill>
+                  <a:schemeClr val="accent1"/>
+                </a:solidFill>
+              </a:defRPr>
             </a:lvl1pPr>
           </a:lstStyle>
           <a:p>
@@ -181,54 +722,103 @@
         </p:nvSpPr>
         <p:spPr>
           <a:xfrm>
-            <a:off x="2417780" y="3531204"/>
-            <a:ext cx="8637072" cy="977621"/>
+            <a:off x="1507067" y="4050833"/>
+            <a:ext cx="7766936" cy="1096899"/>
           </a:xfrm>
         </p:spPr>
         <p:txBody>
-          <a:bodyPr tIns="91440" bIns="91440">
-            <a:normAutofit/>
-          </a:bodyPr>
+          <a:bodyPr anchor="t"/>
           <a:lstStyle>
-            <a:lvl1pPr marL="0" indent="0" algn="l">
-              <a:buNone/>
-              <a:defRPr sz="1800" b="0" cap="all" baseline="0">
-                <a:solidFill>
-                  <a:schemeClr val="tx1"/>
+            <a:lvl1pPr marL="0" indent="0" algn="r">
+              <a:buNone/>
+              <a:defRPr>
+                <a:solidFill>
+                  <a:schemeClr val="tx1">
+                    <a:lumMod val="50000"/>
+                    <a:lumOff val="50000"/>
+                  </a:schemeClr>
                 </a:solidFill>
               </a:defRPr>
             </a:lvl1pPr>
             <a:lvl2pPr marL="457200" indent="0" algn="ctr">
               <a:buNone/>
-              <a:defRPr sz="1800"/>
+              <a:defRPr>
+                <a:solidFill>
+                  <a:schemeClr val="tx1">
+                    <a:tint val="75000"/>
+                  </a:schemeClr>
+                </a:solidFill>
+              </a:defRPr>
             </a:lvl2pPr>
             <a:lvl3pPr marL="914400" indent="0" algn="ctr">
               <a:buNone/>
-              <a:defRPr sz="1800"/>
+              <a:defRPr>
+                <a:solidFill>
+                  <a:schemeClr val="tx1">
+                    <a:tint val="75000"/>
+                  </a:schemeClr>
+                </a:solidFill>
+              </a:defRPr>
             </a:lvl3pPr>
             <a:lvl4pPr marL="1371600" indent="0" algn="ctr">
               <a:buNone/>
-              <a:defRPr sz="1600"/>
+              <a:defRPr>
+                <a:solidFill>
+                  <a:schemeClr val="tx1">
+                    <a:tint val="75000"/>
+                  </a:schemeClr>
+                </a:solidFill>
+              </a:defRPr>
             </a:lvl4pPr>
             <a:lvl5pPr marL="1828800" indent="0" algn="ctr">
               <a:buNone/>
-              <a:defRPr sz="1600"/>
+              <a:defRPr>
+                <a:solidFill>
+                  <a:schemeClr val="tx1">
+                    <a:tint val="75000"/>
+                  </a:schemeClr>
+                </a:solidFill>
+              </a:defRPr>
             </a:lvl5pPr>
             <a:lvl6pPr marL="2286000" indent="0" algn="ctr">
               <a:buNone/>
-              <a:defRPr sz="1600"/>
+              <a:defRPr>
+                <a:solidFill>
+                  <a:schemeClr val="tx1">
+                    <a:tint val="75000"/>
+                  </a:schemeClr>
+                </a:solidFill>
+              </a:defRPr>
             </a:lvl6pPr>
             <a:lvl7pPr marL="2743200" indent="0" algn="ctr">
               <a:buNone/>
-              <a:defRPr sz="1600"/>
+              <a:defRPr>
+                <a:solidFill>
+                  <a:schemeClr val="tx1">
+                    <a:tint val="75000"/>
+                  </a:schemeClr>
+                </a:solidFill>
+              </a:defRPr>
             </a:lvl7pPr>
             <a:lvl8pPr marL="3200400" indent="0" algn="ctr">
               <a:buNone/>
-              <a:defRPr sz="1600"/>
+              <a:defRPr>
+                <a:solidFill>
+                  <a:schemeClr val="tx1">
+                    <a:tint val="75000"/>
+                  </a:schemeClr>
+                </a:solidFill>
+              </a:defRPr>
             </a:lvl8pPr>
             <a:lvl9pPr marL="3657600" indent="0" algn="ctr">
               <a:buNone/>
-              <a:defRPr sz="1600"/>
+              <a:defRPr>
+                <a:solidFill>
+                  <a:schemeClr val="tx1">
+                    <a:tint val="75000"/>
+                  </a:schemeClr>
+                </a:solidFill>
+              </a:defRPr>
             </a:lvl9pPr>
           </a:lstStyle>
           <a:p>
@@ -256,8 +846,8 @@
           <a:lstStyle/>
           <a:p>
             <a:fld id="{48A87A34-81AB-432B-8DAE-1953F412C126}" type="datetimeFigureOut">
-              <a:rPr lang="en-US" dirty="0"/>
-              <a:t>11/5/2019</a:t>
+              <a:rPr lang="en-US" smtClean="0"/>
+              <a:t>11/6/2019</a:t>
             </a:fld>
             <a:endParaRPr lang="en-US" dirty="0"/>
           </a:p>
@@ -273,12 +863,7 @@
             <p:ph type="ftr" sz="quarter" idx="11"/>
           </p:nvPr>
         </p:nvSpPr>
-        <p:spPr>
-          <a:xfrm>
-            <a:off x="2416500" y="329307"/>
-            <a:ext cx="4973915" cy="309201"/>
-          </a:xfrm>
-        </p:spPr>
+        <p:spPr/>
         <p:txBody>
           <a:bodyPr/>
           <a:lstStyle/>
@@ -297,56 +882,25 @@
             <p:ph type="sldNum" sz="quarter" idx="12"/>
           </p:nvPr>
         </p:nvSpPr>
-        <p:spPr>
-          <a:xfrm>
-            <a:off x="1437664" y="798973"/>
-            <a:ext cx="811019" cy="503578"/>
-          </a:xfrm>
-        </p:spPr>
+        <p:spPr/>
         <p:txBody>
           <a:bodyPr/>
           <a:lstStyle/>
           <a:p>
             <a:fld id="{6D22F896-40B5-4ADD-8801-0D06FADFA095}" type="slidenum">
-              <a:rPr lang="en-US" dirty="0"/>
+              <a:rPr lang="en-US" smtClean="0"/>
               <a:t>‹#›</a:t>
             </a:fld>
             <a:endParaRPr lang="en-US" dirty="0"/>
           </a:p>
         </p:txBody>
       </p:sp>
-      <p:cxnSp>
-        <p:nvCxnSpPr>
-          <p:cNvPr id="15" name="Straight Connector 14"/>
-          <p:cNvCxnSpPr/>
-          <p:nvPr/>
-        </p:nvCxnSpPr>
-        <p:spPr>
-          <a:xfrm>
-            <a:off x="2417780" y="3528542"/>
-            <a:ext cx="8637072" cy="0"/>
-          </a:xfrm>
-          <a:prstGeom prst="line">
-            <a:avLst/>
-          </a:prstGeom>
-          <a:ln w="31750"/>
-        </p:spPr>
-        <p:style>
-          <a:lnRef idx="3">
-            <a:schemeClr val="accent1"/>
-          </a:lnRef>
-          <a:fillRef idx="0">
-            <a:schemeClr val="accent1"/>
-          </a:fillRef>
-          <a:effectRef idx="2">
-            <a:schemeClr val="accent1"/>
-          </a:effectRef>
-          <a:fontRef idx="minor">
-            <a:schemeClr val="tx1"/>
-          </a:fontRef>
-        </p:style>
-      </p:cxnSp>
     </p:spTree>
+    <p:extLst>
+      <p:ext uri="{BB962C8B-B14F-4D97-AF65-F5344CB8AC3E}">
+        <p14:creationId xmlns:p14="http://schemas.microsoft.com/office/powerpoint/2010/main" val="3899035160"/>
+      </p:ext>
+    </p:extLst>
   </p:cSld>
   <p:clrMapOvr>
     <a:masterClrMapping/>
@@ -355,6 +909,1629 @@
 </file>
 
 <file path=ppt/slideLayouts/slideLayout10.xml><?xml version="1.0" encoding="utf-8"?>
+<p:sldLayout xmlns:a="http://schemas.openxmlformats.org/drawingml/2006/main" xmlns:r="http://schemas.openxmlformats.org/officeDocument/2006/relationships" xmlns:p="http://schemas.openxmlformats.org/presentationml/2006/main" preserve="1">
+  <p:cSld name="Title and Caption">
+    <p:spTree>
+      <p:nvGrpSpPr>
+        <p:cNvPr id="1" name=""/>
+        <p:cNvGrpSpPr/>
+        <p:nvPr/>
+      </p:nvGrpSpPr>
+      <p:grpSpPr>
+        <a:xfrm>
+          <a:off x="0" y="0"/>
+          <a:ext cx="0" cy="0"/>
+          <a:chOff x="0" y="0"/>
+          <a:chExt cx="0" cy="0"/>
+        </a:xfrm>
+      </p:grpSpPr>
+      <p:sp>
+        <p:nvSpPr>
+          <p:cNvPr id="2" name="Title 1"/>
+          <p:cNvSpPr>
+            <a:spLocks noGrp="1"/>
+          </p:cNvSpPr>
+          <p:nvPr>
+            <p:ph type="title"/>
+          </p:nvPr>
+        </p:nvSpPr>
+        <p:spPr>
+          <a:xfrm>
+            <a:off x="677335" y="609600"/>
+            <a:ext cx="8596668" cy="3403600"/>
+          </a:xfrm>
+        </p:spPr>
+        <p:txBody>
+          <a:bodyPr anchor="ctr">
+            <a:normAutofit/>
+          </a:bodyPr>
+          <a:lstStyle>
+            <a:lvl1pPr algn="l">
+              <a:defRPr sz="4400" b="0" cap="none"/>
+            </a:lvl1pPr>
+          </a:lstStyle>
+          <a:p>
+            <a:r>
+              <a:rPr lang="en-US"/>
+              <a:t>Click to edit Master title style</a:t>
+            </a:r>
+            <a:endParaRPr lang="en-US" dirty="0"/>
+          </a:p>
+        </p:txBody>
+      </p:sp>
+      <p:sp>
+        <p:nvSpPr>
+          <p:cNvPr id="3" name="Text Placeholder 2"/>
+          <p:cNvSpPr>
+            <a:spLocks noGrp="1"/>
+          </p:cNvSpPr>
+          <p:nvPr>
+            <p:ph type="body" idx="1"/>
+          </p:nvPr>
+        </p:nvSpPr>
+        <p:spPr>
+          <a:xfrm>
+            <a:off x="677335" y="4470400"/>
+            <a:ext cx="8596668" cy="1570962"/>
+          </a:xfrm>
+        </p:spPr>
+        <p:txBody>
+          <a:bodyPr anchor="ctr">
+            <a:normAutofit/>
+          </a:bodyPr>
+          <a:lstStyle>
+            <a:lvl1pPr marL="0" indent="0" algn="l">
+              <a:buNone/>
+              <a:defRPr sz="1800">
+                <a:solidFill>
+                  <a:schemeClr val="tx1">
+                    <a:lumMod val="75000"/>
+                    <a:lumOff val="25000"/>
+                  </a:schemeClr>
+                </a:solidFill>
+              </a:defRPr>
+            </a:lvl1pPr>
+            <a:lvl2pPr marL="457200" indent="0">
+              <a:buNone/>
+              <a:defRPr sz="1800">
+                <a:solidFill>
+                  <a:schemeClr val="tx1">
+                    <a:tint val="75000"/>
+                  </a:schemeClr>
+                </a:solidFill>
+              </a:defRPr>
+            </a:lvl2pPr>
+            <a:lvl3pPr marL="914400" indent="0">
+              <a:buNone/>
+              <a:defRPr sz="1600">
+                <a:solidFill>
+                  <a:schemeClr val="tx1">
+                    <a:tint val="75000"/>
+                  </a:schemeClr>
+                </a:solidFill>
+              </a:defRPr>
+            </a:lvl3pPr>
+            <a:lvl4pPr marL="1371600" indent="0">
+              <a:buNone/>
+              <a:defRPr sz="1400">
+                <a:solidFill>
+                  <a:schemeClr val="tx1">
+                    <a:tint val="75000"/>
+                  </a:schemeClr>
+                </a:solidFill>
+              </a:defRPr>
+            </a:lvl4pPr>
+            <a:lvl5pPr marL="1828800" indent="0">
+              <a:buNone/>
+              <a:defRPr sz="1400">
+                <a:solidFill>
+                  <a:schemeClr val="tx1">
+                    <a:tint val="75000"/>
+                  </a:schemeClr>
+                </a:solidFill>
+              </a:defRPr>
+            </a:lvl5pPr>
+            <a:lvl6pPr marL="2286000" indent="0">
+              <a:buNone/>
+              <a:defRPr sz="1400">
+                <a:solidFill>
+                  <a:schemeClr val="tx1">
+                    <a:tint val="75000"/>
+                  </a:schemeClr>
+                </a:solidFill>
+              </a:defRPr>
+            </a:lvl6pPr>
+            <a:lvl7pPr marL="2743200" indent="0">
+              <a:buNone/>
+              <a:defRPr sz="1400">
+                <a:solidFill>
+                  <a:schemeClr val="tx1">
+                    <a:tint val="75000"/>
+                  </a:schemeClr>
+                </a:solidFill>
+              </a:defRPr>
+            </a:lvl7pPr>
+            <a:lvl8pPr marL="3200400" indent="0">
+              <a:buNone/>
+              <a:defRPr sz="1400">
+                <a:solidFill>
+                  <a:schemeClr val="tx1">
+                    <a:tint val="75000"/>
+                  </a:schemeClr>
+                </a:solidFill>
+              </a:defRPr>
+            </a:lvl8pPr>
+            <a:lvl9pPr marL="3657600" indent="0">
+              <a:buNone/>
+              <a:defRPr sz="1400">
+                <a:solidFill>
+                  <a:schemeClr val="tx1">
+                    <a:tint val="75000"/>
+                  </a:schemeClr>
+                </a:solidFill>
+              </a:defRPr>
+            </a:lvl9pPr>
+          </a:lstStyle>
+          <a:p>
+            <a:pPr lvl="0"/>
+            <a:r>
+              <a:rPr lang="en-US"/>
+              <a:t>Click to edit Master text styles</a:t>
+            </a:r>
+          </a:p>
+        </p:txBody>
+      </p:sp>
+      <p:sp>
+        <p:nvSpPr>
+          <p:cNvPr id="4" name="Date Placeholder 3"/>
+          <p:cNvSpPr>
+            <a:spLocks noGrp="1"/>
+          </p:cNvSpPr>
+          <p:nvPr>
+            <p:ph type="dt" sz="half" idx="10"/>
+          </p:nvPr>
+        </p:nvSpPr>
+        <p:spPr/>
+        <p:txBody>
+          <a:bodyPr/>
+          <a:lstStyle/>
+          <a:p>
+            <a:fld id="{48A87A34-81AB-432B-8DAE-1953F412C126}" type="datetimeFigureOut">
+              <a:rPr lang="en-US" smtClean="0"/>
+              <a:pPr/>
+              <a:t>11/6/2019</a:t>
+            </a:fld>
+            <a:endParaRPr lang="en-US" dirty="0"/>
+          </a:p>
+        </p:txBody>
+      </p:sp>
+      <p:sp>
+        <p:nvSpPr>
+          <p:cNvPr id="5" name="Footer Placeholder 4"/>
+          <p:cNvSpPr>
+            <a:spLocks noGrp="1"/>
+          </p:cNvSpPr>
+          <p:nvPr>
+            <p:ph type="ftr" sz="quarter" idx="11"/>
+          </p:nvPr>
+        </p:nvSpPr>
+        <p:spPr/>
+        <p:txBody>
+          <a:bodyPr/>
+          <a:lstStyle/>
+          <a:p>
+            <a:endParaRPr lang="en-US" dirty="0"/>
+          </a:p>
+        </p:txBody>
+      </p:sp>
+      <p:sp>
+        <p:nvSpPr>
+          <p:cNvPr id="6" name="Slide Number Placeholder 5"/>
+          <p:cNvSpPr>
+            <a:spLocks noGrp="1"/>
+          </p:cNvSpPr>
+          <p:nvPr>
+            <p:ph type="sldNum" sz="quarter" idx="12"/>
+          </p:nvPr>
+        </p:nvSpPr>
+        <p:spPr/>
+        <p:txBody>
+          <a:bodyPr/>
+          <a:lstStyle/>
+          <a:p>
+            <a:fld id="{6D22F896-40B5-4ADD-8801-0D06FADFA095}" type="slidenum">
+              <a:rPr lang="en-US" smtClean="0"/>
+              <a:pPr/>
+              <a:t>‹#›</a:t>
+            </a:fld>
+            <a:endParaRPr lang="en-US" dirty="0"/>
+          </a:p>
+        </p:txBody>
+      </p:sp>
+    </p:spTree>
+    <p:extLst>
+      <p:ext uri="{BB962C8B-B14F-4D97-AF65-F5344CB8AC3E}">
+        <p14:creationId xmlns:p14="http://schemas.microsoft.com/office/powerpoint/2010/main" val="1953457508"/>
+      </p:ext>
+    </p:extLst>
+  </p:cSld>
+  <p:clrMapOvr>
+    <a:masterClrMapping/>
+  </p:clrMapOvr>
+</p:sldLayout>
+</file>
+
+<file path=ppt/slideLayouts/slideLayout11.xml><?xml version="1.0" encoding="utf-8"?>
+<p:sldLayout xmlns:a="http://schemas.openxmlformats.org/drawingml/2006/main" xmlns:r="http://schemas.openxmlformats.org/officeDocument/2006/relationships" xmlns:p="http://schemas.openxmlformats.org/presentationml/2006/main" preserve="1">
+  <p:cSld name="Quote with Caption">
+    <p:spTree>
+      <p:nvGrpSpPr>
+        <p:cNvPr id="1" name=""/>
+        <p:cNvGrpSpPr/>
+        <p:nvPr/>
+      </p:nvGrpSpPr>
+      <p:grpSpPr>
+        <a:xfrm>
+          <a:off x="0" y="0"/>
+          <a:ext cx="0" cy="0"/>
+          <a:chOff x="0" y="0"/>
+          <a:chExt cx="0" cy="0"/>
+        </a:xfrm>
+      </p:grpSpPr>
+      <p:sp>
+        <p:nvSpPr>
+          <p:cNvPr id="2" name="Title 1"/>
+          <p:cNvSpPr>
+            <a:spLocks noGrp="1"/>
+          </p:cNvSpPr>
+          <p:nvPr>
+            <p:ph type="title"/>
+          </p:nvPr>
+        </p:nvSpPr>
+        <p:spPr>
+          <a:xfrm>
+            <a:off x="931334" y="609600"/>
+            <a:ext cx="8094134" cy="3022600"/>
+          </a:xfrm>
+        </p:spPr>
+        <p:txBody>
+          <a:bodyPr anchor="ctr">
+            <a:normAutofit/>
+          </a:bodyPr>
+          <a:lstStyle>
+            <a:lvl1pPr algn="l">
+              <a:defRPr sz="4400" b="0" cap="none"/>
+            </a:lvl1pPr>
+          </a:lstStyle>
+          <a:p>
+            <a:r>
+              <a:rPr lang="en-US"/>
+              <a:t>Click to edit Master title style</a:t>
+            </a:r>
+            <a:endParaRPr lang="en-US" dirty="0"/>
+          </a:p>
+        </p:txBody>
+      </p:sp>
+      <p:sp>
+        <p:nvSpPr>
+          <p:cNvPr id="23" name="Text Placeholder 9"/>
+          <p:cNvSpPr>
+            <a:spLocks noGrp="1"/>
+          </p:cNvSpPr>
+          <p:nvPr>
+            <p:ph type="body" sz="quarter" idx="13"/>
+          </p:nvPr>
+        </p:nvSpPr>
+        <p:spPr>
+          <a:xfrm>
+            <a:off x="1366139" y="3632200"/>
+            <a:ext cx="7224524" cy="381000"/>
+          </a:xfrm>
+        </p:spPr>
+        <p:txBody>
+          <a:bodyPr anchor="ctr">
+            <a:noAutofit/>
+          </a:bodyPr>
+          <a:lstStyle>
+            <a:lvl1pPr marL="0" indent="0">
+              <a:buFontTx/>
+              <a:buNone/>
+              <a:defRPr sz="1600">
+                <a:solidFill>
+                  <a:schemeClr val="tx1">
+                    <a:lumMod val="50000"/>
+                    <a:lumOff val="50000"/>
+                  </a:schemeClr>
+                </a:solidFill>
+              </a:defRPr>
+            </a:lvl1pPr>
+            <a:lvl2pPr marL="457200" indent="0">
+              <a:buFontTx/>
+              <a:buNone/>
+              <a:defRPr/>
+            </a:lvl2pPr>
+            <a:lvl3pPr marL="914400" indent="0">
+              <a:buFontTx/>
+              <a:buNone/>
+              <a:defRPr/>
+            </a:lvl3pPr>
+            <a:lvl4pPr marL="1371600" indent="0">
+              <a:buFontTx/>
+              <a:buNone/>
+              <a:defRPr/>
+            </a:lvl4pPr>
+            <a:lvl5pPr marL="1828800" indent="0">
+              <a:buFontTx/>
+              <a:buNone/>
+              <a:defRPr/>
+            </a:lvl5pPr>
+          </a:lstStyle>
+          <a:p>
+            <a:pPr lvl="0"/>
+            <a:r>
+              <a:rPr lang="en-US"/>
+              <a:t>Click to edit Master text styles</a:t>
+            </a:r>
+          </a:p>
+        </p:txBody>
+      </p:sp>
+      <p:sp>
+        <p:nvSpPr>
+          <p:cNvPr id="3" name="Text Placeholder 2"/>
+          <p:cNvSpPr>
+            <a:spLocks noGrp="1"/>
+          </p:cNvSpPr>
+          <p:nvPr>
+            <p:ph type="body" idx="1"/>
+          </p:nvPr>
+        </p:nvSpPr>
+        <p:spPr>
+          <a:xfrm>
+            <a:off x="677335" y="4470400"/>
+            <a:ext cx="8596668" cy="1570962"/>
+          </a:xfrm>
+        </p:spPr>
+        <p:txBody>
+          <a:bodyPr anchor="ctr">
+            <a:normAutofit/>
+          </a:bodyPr>
+          <a:lstStyle>
+            <a:lvl1pPr marL="0" indent="0" algn="l">
+              <a:buNone/>
+              <a:defRPr sz="1800">
+                <a:solidFill>
+                  <a:schemeClr val="tx1">
+                    <a:lumMod val="75000"/>
+                    <a:lumOff val="25000"/>
+                  </a:schemeClr>
+                </a:solidFill>
+              </a:defRPr>
+            </a:lvl1pPr>
+            <a:lvl2pPr marL="457200" indent="0">
+              <a:buNone/>
+              <a:defRPr sz="1800">
+                <a:solidFill>
+                  <a:schemeClr val="tx1">
+                    <a:tint val="75000"/>
+                  </a:schemeClr>
+                </a:solidFill>
+              </a:defRPr>
+            </a:lvl2pPr>
+            <a:lvl3pPr marL="914400" indent="0">
+              <a:buNone/>
+              <a:defRPr sz="1600">
+                <a:solidFill>
+                  <a:schemeClr val="tx1">
+                    <a:tint val="75000"/>
+                  </a:schemeClr>
+                </a:solidFill>
+              </a:defRPr>
+            </a:lvl3pPr>
+            <a:lvl4pPr marL="1371600" indent="0">
+              <a:buNone/>
+              <a:defRPr sz="1400">
+                <a:solidFill>
+                  <a:schemeClr val="tx1">
+                    <a:tint val="75000"/>
+                  </a:schemeClr>
+                </a:solidFill>
+              </a:defRPr>
+            </a:lvl4pPr>
+            <a:lvl5pPr marL="1828800" indent="0">
+              <a:buNone/>
+              <a:defRPr sz="1400">
+                <a:solidFill>
+                  <a:schemeClr val="tx1">
+                    <a:tint val="75000"/>
+                  </a:schemeClr>
+                </a:solidFill>
+              </a:defRPr>
+            </a:lvl5pPr>
+            <a:lvl6pPr marL="2286000" indent="0">
+              <a:buNone/>
+              <a:defRPr sz="1400">
+                <a:solidFill>
+                  <a:schemeClr val="tx1">
+                    <a:tint val="75000"/>
+                  </a:schemeClr>
+                </a:solidFill>
+              </a:defRPr>
+            </a:lvl6pPr>
+            <a:lvl7pPr marL="2743200" indent="0">
+              <a:buNone/>
+              <a:defRPr sz="1400">
+                <a:solidFill>
+                  <a:schemeClr val="tx1">
+                    <a:tint val="75000"/>
+                  </a:schemeClr>
+                </a:solidFill>
+              </a:defRPr>
+            </a:lvl7pPr>
+            <a:lvl8pPr marL="3200400" indent="0">
+              <a:buNone/>
+              <a:defRPr sz="1400">
+                <a:solidFill>
+                  <a:schemeClr val="tx1">
+                    <a:tint val="75000"/>
+                  </a:schemeClr>
+                </a:solidFill>
+              </a:defRPr>
+            </a:lvl8pPr>
+            <a:lvl9pPr marL="3657600" indent="0">
+              <a:buNone/>
+              <a:defRPr sz="1400">
+                <a:solidFill>
+                  <a:schemeClr val="tx1">
+                    <a:tint val="75000"/>
+                  </a:schemeClr>
+                </a:solidFill>
+              </a:defRPr>
+            </a:lvl9pPr>
+          </a:lstStyle>
+          <a:p>
+            <a:pPr lvl="0"/>
+            <a:r>
+              <a:rPr lang="en-US"/>
+              <a:t>Click to edit Master text styles</a:t>
+            </a:r>
+          </a:p>
+        </p:txBody>
+      </p:sp>
+      <p:sp>
+        <p:nvSpPr>
+          <p:cNvPr id="4" name="Date Placeholder 3"/>
+          <p:cNvSpPr>
+            <a:spLocks noGrp="1"/>
+          </p:cNvSpPr>
+          <p:nvPr>
+            <p:ph type="dt" sz="half" idx="10"/>
+          </p:nvPr>
+        </p:nvSpPr>
+        <p:spPr/>
+        <p:txBody>
+          <a:bodyPr/>
+          <a:lstStyle/>
+          <a:p>
+            <a:fld id="{48A87A34-81AB-432B-8DAE-1953F412C126}" type="datetimeFigureOut">
+              <a:rPr lang="en-US" smtClean="0"/>
+              <a:pPr/>
+              <a:t>11/6/2019</a:t>
+            </a:fld>
+            <a:endParaRPr lang="en-US" dirty="0"/>
+          </a:p>
+        </p:txBody>
+      </p:sp>
+      <p:sp>
+        <p:nvSpPr>
+          <p:cNvPr id="5" name="Footer Placeholder 4"/>
+          <p:cNvSpPr>
+            <a:spLocks noGrp="1"/>
+          </p:cNvSpPr>
+          <p:nvPr>
+            <p:ph type="ftr" sz="quarter" idx="11"/>
+          </p:nvPr>
+        </p:nvSpPr>
+        <p:spPr/>
+        <p:txBody>
+          <a:bodyPr/>
+          <a:lstStyle/>
+          <a:p>
+            <a:endParaRPr lang="en-US" dirty="0"/>
+          </a:p>
+        </p:txBody>
+      </p:sp>
+      <p:sp>
+        <p:nvSpPr>
+          <p:cNvPr id="6" name="Slide Number Placeholder 5"/>
+          <p:cNvSpPr>
+            <a:spLocks noGrp="1"/>
+          </p:cNvSpPr>
+          <p:nvPr>
+            <p:ph type="sldNum" sz="quarter" idx="12"/>
+          </p:nvPr>
+        </p:nvSpPr>
+        <p:spPr/>
+        <p:txBody>
+          <a:bodyPr/>
+          <a:lstStyle/>
+          <a:p>
+            <a:fld id="{6D22F896-40B5-4ADD-8801-0D06FADFA095}" type="slidenum">
+              <a:rPr lang="en-US" smtClean="0"/>
+              <a:pPr/>
+              <a:t>‹#›</a:t>
+            </a:fld>
+            <a:endParaRPr lang="en-US" dirty="0"/>
+          </a:p>
+        </p:txBody>
+      </p:sp>
+      <p:sp>
+        <p:nvSpPr>
+          <p:cNvPr id="20" name="TextBox 19"/>
+          <p:cNvSpPr txBox="1"/>
+          <p:nvPr/>
+        </p:nvSpPr>
+        <p:spPr>
+          <a:xfrm>
+            <a:off x="541870" y="790378"/>
+            <a:ext cx="609600" cy="584776"/>
+          </a:xfrm>
+          <a:prstGeom prst="rect">
+            <a:avLst/>
+          </a:prstGeom>
+        </p:spPr>
+        <p:txBody>
+          <a:bodyPr vert="horz" lIns="91440" tIns="45720" rIns="91440" bIns="45720" rtlCol="0" anchor="ctr">
+            <a:noAutofit/>
+          </a:bodyPr>
+          <a:lstStyle/>
+          <a:p>
+            <a:pPr lvl="0"/>
+            <a:r>
+              <a:rPr lang="en-US" sz="8000" baseline="0" dirty="0">
+                <a:ln w="3175" cmpd="sng">
+                  <a:noFill/>
+                </a:ln>
+                <a:solidFill>
+                  <a:schemeClr val="accent1">
+                    <a:lumMod val="60000"/>
+                    <a:lumOff val="40000"/>
+                  </a:schemeClr>
+                </a:solidFill>
+                <a:effectLst/>
+                <a:latin typeface="Arial"/>
+              </a:rPr>
+              <a:t>“</a:t>
+            </a:r>
+          </a:p>
+        </p:txBody>
+      </p:sp>
+      <p:sp>
+        <p:nvSpPr>
+          <p:cNvPr id="22" name="TextBox 21"/>
+          <p:cNvSpPr txBox="1"/>
+          <p:nvPr/>
+        </p:nvSpPr>
+        <p:spPr>
+          <a:xfrm>
+            <a:off x="8893011" y="2886556"/>
+            <a:ext cx="609600" cy="584776"/>
+          </a:xfrm>
+          <a:prstGeom prst="rect">
+            <a:avLst/>
+          </a:prstGeom>
+        </p:spPr>
+        <p:txBody>
+          <a:bodyPr vert="horz" lIns="91440" tIns="45720" rIns="91440" bIns="45720" rtlCol="0" anchor="ctr">
+            <a:noAutofit/>
+          </a:bodyPr>
+          <a:lstStyle/>
+          <a:p>
+            <a:pPr lvl="0"/>
+            <a:r>
+              <a:rPr lang="en-US" sz="8000" baseline="0" dirty="0">
+                <a:ln w="3175" cmpd="sng">
+                  <a:noFill/>
+                </a:ln>
+                <a:solidFill>
+                  <a:schemeClr val="accent1">
+                    <a:lumMod val="60000"/>
+                    <a:lumOff val="40000"/>
+                  </a:schemeClr>
+                </a:solidFill>
+                <a:latin typeface="Arial"/>
+              </a:rPr>
+              <a:t>”</a:t>
+            </a:r>
+            <a:endParaRPr lang="en-US" dirty="0">
+              <a:solidFill>
+                <a:schemeClr val="accent1">
+                  <a:lumMod val="60000"/>
+                  <a:lumOff val="40000"/>
+                </a:schemeClr>
+              </a:solidFill>
+              <a:latin typeface="Arial"/>
+            </a:endParaRPr>
+          </a:p>
+        </p:txBody>
+      </p:sp>
+    </p:spTree>
+    <p:extLst>
+      <p:ext uri="{BB962C8B-B14F-4D97-AF65-F5344CB8AC3E}">
+        <p14:creationId xmlns:p14="http://schemas.microsoft.com/office/powerpoint/2010/main" val="347649769"/>
+      </p:ext>
+    </p:extLst>
+  </p:cSld>
+  <p:clrMapOvr>
+    <a:masterClrMapping/>
+  </p:clrMapOvr>
+</p:sldLayout>
+</file>
+
+<file path=ppt/slideLayouts/slideLayout12.xml><?xml version="1.0" encoding="utf-8"?>
+<p:sldLayout xmlns:a="http://schemas.openxmlformats.org/drawingml/2006/main" xmlns:r="http://schemas.openxmlformats.org/officeDocument/2006/relationships" xmlns:p="http://schemas.openxmlformats.org/presentationml/2006/main" preserve="1">
+  <p:cSld name="Name Card">
+    <p:spTree>
+      <p:nvGrpSpPr>
+        <p:cNvPr id="1" name=""/>
+        <p:cNvGrpSpPr/>
+        <p:nvPr/>
+      </p:nvGrpSpPr>
+      <p:grpSpPr>
+        <a:xfrm>
+          <a:off x="0" y="0"/>
+          <a:ext cx="0" cy="0"/>
+          <a:chOff x="0" y="0"/>
+          <a:chExt cx="0" cy="0"/>
+        </a:xfrm>
+      </p:grpSpPr>
+      <p:sp>
+        <p:nvSpPr>
+          <p:cNvPr id="2" name="Title 1"/>
+          <p:cNvSpPr>
+            <a:spLocks noGrp="1"/>
+          </p:cNvSpPr>
+          <p:nvPr>
+            <p:ph type="title"/>
+          </p:nvPr>
+        </p:nvSpPr>
+        <p:spPr>
+          <a:xfrm>
+            <a:off x="677335" y="1931988"/>
+            <a:ext cx="8596668" cy="2595460"/>
+          </a:xfrm>
+        </p:spPr>
+        <p:txBody>
+          <a:bodyPr anchor="b">
+            <a:normAutofit/>
+          </a:bodyPr>
+          <a:lstStyle>
+            <a:lvl1pPr algn="l">
+              <a:defRPr sz="4400" b="0" cap="none"/>
+            </a:lvl1pPr>
+          </a:lstStyle>
+          <a:p>
+            <a:r>
+              <a:rPr lang="en-US"/>
+              <a:t>Click to edit Master title style</a:t>
+            </a:r>
+            <a:endParaRPr lang="en-US" dirty="0"/>
+          </a:p>
+        </p:txBody>
+      </p:sp>
+      <p:sp>
+        <p:nvSpPr>
+          <p:cNvPr id="3" name="Text Placeholder 2"/>
+          <p:cNvSpPr>
+            <a:spLocks noGrp="1"/>
+          </p:cNvSpPr>
+          <p:nvPr>
+            <p:ph type="body" idx="1"/>
+          </p:nvPr>
+        </p:nvSpPr>
+        <p:spPr>
+          <a:xfrm>
+            <a:off x="677335" y="4527448"/>
+            <a:ext cx="8596668" cy="1513914"/>
+          </a:xfrm>
+        </p:spPr>
+        <p:txBody>
+          <a:bodyPr anchor="t">
+            <a:normAutofit/>
+          </a:bodyPr>
+          <a:lstStyle>
+            <a:lvl1pPr marL="0" indent="0" algn="l">
+              <a:buNone/>
+              <a:defRPr sz="1800">
+                <a:solidFill>
+                  <a:schemeClr val="tx1">
+                    <a:lumMod val="75000"/>
+                    <a:lumOff val="25000"/>
+                  </a:schemeClr>
+                </a:solidFill>
+              </a:defRPr>
+            </a:lvl1pPr>
+            <a:lvl2pPr marL="457200" indent="0">
+              <a:buNone/>
+              <a:defRPr sz="1800">
+                <a:solidFill>
+                  <a:schemeClr val="tx1">
+                    <a:tint val="75000"/>
+                  </a:schemeClr>
+                </a:solidFill>
+              </a:defRPr>
+            </a:lvl2pPr>
+            <a:lvl3pPr marL="914400" indent="0">
+              <a:buNone/>
+              <a:defRPr sz="1600">
+                <a:solidFill>
+                  <a:schemeClr val="tx1">
+                    <a:tint val="75000"/>
+                  </a:schemeClr>
+                </a:solidFill>
+              </a:defRPr>
+            </a:lvl3pPr>
+            <a:lvl4pPr marL="1371600" indent="0">
+              <a:buNone/>
+              <a:defRPr sz="1400">
+                <a:solidFill>
+                  <a:schemeClr val="tx1">
+                    <a:tint val="75000"/>
+                  </a:schemeClr>
+                </a:solidFill>
+              </a:defRPr>
+            </a:lvl4pPr>
+            <a:lvl5pPr marL="1828800" indent="0">
+              <a:buNone/>
+              <a:defRPr sz="1400">
+                <a:solidFill>
+                  <a:schemeClr val="tx1">
+                    <a:tint val="75000"/>
+                  </a:schemeClr>
+                </a:solidFill>
+              </a:defRPr>
+            </a:lvl5pPr>
+            <a:lvl6pPr marL="2286000" indent="0">
+              <a:buNone/>
+              <a:defRPr sz="1400">
+                <a:solidFill>
+                  <a:schemeClr val="tx1">
+                    <a:tint val="75000"/>
+                  </a:schemeClr>
+                </a:solidFill>
+              </a:defRPr>
+            </a:lvl6pPr>
+            <a:lvl7pPr marL="2743200" indent="0">
+              <a:buNone/>
+              <a:defRPr sz="1400">
+                <a:solidFill>
+                  <a:schemeClr val="tx1">
+                    <a:tint val="75000"/>
+                  </a:schemeClr>
+                </a:solidFill>
+              </a:defRPr>
+            </a:lvl7pPr>
+            <a:lvl8pPr marL="3200400" indent="0">
+              <a:buNone/>
+              <a:defRPr sz="1400">
+                <a:solidFill>
+                  <a:schemeClr val="tx1">
+                    <a:tint val="75000"/>
+                  </a:schemeClr>
+                </a:solidFill>
+              </a:defRPr>
+            </a:lvl8pPr>
+            <a:lvl9pPr marL="3657600" indent="0">
+              <a:buNone/>
+              <a:defRPr sz="1400">
+                <a:solidFill>
+                  <a:schemeClr val="tx1">
+                    <a:tint val="75000"/>
+                  </a:schemeClr>
+                </a:solidFill>
+              </a:defRPr>
+            </a:lvl9pPr>
+          </a:lstStyle>
+          <a:p>
+            <a:pPr lvl="0"/>
+            <a:r>
+              <a:rPr lang="en-US"/>
+              <a:t>Click to edit Master text styles</a:t>
+            </a:r>
+          </a:p>
+        </p:txBody>
+      </p:sp>
+      <p:sp>
+        <p:nvSpPr>
+          <p:cNvPr id="4" name="Date Placeholder 3"/>
+          <p:cNvSpPr>
+            <a:spLocks noGrp="1"/>
+          </p:cNvSpPr>
+          <p:nvPr>
+            <p:ph type="dt" sz="half" idx="10"/>
+          </p:nvPr>
+        </p:nvSpPr>
+        <p:spPr/>
+        <p:txBody>
+          <a:bodyPr/>
+          <a:lstStyle/>
+          <a:p>
+            <a:fld id="{48A87A34-81AB-432B-8DAE-1953F412C126}" type="datetimeFigureOut">
+              <a:rPr lang="en-US" smtClean="0"/>
+              <a:pPr/>
+              <a:t>11/6/2019</a:t>
+            </a:fld>
+            <a:endParaRPr lang="en-US" dirty="0"/>
+          </a:p>
+        </p:txBody>
+      </p:sp>
+      <p:sp>
+        <p:nvSpPr>
+          <p:cNvPr id="5" name="Footer Placeholder 4"/>
+          <p:cNvSpPr>
+            <a:spLocks noGrp="1"/>
+          </p:cNvSpPr>
+          <p:nvPr>
+            <p:ph type="ftr" sz="quarter" idx="11"/>
+          </p:nvPr>
+        </p:nvSpPr>
+        <p:spPr/>
+        <p:txBody>
+          <a:bodyPr/>
+          <a:lstStyle/>
+          <a:p>
+            <a:endParaRPr lang="en-US" dirty="0"/>
+          </a:p>
+        </p:txBody>
+      </p:sp>
+      <p:sp>
+        <p:nvSpPr>
+          <p:cNvPr id="6" name="Slide Number Placeholder 5"/>
+          <p:cNvSpPr>
+            <a:spLocks noGrp="1"/>
+          </p:cNvSpPr>
+          <p:nvPr>
+            <p:ph type="sldNum" sz="quarter" idx="12"/>
+          </p:nvPr>
+        </p:nvSpPr>
+        <p:spPr/>
+        <p:txBody>
+          <a:bodyPr/>
+          <a:lstStyle/>
+          <a:p>
+            <a:fld id="{6D22F896-40B5-4ADD-8801-0D06FADFA095}" type="slidenum">
+              <a:rPr lang="en-US" smtClean="0"/>
+              <a:pPr/>
+              <a:t>‹#›</a:t>
+            </a:fld>
+            <a:endParaRPr lang="en-US" dirty="0"/>
+          </a:p>
+        </p:txBody>
+      </p:sp>
+    </p:spTree>
+    <p:extLst>
+      <p:ext uri="{BB962C8B-B14F-4D97-AF65-F5344CB8AC3E}">
+        <p14:creationId xmlns:p14="http://schemas.microsoft.com/office/powerpoint/2010/main" val="2668431785"/>
+      </p:ext>
+    </p:extLst>
+  </p:cSld>
+  <p:clrMapOvr>
+    <a:masterClrMapping/>
+  </p:clrMapOvr>
+</p:sldLayout>
+</file>
+
+<file path=ppt/slideLayouts/slideLayout13.xml><?xml version="1.0" encoding="utf-8"?>
+<p:sldLayout xmlns:a="http://schemas.openxmlformats.org/drawingml/2006/main" xmlns:r="http://schemas.openxmlformats.org/officeDocument/2006/relationships" xmlns:p="http://schemas.openxmlformats.org/presentationml/2006/main" preserve="1">
+  <p:cSld name="Quote Name Card">
+    <p:spTree>
+      <p:nvGrpSpPr>
+        <p:cNvPr id="1" name=""/>
+        <p:cNvGrpSpPr/>
+        <p:nvPr/>
+      </p:nvGrpSpPr>
+      <p:grpSpPr>
+        <a:xfrm>
+          <a:off x="0" y="0"/>
+          <a:ext cx="0" cy="0"/>
+          <a:chOff x="0" y="0"/>
+          <a:chExt cx="0" cy="0"/>
+        </a:xfrm>
+      </p:grpSpPr>
+      <p:sp>
+        <p:nvSpPr>
+          <p:cNvPr id="2" name="Title 1"/>
+          <p:cNvSpPr>
+            <a:spLocks noGrp="1"/>
+          </p:cNvSpPr>
+          <p:nvPr>
+            <p:ph type="title"/>
+          </p:nvPr>
+        </p:nvSpPr>
+        <p:spPr>
+          <a:xfrm>
+            <a:off x="931334" y="609600"/>
+            <a:ext cx="8094134" cy="3022600"/>
+          </a:xfrm>
+        </p:spPr>
+        <p:txBody>
+          <a:bodyPr anchor="ctr">
+            <a:normAutofit/>
+          </a:bodyPr>
+          <a:lstStyle>
+            <a:lvl1pPr algn="l">
+              <a:defRPr sz="4400" b="0" cap="none"/>
+            </a:lvl1pPr>
+          </a:lstStyle>
+          <a:p>
+            <a:r>
+              <a:rPr lang="en-US"/>
+              <a:t>Click to edit Master title style</a:t>
+            </a:r>
+            <a:endParaRPr lang="en-US" dirty="0"/>
+          </a:p>
+        </p:txBody>
+      </p:sp>
+      <p:sp>
+        <p:nvSpPr>
+          <p:cNvPr id="23" name="Text Placeholder 9"/>
+          <p:cNvSpPr>
+            <a:spLocks noGrp="1"/>
+          </p:cNvSpPr>
+          <p:nvPr>
+            <p:ph type="body" sz="quarter" idx="13"/>
+          </p:nvPr>
+        </p:nvSpPr>
+        <p:spPr>
+          <a:xfrm>
+            <a:off x="677332" y="4013200"/>
+            <a:ext cx="8596669" cy="514248"/>
+          </a:xfrm>
+        </p:spPr>
+        <p:txBody>
+          <a:bodyPr anchor="b">
+            <a:noAutofit/>
+          </a:bodyPr>
+          <a:lstStyle>
+            <a:lvl1pPr marL="0" indent="0">
+              <a:buFontTx/>
+              <a:buNone/>
+              <a:defRPr sz="2400">
+                <a:solidFill>
+                  <a:schemeClr val="tx1">
+                    <a:lumMod val="75000"/>
+                    <a:lumOff val="25000"/>
+                  </a:schemeClr>
+                </a:solidFill>
+              </a:defRPr>
+            </a:lvl1pPr>
+            <a:lvl2pPr marL="457200" indent="0">
+              <a:buFontTx/>
+              <a:buNone/>
+              <a:defRPr/>
+            </a:lvl2pPr>
+            <a:lvl3pPr marL="914400" indent="0">
+              <a:buFontTx/>
+              <a:buNone/>
+              <a:defRPr/>
+            </a:lvl3pPr>
+            <a:lvl4pPr marL="1371600" indent="0">
+              <a:buFontTx/>
+              <a:buNone/>
+              <a:defRPr/>
+            </a:lvl4pPr>
+            <a:lvl5pPr marL="1828800" indent="0">
+              <a:buFontTx/>
+              <a:buNone/>
+              <a:defRPr/>
+            </a:lvl5pPr>
+          </a:lstStyle>
+          <a:p>
+            <a:pPr lvl="0"/>
+            <a:r>
+              <a:rPr lang="en-US"/>
+              <a:t>Click to edit Master text styles</a:t>
+            </a:r>
+          </a:p>
+        </p:txBody>
+      </p:sp>
+      <p:sp>
+        <p:nvSpPr>
+          <p:cNvPr id="3" name="Text Placeholder 2"/>
+          <p:cNvSpPr>
+            <a:spLocks noGrp="1"/>
+          </p:cNvSpPr>
+          <p:nvPr>
+            <p:ph type="body" idx="1"/>
+          </p:nvPr>
+        </p:nvSpPr>
+        <p:spPr>
+          <a:xfrm>
+            <a:off x="677335" y="4527448"/>
+            <a:ext cx="8596668" cy="1513914"/>
+          </a:xfrm>
+        </p:spPr>
+        <p:txBody>
+          <a:bodyPr anchor="t">
+            <a:normAutofit/>
+          </a:bodyPr>
+          <a:lstStyle>
+            <a:lvl1pPr marL="0" indent="0" algn="l">
+              <a:buNone/>
+              <a:defRPr sz="1800">
+                <a:solidFill>
+                  <a:schemeClr val="tx1">
+                    <a:lumMod val="50000"/>
+                    <a:lumOff val="50000"/>
+                  </a:schemeClr>
+                </a:solidFill>
+              </a:defRPr>
+            </a:lvl1pPr>
+            <a:lvl2pPr marL="457200" indent="0">
+              <a:buNone/>
+              <a:defRPr sz="1800">
+                <a:solidFill>
+                  <a:schemeClr val="tx1">
+                    <a:tint val="75000"/>
+                  </a:schemeClr>
+                </a:solidFill>
+              </a:defRPr>
+            </a:lvl2pPr>
+            <a:lvl3pPr marL="914400" indent="0">
+              <a:buNone/>
+              <a:defRPr sz="1600">
+                <a:solidFill>
+                  <a:schemeClr val="tx1">
+                    <a:tint val="75000"/>
+                  </a:schemeClr>
+                </a:solidFill>
+              </a:defRPr>
+            </a:lvl3pPr>
+            <a:lvl4pPr marL="1371600" indent="0">
+              <a:buNone/>
+              <a:defRPr sz="1400">
+                <a:solidFill>
+                  <a:schemeClr val="tx1">
+                    <a:tint val="75000"/>
+                  </a:schemeClr>
+                </a:solidFill>
+              </a:defRPr>
+            </a:lvl4pPr>
+            <a:lvl5pPr marL="1828800" indent="0">
+              <a:buNone/>
+              <a:defRPr sz="1400">
+                <a:solidFill>
+                  <a:schemeClr val="tx1">
+                    <a:tint val="75000"/>
+                  </a:schemeClr>
+                </a:solidFill>
+              </a:defRPr>
+            </a:lvl5pPr>
+            <a:lvl6pPr marL="2286000" indent="0">
+              <a:buNone/>
+              <a:defRPr sz="1400">
+                <a:solidFill>
+                  <a:schemeClr val="tx1">
+                    <a:tint val="75000"/>
+                  </a:schemeClr>
+                </a:solidFill>
+              </a:defRPr>
+            </a:lvl6pPr>
+            <a:lvl7pPr marL="2743200" indent="0">
+              <a:buNone/>
+              <a:defRPr sz="1400">
+                <a:solidFill>
+                  <a:schemeClr val="tx1">
+                    <a:tint val="75000"/>
+                  </a:schemeClr>
+                </a:solidFill>
+              </a:defRPr>
+            </a:lvl7pPr>
+            <a:lvl8pPr marL="3200400" indent="0">
+              <a:buNone/>
+              <a:defRPr sz="1400">
+                <a:solidFill>
+                  <a:schemeClr val="tx1">
+                    <a:tint val="75000"/>
+                  </a:schemeClr>
+                </a:solidFill>
+              </a:defRPr>
+            </a:lvl8pPr>
+            <a:lvl9pPr marL="3657600" indent="0">
+              <a:buNone/>
+              <a:defRPr sz="1400">
+                <a:solidFill>
+                  <a:schemeClr val="tx1">
+                    <a:tint val="75000"/>
+                  </a:schemeClr>
+                </a:solidFill>
+              </a:defRPr>
+            </a:lvl9pPr>
+          </a:lstStyle>
+          <a:p>
+            <a:pPr lvl="0"/>
+            <a:r>
+              <a:rPr lang="en-US"/>
+              <a:t>Click to edit Master text styles</a:t>
+            </a:r>
+          </a:p>
+        </p:txBody>
+      </p:sp>
+      <p:sp>
+        <p:nvSpPr>
+          <p:cNvPr id="4" name="Date Placeholder 3"/>
+          <p:cNvSpPr>
+            <a:spLocks noGrp="1"/>
+          </p:cNvSpPr>
+          <p:nvPr>
+            <p:ph type="dt" sz="half" idx="10"/>
+          </p:nvPr>
+        </p:nvSpPr>
+        <p:spPr/>
+        <p:txBody>
+          <a:bodyPr/>
+          <a:lstStyle/>
+          <a:p>
+            <a:fld id="{48A87A34-81AB-432B-8DAE-1953F412C126}" type="datetimeFigureOut">
+              <a:rPr lang="en-US" smtClean="0"/>
+              <a:pPr/>
+              <a:t>11/6/2019</a:t>
+            </a:fld>
+            <a:endParaRPr lang="en-US" dirty="0"/>
+          </a:p>
+        </p:txBody>
+      </p:sp>
+      <p:sp>
+        <p:nvSpPr>
+          <p:cNvPr id="5" name="Footer Placeholder 4"/>
+          <p:cNvSpPr>
+            <a:spLocks noGrp="1"/>
+          </p:cNvSpPr>
+          <p:nvPr>
+            <p:ph type="ftr" sz="quarter" idx="11"/>
+          </p:nvPr>
+        </p:nvSpPr>
+        <p:spPr/>
+        <p:txBody>
+          <a:bodyPr/>
+          <a:lstStyle/>
+          <a:p>
+            <a:endParaRPr lang="en-US" dirty="0"/>
+          </a:p>
+        </p:txBody>
+      </p:sp>
+      <p:sp>
+        <p:nvSpPr>
+          <p:cNvPr id="6" name="Slide Number Placeholder 5"/>
+          <p:cNvSpPr>
+            <a:spLocks noGrp="1"/>
+          </p:cNvSpPr>
+          <p:nvPr>
+            <p:ph type="sldNum" sz="quarter" idx="12"/>
+          </p:nvPr>
+        </p:nvSpPr>
+        <p:spPr/>
+        <p:txBody>
+          <a:bodyPr/>
+          <a:lstStyle/>
+          <a:p>
+            <a:fld id="{6D22F896-40B5-4ADD-8801-0D06FADFA095}" type="slidenum">
+              <a:rPr lang="en-US" smtClean="0"/>
+              <a:pPr/>
+              <a:t>‹#›</a:t>
+            </a:fld>
+            <a:endParaRPr lang="en-US" dirty="0"/>
+          </a:p>
+        </p:txBody>
+      </p:sp>
+      <p:sp>
+        <p:nvSpPr>
+          <p:cNvPr id="24" name="TextBox 23"/>
+          <p:cNvSpPr txBox="1"/>
+          <p:nvPr/>
+        </p:nvSpPr>
+        <p:spPr>
+          <a:xfrm>
+            <a:off x="541870" y="790378"/>
+            <a:ext cx="609600" cy="584776"/>
+          </a:xfrm>
+          <a:prstGeom prst="rect">
+            <a:avLst/>
+          </a:prstGeom>
+        </p:spPr>
+        <p:txBody>
+          <a:bodyPr vert="horz" lIns="91440" tIns="45720" rIns="91440" bIns="45720" rtlCol="0" anchor="ctr">
+            <a:noAutofit/>
+          </a:bodyPr>
+          <a:lstStyle/>
+          <a:p>
+            <a:pPr lvl="0"/>
+            <a:r>
+              <a:rPr lang="en-US" sz="8000" baseline="0" dirty="0">
+                <a:ln w="3175" cmpd="sng">
+                  <a:noFill/>
+                </a:ln>
+                <a:solidFill>
+                  <a:schemeClr val="accent1">
+                    <a:lumMod val="60000"/>
+                    <a:lumOff val="40000"/>
+                  </a:schemeClr>
+                </a:solidFill>
+                <a:effectLst/>
+                <a:latin typeface="Arial"/>
+              </a:rPr>
+              <a:t>“</a:t>
+            </a:r>
+          </a:p>
+        </p:txBody>
+      </p:sp>
+      <p:sp>
+        <p:nvSpPr>
+          <p:cNvPr id="25" name="TextBox 24"/>
+          <p:cNvSpPr txBox="1"/>
+          <p:nvPr/>
+        </p:nvSpPr>
+        <p:spPr>
+          <a:xfrm>
+            <a:off x="8893011" y="2886556"/>
+            <a:ext cx="609600" cy="584776"/>
+          </a:xfrm>
+          <a:prstGeom prst="rect">
+            <a:avLst/>
+          </a:prstGeom>
+        </p:spPr>
+        <p:txBody>
+          <a:bodyPr vert="horz" lIns="91440" tIns="45720" rIns="91440" bIns="45720" rtlCol="0" anchor="ctr">
+            <a:noAutofit/>
+          </a:bodyPr>
+          <a:lstStyle/>
+          <a:p>
+            <a:pPr lvl="0"/>
+            <a:r>
+              <a:rPr lang="en-US" sz="8000" baseline="0" dirty="0">
+                <a:ln w="3175" cmpd="sng">
+                  <a:noFill/>
+                </a:ln>
+                <a:solidFill>
+                  <a:schemeClr val="accent1">
+                    <a:lumMod val="60000"/>
+                    <a:lumOff val="40000"/>
+                  </a:schemeClr>
+                </a:solidFill>
+                <a:effectLst/>
+                <a:latin typeface="Arial"/>
+              </a:rPr>
+              <a:t>”</a:t>
+            </a:r>
+          </a:p>
+        </p:txBody>
+      </p:sp>
+    </p:spTree>
+    <p:extLst>
+      <p:ext uri="{BB962C8B-B14F-4D97-AF65-F5344CB8AC3E}">
+        <p14:creationId xmlns:p14="http://schemas.microsoft.com/office/powerpoint/2010/main" val="4130424042"/>
+      </p:ext>
+    </p:extLst>
+  </p:cSld>
+  <p:clrMapOvr>
+    <a:masterClrMapping/>
+  </p:clrMapOvr>
+</p:sldLayout>
+</file>
+
+<file path=ppt/slideLayouts/slideLayout14.xml><?xml version="1.0" encoding="utf-8"?>
+<p:sldLayout xmlns:a="http://schemas.openxmlformats.org/drawingml/2006/main" xmlns:r="http://schemas.openxmlformats.org/officeDocument/2006/relationships" xmlns:p="http://schemas.openxmlformats.org/presentationml/2006/main" preserve="1">
+  <p:cSld name="True or False">
+    <p:spTree>
+      <p:nvGrpSpPr>
+        <p:cNvPr id="1" name=""/>
+        <p:cNvGrpSpPr/>
+        <p:nvPr/>
+      </p:nvGrpSpPr>
+      <p:grpSpPr>
+        <a:xfrm>
+          <a:off x="0" y="0"/>
+          <a:ext cx="0" cy="0"/>
+          <a:chOff x="0" y="0"/>
+          <a:chExt cx="0" cy="0"/>
+        </a:xfrm>
+      </p:grpSpPr>
+      <p:sp>
+        <p:nvSpPr>
+          <p:cNvPr id="2" name="Title 1"/>
+          <p:cNvSpPr>
+            <a:spLocks noGrp="1"/>
+          </p:cNvSpPr>
+          <p:nvPr>
+            <p:ph type="title"/>
+          </p:nvPr>
+        </p:nvSpPr>
+        <p:spPr>
+          <a:xfrm>
+            <a:off x="685799" y="609600"/>
+            <a:ext cx="8588203" cy="3022600"/>
+          </a:xfrm>
+        </p:spPr>
+        <p:txBody>
+          <a:bodyPr anchor="ctr">
+            <a:normAutofit/>
+          </a:bodyPr>
+          <a:lstStyle>
+            <a:lvl1pPr algn="l">
+              <a:defRPr sz="4400" b="0" cap="none"/>
+            </a:lvl1pPr>
+          </a:lstStyle>
+          <a:p>
+            <a:r>
+              <a:rPr lang="en-US"/>
+              <a:t>Click to edit Master title style</a:t>
+            </a:r>
+            <a:endParaRPr lang="en-US" dirty="0"/>
+          </a:p>
+        </p:txBody>
+      </p:sp>
+      <p:sp>
+        <p:nvSpPr>
+          <p:cNvPr id="23" name="Text Placeholder 9"/>
+          <p:cNvSpPr>
+            <a:spLocks noGrp="1"/>
+          </p:cNvSpPr>
+          <p:nvPr>
+            <p:ph type="body" sz="quarter" idx="13"/>
+          </p:nvPr>
+        </p:nvSpPr>
+        <p:spPr>
+          <a:xfrm>
+            <a:off x="677332" y="4013200"/>
+            <a:ext cx="8596669" cy="514248"/>
+          </a:xfrm>
+        </p:spPr>
+        <p:txBody>
+          <a:bodyPr anchor="b">
+            <a:noAutofit/>
+          </a:bodyPr>
+          <a:lstStyle>
+            <a:lvl1pPr marL="0" indent="0">
+              <a:buFontTx/>
+              <a:buNone/>
+              <a:defRPr sz="2400">
+                <a:solidFill>
+                  <a:schemeClr val="accent1"/>
+                </a:solidFill>
+              </a:defRPr>
+            </a:lvl1pPr>
+            <a:lvl2pPr marL="457200" indent="0">
+              <a:buFontTx/>
+              <a:buNone/>
+              <a:defRPr/>
+            </a:lvl2pPr>
+            <a:lvl3pPr marL="914400" indent="0">
+              <a:buFontTx/>
+              <a:buNone/>
+              <a:defRPr/>
+            </a:lvl3pPr>
+            <a:lvl4pPr marL="1371600" indent="0">
+              <a:buFontTx/>
+              <a:buNone/>
+              <a:defRPr/>
+            </a:lvl4pPr>
+            <a:lvl5pPr marL="1828800" indent="0">
+              <a:buFontTx/>
+              <a:buNone/>
+              <a:defRPr/>
+            </a:lvl5pPr>
+          </a:lstStyle>
+          <a:p>
+            <a:pPr lvl="0"/>
+            <a:r>
+              <a:rPr lang="en-US"/>
+              <a:t>Click to edit Master text styles</a:t>
+            </a:r>
+          </a:p>
+        </p:txBody>
+      </p:sp>
+      <p:sp>
+        <p:nvSpPr>
+          <p:cNvPr id="3" name="Text Placeholder 2"/>
+          <p:cNvSpPr>
+            <a:spLocks noGrp="1"/>
+          </p:cNvSpPr>
+          <p:nvPr>
+            <p:ph type="body" idx="1"/>
+          </p:nvPr>
+        </p:nvSpPr>
+        <p:spPr>
+          <a:xfrm>
+            <a:off x="677335" y="4527448"/>
+            <a:ext cx="8596668" cy="1513914"/>
+          </a:xfrm>
+        </p:spPr>
+        <p:txBody>
+          <a:bodyPr anchor="t">
+            <a:normAutofit/>
+          </a:bodyPr>
+          <a:lstStyle>
+            <a:lvl1pPr marL="0" indent="0" algn="l">
+              <a:buNone/>
+              <a:defRPr sz="1800">
+                <a:solidFill>
+                  <a:schemeClr val="tx1">
+                    <a:lumMod val="50000"/>
+                    <a:lumOff val="50000"/>
+                  </a:schemeClr>
+                </a:solidFill>
+              </a:defRPr>
+            </a:lvl1pPr>
+            <a:lvl2pPr marL="457200" indent="0">
+              <a:buNone/>
+              <a:defRPr sz="1800">
+                <a:solidFill>
+                  <a:schemeClr val="tx1">
+                    <a:tint val="75000"/>
+                  </a:schemeClr>
+                </a:solidFill>
+              </a:defRPr>
+            </a:lvl2pPr>
+            <a:lvl3pPr marL="914400" indent="0">
+              <a:buNone/>
+              <a:defRPr sz="1600">
+                <a:solidFill>
+                  <a:schemeClr val="tx1">
+                    <a:tint val="75000"/>
+                  </a:schemeClr>
+                </a:solidFill>
+              </a:defRPr>
+            </a:lvl3pPr>
+            <a:lvl4pPr marL="1371600" indent="0">
+              <a:buNone/>
+              <a:defRPr sz="1400">
+                <a:solidFill>
+                  <a:schemeClr val="tx1">
+                    <a:tint val="75000"/>
+                  </a:schemeClr>
+                </a:solidFill>
+              </a:defRPr>
+            </a:lvl4pPr>
+            <a:lvl5pPr marL="1828800" indent="0">
+              <a:buNone/>
+              <a:defRPr sz="1400">
+                <a:solidFill>
+                  <a:schemeClr val="tx1">
+                    <a:tint val="75000"/>
+                  </a:schemeClr>
+                </a:solidFill>
+              </a:defRPr>
+            </a:lvl5pPr>
+            <a:lvl6pPr marL="2286000" indent="0">
+              <a:buNone/>
+              <a:defRPr sz="1400">
+                <a:solidFill>
+                  <a:schemeClr val="tx1">
+                    <a:tint val="75000"/>
+                  </a:schemeClr>
+                </a:solidFill>
+              </a:defRPr>
+            </a:lvl6pPr>
+            <a:lvl7pPr marL="2743200" indent="0">
+              <a:buNone/>
+              <a:defRPr sz="1400">
+                <a:solidFill>
+                  <a:schemeClr val="tx1">
+                    <a:tint val="75000"/>
+                  </a:schemeClr>
+                </a:solidFill>
+              </a:defRPr>
+            </a:lvl7pPr>
+            <a:lvl8pPr marL="3200400" indent="0">
+              <a:buNone/>
+              <a:defRPr sz="1400">
+                <a:solidFill>
+                  <a:schemeClr val="tx1">
+                    <a:tint val="75000"/>
+                  </a:schemeClr>
+                </a:solidFill>
+              </a:defRPr>
+            </a:lvl8pPr>
+            <a:lvl9pPr marL="3657600" indent="0">
+              <a:buNone/>
+              <a:defRPr sz="1400">
+                <a:solidFill>
+                  <a:schemeClr val="tx1">
+                    <a:tint val="75000"/>
+                  </a:schemeClr>
+                </a:solidFill>
+              </a:defRPr>
+            </a:lvl9pPr>
+          </a:lstStyle>
+          <a:p>
+            <a:pPr lvl="0"/>
+            <a:r>
+              <a:rPr lang="en-US"/>
+              <a:t>Click to edit Master text styles</a:t>
+            </a:r>
+          </a:p>
+        </p:txBody>
+      </p:sp>
+      <p:sp>
+        <p:nvSpPr>
+          <p:cNvPr id="4" name="Date Placeholder 3"/>
+          <p:cNvSpPr>
+            <a:spLocks noGrp="1"/>
+          </p:cNvSpPr>
+          <p:nvPr>
+            <p:ph type="dt" sz="half" idx="10"/>
+          </p:nvPr>
+        </p:nvSpPr>
+        <p:spPr/>
+        <p:txBody>
+          <a:bodyPr/>
+          <a:lstStyle/>
+          <a:p>
+            <a:fld id="{48A87A34-81AB-432B-8DAE-1953F412C126}" type="datetimeFigureOut">
+              <a:rPr lang="en-US" smtClean="0"/>
+              <a:pPr/>
+              <a:t>11/6/2019</a:t>
+            </a:fld>
+            <a:endParaRPr lang="en-US" dirty="0"/>
+          </a:p>
+        </p:txBody>
+      </p:sp>
+      <p:sp>
+        <p:nvSpPr>
+          <p:cNvPr id="5" name="Footer Placeholder 4"/>
+          <p:cNvSpPr>
+            <a:spLocks noGrp="1"/>
+          </p:cNvSpPr>
+          <p:nvPr>
+            <p:ph type="ftr" sz="quarter" idx="11"/>
+          </p:nvPr>
+        </p:nvSpPr>
+        <p:spPr/>
+        <p:txBody>
+          <a:bodyPr/>
+          <a:lstStyle/>
+          <a:p>
+            <a:endParaRPr lang="en-US" dirty="0"/>
+          </a:p>
+        </p:txBody>
+      </p:sp>
+      <p:sp>
+        <p:nvSpPr>
+          <p:cNvPr id="6" name="Slide Number Placeholder 5"/>
+          <p:cNvSpPr>
+            <a:spLocks noGrp="1"/>
+          </p:cNvSpPr>
+          <p:nvPr>
+            <p:ph type="sldNum" sz="quarter" idx="12"/>
+          </p:nvPr>
+        </p:nvSpPr>
+        <p:spPr/>
+        <p:txBody>
+          <a:bodyPr/>
+          <a:lstStyle/>
+          <a:p>
+            <a:fld id="{6D22F896-40B5-4ADD-8801-0D06FADFA095}" type="slidenum">
+              <a:rPr lang="en-US" smtClean="0"/>
+              <a:pPr/>
+              <a:t>‹#›</a:t>
+            </a:fld>
+            <a:endParaRPr lang="en-US" dirty="0"/>
+          </a:p>
+        </p:txBody>
+      </p:sp>
+    </p:spTree>
+    <p:extLst>
+      <p:ext uri="{BB962C8B-B14F-4D97-AF65-F5344CB8AC3E}">
+        <p14:creationId xmlns:p14="http://schemas.microsoft.com/office/powerpoint/2010/main" val="4009802108"/>
+      </p:ext>
+    </p:extLst>
+  </p:cSld>
+  <p:clrMapOvr>
+    <a:masterClrMapping/>
+  </p:clrMapOvr>
+</p:sldLayout>
+</file>
+
+<file path=ppt/slideLayouts/slideLayout15.xml><?xml version="1.0" encoding="utf-8"?>
 <p:sldLayout xmlns:a="http://schemas.openxmlformats.org/drawingml/2006/main" xmlns:r="http://schemas.openxmlformats.org/officeDocument/2006/relationships" xmlns:p="http://schemas.openxmlformats.org/presentationml/2006/main" type="vertTx" preserve="1">
   <p:cSld name="Title and Vertical Text">
     <p:spTree>
@@ -462,8 +2639,8 @@
           <a:lstStyle/>
           <a:p>
             <a:fld id="{48A87A34-81AB-432B-8DAE-1953F412C126}" type="datetimeFigureOut">
-              <a:rPr lang="en-US" dirty="0"/>
-              <a:t>11/5/2019</a:t>
+              <a:rPr lang="en-US" smtClean="0"/>
+              <a:t>11/6/2019</a:t>
             </a:fld>
             <a:endParaRPr lang="en-US" dirty="0"/>
           </a:p>
@@ -504,45 +2681,19 @@
           <a:lstStyle/>
           <a:p>
             <a:fld id="{6D22F896-40B5-4ADD-8801-0D06FADFA095}" type="slidenum">
-              <a:rPr lang="en-US" dirty="0"/>
+              <a:rPr lang="en-US" smtClean="0"/>
               <a:t>‹#›</a:t>
             </a:fld>
             <a:endParaRPr lang="en-US" dirty="0"/>
           </a:p>
         </p:txBody>
       </p:sp>
-      <p:cxnSp>
-        <p:nvCxnSpPr>
-          <p:cNvPr id="26" name="Straight Connector 25"/>
-          <p:cNvCxnSpPr/>
-          <p:nvPr/>
-        </p:nvCxnSpPr>
-        <p:spPr>
-          <a:xfrm>
-            <a:off x="1453896" y="1847088"/>
-            <a:ext cx="9607522" cy="0"/>
-          </a:xfrm>
-          <a:prstGeom prst="line">
-            <a:avLst/>
-          </a:prstGeom>
-          <a:ln w="31750"/>
-        </p:spPr>
-        <p:style>
-          <a:lnRef idx="3">
-            <a:schemeClr val="accent1"/>
-          </a:lnRef>
-          <a:fillRef idx="0">
-            <a:schemeClr val="accent1"/>
-          </a:fillRef>
-          <a:effectRef idx="2">
-            <a:schemeClr val="accent1"/>
-          </a:effectRef>
-          <a:fontRef idx="minor">
-            <a:schemeClr val="tx1"/>
-          </a:fontRef>
-        </p:style>
-      </p:cxnSp>
     </p:spTree>
+    <p:extLst>
+      <p:ext uri="{BB962C8B-B14F-4D97-AF65-F5344CB8AC3E}">
+        <p14:creationId xmlns:p14="http://schemas.microsoft.com/office/powerpoint/2010/main" val="2963785222"/>
+      </p:ext>
+    </p:extLst>
   </p:cSld>
   <p:clrMapOvr>
     <a:masterClrMapping/>
@@ -550,7 +2701,7 @@
 </p:sldLayout>
 </file>
 
-<file path=ppt/slideLayouts/slideLayout11.xml><?xml version="1.0" encoding="utf-8"?>
+<file path=ppt/slideLayouts/slideLayout16.xml><?xml version="1.0" encoding="utf-8"?>
 <p:sldLayout xmlns:a="http://schemas.openxmlformats.org/drawingml/2006/main" xmlns:r="http://schemas.openxmlformats.org/officeDocument/2006/relationships" xmlns:p="http://schemas.openxmlformats.org/presentationml/2006/main" type="vertTitleAndTx" preserve="1">
   <p:cSld name="Vertical Title and Text">
     <p:spTree>
@@ -579,17 +2730,13 @@
         </p:nvSpPr>
         <p:spPr>
           <a:xfrm>
-            <a:off x="9439111" y="798973"/>
-            <a:ext cx="1615742" cy="4659889"/>
+            <a:off x="7967673" y="609599"/>
+            <a:ext cx="1304743" cy="5251451"/>
           </a:xfrm>
         </p:spPr>
         <p:txBody>
-          <a:bodyPr vert="eaVert"/>
-          <a:lstStyle>
-            <a:lvl1pPr algn="l">
-              <a:defRPr/>
-            </a:lvl1pPr>
-          </a:lstStyle>
+          <a:bodyPr vert="eaVert" anchor="ctr"/>
+          <a:lstStyle/>
           <a:p>
             <a:r>
               <a:rPr lang="en-US"/>
@@ -611,8 +2758,8 @@
         </p:nvSpPr>
         <p:spPr>
           <a:xfrm>
-            <a:off x="1444672" y="798973"/>
-            <a:ext cx="7828830" cy="4659889"/>
+            <a:off x="677335" y="609600"/>
+            <a:ext cx="7060150" cy="5251450"/>
           </a:xfrm>
         </p:spPr>
         <p:txBody>
@@ -672,8 +2819,8 @@
           <a:lstStyle/>
           <a:p>
             <a:fld id="{48A87A34-81AB-432B-8DAE-1953F412C126}" type="datetimeFigureOut">
-              <a:rPr lang="en-US" dirty="0"/>
-              <a:t>11/5/2019</a:t>
+              <a:rPr lang="en-US" smtClean="0"/>
+              <a:t>11/6/2019</a:t>
             </a:fld>
             <a:endParaRPr lang="en-US" dirty="0"/>
           </a:p>
@@ -714,45 +2861,19 @@
           <a:lstStyle/>
           <a:p>
             <a:fld id="{6D22F896-40B5-4ADD-8801-0D06FADFA095}" type="slidenum">
-              <a:rPr lang="en-US" dirty="0"/>
+              <a:rPr lang="en-US" smtClean="0"/>
               <a:t>‹#›</a:t>
             </a:fld>
             <a:endParaRPr lang="en-US" dirty="0"/>
           </a:p>
         </p:txBody>
       </p:sp>
-      <p:cxnSp>
-        <p:nvCxnSpPr>
-          <p:cNvPr id="15" name="Straight Connector 14"/>
-          <p:cNvCxnSpPr/>
-          <p:nvPr/>
-        </p:nvCxnSpPr>
-        <p:spPr>
-          <a:xfrm>
-            <a:off x="9439111" y="798973"/>
-            <a:ext cx="0" cy="4659889"/>
-          </a:xfrm>
-          <a:prstGeom prst="line">
-            <a:avLst/>
-          </a:prstGeom>
-          <a:ln w="31750"/>
-        </p:spPr>
-        <p:style>
-          <a:lnRef idx="3">
-            <a:schemeClr val="accent1"/>
-          </a:lnRef>
-          <a:fillRef idx="0">
-            <a:schemeClr val="accent1"/>
-          </a:fillRef>
-          <a:effectRef idx="2">
-            <a:schemeClr val="accent1"/>
-          </a:effectRef>
-          <a:fontRef idx="minor">
-            <a:schemeClr val="tx1"/>
-          </a:fontRef>
-        </p:style>
-      </p:cxnSp>
     </p:spTree>
+    <p:extLst>
+      <p:ext uri="{BB962C8B-B14F-4D97-AF65-F5344CB8AC3E}">
+        <p14:creationId xmlns:p14="http://schemas.microsoft.com/office/powerpoint/2010/main" val="1825947686"/>
+      </p:ext>
+    </p:extLst>
   </p:cSld>
   <p:clrMapOvr>
     <a:masterClrMapping/>
@@ -789,8 +2910,14 @@
         </p:nvSpPr>
         <p:spPr/>
         <p:txBody>
-          <a:bodyPr/>
-          <a:lstStyle/>
+          <a:bodyPr>
+            <a:normAutofit/>
+          </a:bodyPr>
+          <a:lstStyle>
+            <a:lvl1pPr>
+              <a:defRPr sz="3600"/>
+            </a:lvl1pPr>
+          </a:lstStyle>
           <a:p>
             <a:r>
               <a:rPr lang="en-US"/>
@@ -812,7 +2939,7 @@
         </p:nvSpPr>
         <p:spPr/>
         <p:txBody>
-          <a:bodyPr anchor="t"/>
+          <a:bodyPr/>
           <a:lstStyle/>
           <a:p>
             <a:pPr lvl="0"/>
@@ -868,8 +2995,8 @@
           <a:lstStyle/>
           <a:p>
             <a:fld id="{48A87A34-81AB-432B-8DAE-1953F412C126}" type="datetimeFigureOut">
-              <a:rPr lang="en-US" dirty="0"/>
-              <a:t>11/5/2019</a:t>
+              <a:rPr lang="en-US" smtClean="0"/>
+              <a:t>11/6/2019</a:t>
             </a:fld>
             <a:endParaRPr lang="en-US" dirty="0"/>
           </a:p>
@@ -910,45 +3037,19 @@
           <a:lstStyle/>
           <a:p>
             <a:fld id="{6D22F896-40B5-4ADD-8801-0D06FADFA095}" type="slidenum">
-              <a:rPr lang="en-US" dirty="0"/>
+              <a:rPr lang="en-US" smtClean="0"/>
               <a:t>‹#›</a:t>
             </a:fld>
             <a:endParaRPr lang="en-US" dirty="0"/>
           </a:p>
         </p:txBody>
       </p:sp>
-      <p:cxnSp>
-        <p:nvCxnSpPr>
-          <p:cNvPr id="33" name="Straight Connector 32"/>
-          <p:cNvCxnSpPr/>
-          <p:nvPr/>
-        </p:nvCxnSpPr>
-        <p:spPr>
-          <a:xfrm>
-            <a:off x="1453896" y="1847088"/>
-            <a:ext cx="9607522" cy="0"/>
-          </a:xfrm>
-          <a:prstGeom prst="line">
-            <a:avLst/>
-          </a:prstGeom>
-          <a:ln w="31750"/>
-        </p:spPr>
-        <p:style>
-          <a:lnRef idx="3">
-            <a:schemeClr val="accent1"/>
-          </a:lnRef>
-          <a:fillRef idx="0">
-            <a:schemeClr val="accent1"/>
-          </a:fillRef>
-          <a:effectRef idx="2">
-            <a:schemeClr val="accent1"/>
-          </a:effectRef>
-          <a:fontRef idx="minor">
-            <a:schemeClr val="tx1"/>
-          </a:fontRef>
-        </p:style>
-      </p:cxnSp>
     </p:spTree>
+    <p:extLst>
+      <p:ext uri="{BB962C8B-B14F-4D97-AF65-F5344CB8AC3E}">
+        <p14:creationId xmlns:p14="http://schemas.microsoft.com/office/powerpoint/2010/main" val="472403945"/>
+      </p:ext>
+    </p:extLst>
   </p:cSld>
   <p:clrMapOvr>
     <a:masterClrMapping/>
@@ -985,17 +3086,15 @@
         </p:nvSpPr>
         <p:spPr>
           <a:xfrm>
-            <a:off x="1454239" y="1756130"/>
-            <a:ext cx="8643154" cy="1887950"/>
+            <a:off x="677335" y="2700867"/>
+            <a:ext cx="8596668" cy="1826581"/>
           </a:xfrm>
         </p:spPr>
         <p:txBody>
-          <a:bodyPr anchor="b">
-            <a:normAutofit/>
-          </a:bodyPr>
+          <a:bodyPr anchor="b"/>
           <a:lstStyle>
             <a:lvl1pPr algn="l">
-              <a:defRPr sz="3600"/>
+              <a:defRPr sz="4000" b="0" cap="none"/>
             </a:lvl1pPr>
           </a:lstStyle>
           <a:p>
@@ -1019,20 +3118,21 @@
         </p:nvSpPr>
         <p:spPr>
           <a:xfrm>
-            <a:off x="1454239" y="3806195"/>
-            <a:ext cx="8630446" cy="1012929"/>
+            <a:off x="677335" y="4527448"/>
+            <a:ext cx="8596668" cy="860400"/>
           </a:xfrm>
         </p:spPr>
         <p:txBody>
-          <a:bodyPr tIns="91440">
-            <a:normAutofit/>
-          </a:bodyPr>
+          <a:bodyPr anchor="t"/>
           <a:lstStyle>
             <a:lvl1pPr marL="0" indent="0" algn="l">
               <a:buNone/>
-              <a:defRPr sz="1800">
-                <a:solidFill>
-                  <a:schemeClr val="tx1"/>
+              <a:defRPr sz="2000">
+                <a:solidFill>
+                  <a:schemeClr val="tx1">
+                    <a:lumMod val="50000"/>
+                    <a:lumOff val="50000"/>
+                  </a:schemeClr>
                 </a:solidFill>
               </a:defRPr>
             </a:lvl1pPr>
@@ -1048,7 +3148,7 @@
             </a:lvl2pPr>
             <a:lvl3pPr marL="914400" indent="0">
               <a:buNone/>
-              <a:defRPr sz="1800">
+              <a:defRPr sz="1600">
                 <a:solidFill>
                   <a:schemeClr val="tx1">
                     <a:tint val="75000"/>
@@ -1058,7 +3158,7 @@
             </a:lvl3pPr>
             <a:lvl4pPr marL="1371600" indent="0">
               <a:buNone/>
-              <a:defRPr sz="1600">
+              <a:defRPr sz="1400">
                 <a:solidFill>
                   <a:schemeClr val="tx1">
                     <a:tint val="75000"/>
@@ -1068,7 +3168,7 @@
             </a:lvl4pPr>
             <a:lvl5pPr marL="1828800" indent="0">
               <a:buNone/>
-              <a:defRPr sz="1600">
+              <a:defRPr sz="1400">
                 <a:solidFill>
                   <a:schemeClr val="tx1">
                     <a:tint val="75000"/>
@@ -1078,7 +3178,7 @@
             </a:lvl5pPr>
             <a:lvl6pPr marL="2286000" indent="0">
               <a:buNone/>
-              <a:defRPr sz="1600">
+              <a:defRPr sz="1400">
                 <a:solidFill>
                   <a:schemeClr val="tx1">
                     <a:tint val="75000"/>
@@ -1088,7 +3188,7 @@
             </a:lvl6pPr>
             <a:lvl7pPr marL="2743200" indent="0">
               <a:buNone/>
-              <a:defRPr sz="1600">
+              <a:defRPr sz="1400">
                 <a:solidFill>
                   <a:schemeClr val="tx1">
                     <a:tint val="75000"/>
@@ -1098,7 +3198,7 @@
             </a:lvl7pPr>
             <a:lvl8pPr marL="3200400" indent="0">
               <a:buNone/>
-              <a:defRPr sz="1600">
+              <a:defRPr sz="1400">
                 <a:solidFill>
                   <a:schemeClr val="tx1">
                     <a:tint val="75000"/>
@@ -1108,7 +3208,7 @@
             </a:lvl8pPr>
             <a:lvl9pPr marL="3657600" indent="0">
               <a:buNone/>
-              <a:defRPr sz="1600">
+              <a:defRPr sz="1400">
                 <a:solidFill>
                   <a:schemeClr val="tx1">
                     <a:tint val="75000"/>
@@ -1142,8 +3242,8 @@
           <a:lstStyle/>
           <a:p>
             <a:fld id="{48A87A34-81AB-432B-8DAE-1953F412C126}" type="datetimeFigureOut">
-              <a:rPr lang="en-US" dirty="0"/>
-              <a:t>11/5/2019</a:t>
+              <a:rPr lang="en-US" smtClean="0"/>
+              <a:t>11/6/2019</a:t>
             </a:fld>
             <a:endParaRPr lang="en-US" dirty="0"/>
           </a:p>
@@ -1184,45 +3284,19 @@
           <a:lstStyle/>
           <a:p>
             <a:fld id="{6D22F896-40B5-4ADD-8801-0D06FADFA095}" type="slidenum">
-              <a:rPr lang="en-US" dirty="0"/>
+              <a:rPr lang="en-US" smtClean="0"/>
               <a:t>‹#›</a:t>
             </a:fld>
             <a:endParaRPr lang="en-US" dirty="0"/>
           </a:p>
         </p:txBody>
       </p:sp>
-      <p:cxnSp>
-        <p:nvCxnSpPr>
-          <p:cNvPr id="15" name="Straight Connector 14"/>
-          <p:cNvCxnSpPr/>
-          <p:nvPr/>
-        </p:nvCxnSpPr>
-        <p:spPr>
-          <a:xfrm>
-            <a:off x="1454239" y="3804985"/>
-            <a:ext cx="8630446" cy="0"/>
-          </a:xfrm>
-          <a:prstGeom prst="line">
-            <a:avLst/>
-          </a:prstGeom>
-          <a:ln w="31750"/>
-        </p:spPr>
-        <p:style>
-          <a:lnRef idx="3">
-            <a:schemeClr val="accent1"/>
-          </a:lnRef>
-          <a:fillRef idx="0">
-            <a:schemeClr val="accent1"/>
-          </a:fillRef>
-          <a:effectRef idx="2">
-            <a:schemeClr val="accent1"/>
-          </a:effectRef>
-          <a:fontRef idx="minor">
-            <a:schemeClr val="tx1"/>
-          </a:fontRef>
-        </p:style>
-      </p:cxnSp>
     </p:spTree>
+    <p:extLst>
+      <p:ext uri="{BB962C8B-B14F-4D97-AF65-F5344CB8AC3E}">
+        <p14:creationId xmlns:p14="http://schemas.microsoft.com/office/powerpoint/2010/main" val="3307281203"/>
+      </p:ext>
+    </p:extLst>
   </p:cSld>
   <p:clrMapOvr>
     <a:masterClrMapping/>
@@ -1257,19 +3331,71 @@
             <p:ph type="title"/>
           </p:nvPr>
         </p:nvSpPr>
+        <p:spPr/>
+        <p:txBody>
+          <a:bodyPr/>
+          <a:lstStyle/>
+          <a:p>
+            <a:r>
+              <a:rPr lang="en-US"/>
+              <a:t>Click to edit Master title style</a:t>
+            </a:r>
+            <a:endParaRPr lang="en-US" dirty="0"/>
+          </a:p>
+        </p:txBody>
+      </p:sp>
+      <p:sp>
+        <p:nvSpPr>
+          <p:cNvPr id="3" name="Content Placeholder 2"/>
+          <p:cNvSpPr>
+            <a:spLocks noGrp="1"/>
+          </p:cNvSpPr>
+          <p:nvPr>
+            <p:ph sz="half" idx="1"/>
+          </p:nvPr>
+        </p:nvSpPr>
         <p:spPr>
           <a:xfrm>
-            <a:off x="1449217" y="804889"/>
-            <a:ext cx="9605635" cy="1059305"/>
+            <a:off x="677334" y="2160589"/>
+            <a:ext cx="4184035" cy="3880772"/>
           </a:xfrm>
         </p:spPr>
         <p:txBody>
           <a:bodyPr/>
           <a:lstStyle/>
           <a:p>
+            <a:pPr lvl="0"/>
             <a:r>
               <a:rPr lang="en-US"/>
-              <a:t>Click to edit Master title style</a:t>
+              <a:t>Click to edit Master text styles</a:t>
+            </a:r>
+          </a:p>
+          <a:p>
+            <a:pPr lvl="1"/>
+            <a:r>
+              <a:rPr lang="en-US"/>
+              <a:t>Second level</a:t>
+            </a:r>
+          </a:p>
+          <a:p>
+            <a:pPr lvl="2"/>
+            <a:r>
+              <a:rPr lang="en-US"/>
+              <a:t>Third level</a:t>
+            </a:r>
+          </a:p>
+          <a:p>
+            <a:pPr lvl="3"/>
+            <a:r>
+              <a:rPr lang="en-US"/>
+              <a:t>Fourth level</a:t>
+            </a:r>
+          </a:p>
+          <a:p>
+            <a:pPr lvl="4"/>
+            <a:r>
+              <a:rPr lang="en-US"/>
+              <a:t>Fifth level</a:t>
             </a:r>
             <a:endParaRPr lang="en-US" dirty="0"/>
           </a:p>
@@ -1277,18 +3403,18 @@
       </p:sp>
       <p:sp>
         <p:nvSpPr>
-          <p:cNvPr id="3" name="Content Placeholder 2"/>
-          <p:cNvSpPr>
-            <a:spLocks noGrp="1"/>
-          </p:cNvSpPr>
-          <p:nvPr>
-            <p:ph sz="half" idx="1"/>
+          <p:cNvPr id="4" name="Content Placeholder 3"/>
+          <p:cNvSpPr>
+            <a:spLocks noGrp="1"/>
+          </p:cNvSpPr>
+          <p:nvPr>
+            <p:ph sz="half" idx="2"/>
           </p:nvPr>
         </p:nvSpPr>
         <p:spPr>
           <a:xfrm>
-            <a:off x="1447331" y="2010878"/>
-            <a:ext cx="4645152" cy="3448595"/>
+            <a:off x="5089970" y="2160589"/>
+            <a:ext cx="4184034" cy="3880773"/>
           </a:xfrm>
         </p:spPr>
         <p:txBody>
@@ -1334,79 +3460,22 @@
       </p:sp>
       <p:sp>
         <p:nvSpPr>
-          <p:cNvPr id="4" name="Content Placeholder 3"/>
-          <p:cNvSpPr>
-            <a:spLocks noGrp="1"/>
-          </p:cNvSpPr>
-          <p:nvPr>
-            <p:ph sz="half" idx="2"/>
-          </p:nvPr>
-        </p:nvSpPr>
-        <p:spPr>
-          <a:xfrm>
-            <a:off x="6413771" y="2017343"/>
-            <a:ext cx="4645152" cy="3441520"/>
-          </a:xfrm>
-        </p:spPr>
+          <p:cNvPr id="5" name="Date Placeholder 4"/>
+          <p:cNvSpPr>
+            <a:spLocks noGrp="1"/>
+          </p:cNvSpPr>
+          <p:nvPr>
+            <p:ph type="dt" sz="half" idx="10"/>
+          </p:nvPr>
+        </p:nvSpPr>
+        <p:spPr/>
         <p:txBody>
           <a:bodyPr/>
           <a:lstStyle/>
           <a:p>
-            <a:pPr lvl="0"/>
-            <a:r>
-              <a:rPr lang="en-US"/>
-              <a:t>Click to edit Master text styles</a:t>
-            </a:r>
-          </a:p>
-          <a:p>
-            <a:pPr lvl="1"/>
-            <a:r>
-              <a:rPr lang="en-US"/>
-              <a:t>Second level</a:t>
-            </a:r>
-          </a:p>
-          <a:p>
-            <a:pPr lvl="2"/>
-            <a:r>
-              <a:rPr lang="en-US"/>
-              <a:t>Third level</a:t>
-            </a:r>
-          </a:p>
-          <a:p>
-            <a:pPr lvl="3"/>
-            <a:r>
-              <a:rPr lang="en-US"/>
-              <a:t>Fourth level</a:t>
-            </a:r>
-          </a:p>
-          <a:p>
-            <a:pPr lvl="4"/>
-            <a:r>
-              <a:rPr lang="en-US"/>
-              <a:t>Fifth level</a:t>
-            </a:r>
-            <a:endParaRPr lang="en-US" dirty="0"/>
-          </a:p>
-        </p:txBody>
-      </p:sp>
-      <p:sp>
-        <p:nvSpPr>
-          <p:cNvPr id="5" name="Date Placeholder 4"/>
-          <p:cNvSpPr>
-            <a:spLocks noGrp="1"/>
-          </p:cNvSpPr>
-          <p:nvPr>
-            <p:ph type="dt" sz="half" idx="10"/>
-          </p:nvPr>
-        </p:nvSpPr>
-        <p:spPr/>
-        <p:txBody>
-          <a:bodyPr/>
-          <a:lstStyle/>
-          <a:p>
             <a:fld id="{48A87A34-81AB-432B-8DAE-1953F412C126}" type="datetimeFigureOut">
-              <a:rPr lang="en-US" dirty="0"/>
-              <a:t>11/5/2019</a:t>
+              <a:rPr lang="en-US" smtClean="0"/>
+              <a:t>11/6/2019</a:t>
             </a:fld>
             <a:endParaRPr lang="en-US" dirty="0"/>
           </a:p>
@@ -1447,45 +3516,19 @@
           <a:lstStyle/>
           <a:p>
             <a:fld id="{6D22F896-40B5-4ADD-8801-0D06FADFA095}" type="slidenum">
-              <a:rPr lang="en-US" dirty="0"/>
+              <a:rPr lang="en-US" smtClean="0"/>
               <a:t>‹#›</a:t>
             </a:fld>
             <a:endParaRPr lang="en-US" dirty="0"/>
           </a:p>
         </p:txBody>
       </p:sp>
-      <p:cxnSp>
-        <p:nvCxnSpPr>
-          <p:cNvPr id="35" name="Straight Connector 34"/>
-          <p:cNvCxnSpPr/>
-          <p:nvPr/>
-        </p:nvCxnSpPr>
-        <p:spPr>
-          <a:xfrm>
-            <a:off x="1453896" y="1847088"/>
-            <a:ext cx="9607522" cy="0"/>
-          </a:xfrm>
-          <a:prstGeom prst="line">
-            <a:avLst/>
-          </a:prstGeom>
-          <a:ln w="31750"/>
-        </p:spPr>
-        <p:style>
-          <a:lnRef idx="3">
-            <a:schemeClr val="accent1"/>
-          </a:lnRef>
-          <a:fillRef idx="0">
-            <a:schemeClr val="accent1"/>
-          </a:fillRef>
-          <a:effectRef idx="2">
-            <a:schemeClr val="accent1"/>
-          </a:effectRef>
-          <a:fontRef idx="minor">
-            <a:schemeClr val="tx1"/>
-          </a:fontRef>
-        </p:style>
-      </p:cxnSp>
     </p:spTree>
+    <p:extLst>
+      <p:ext uri="{BB962C8B-B14F-4D97-AF65-F5344CB8AC3E}">
+        <p14:creationId xmlns:p14="http://schemas.microsoft.com/office/powerpoint/2010/main" val="211716158"/>
+      </p:ext>
+    </p:extLst>
   </p:cSld>
   <p:clrMapOvr>
     <a:masterClrMapping/>
@@ -1520,55 +3563,47 @@
             <p:ph type="title"/>
           </p:nvPr>
         </p:nvSpPr>
+        <p:spPr/>
+        <p:txBody>
+          <a:bodyPr/>
+          <a:lstStyle>
+            <a:lvl1pPr>
+              <a:defRPr/>
+            </a:lvl1pPr>
+          </a:lstStyle>
+          <a:p>
+            <a:r>
+              <a:rPr lang="en-US"/>
+              <a:t>Click to edit Master title style</a:t>
+            </a:r>
+            <a:endParaRPr lang="en-US" dirty="0"/>
+          </a:p>
+        </p:txBody>
+      </p:sp>
+      <p:sp>
+        <p:nvSpPr>
+          <p:cNvPr id="3" name="Text Placeholder 2"/>
+          <p:cNvSpPr>
+            <a:spLocks noGrp="1"/>
+          </p:cNvSpPr>
+          <p:nvPr>
+            <p:ph type="body" idx="1"/>
+          </p:nvPr>
+        </p:nvSpPr>
         <p:spPr>
           <a:xfrm>
-            <a:off x="1447191" y="804163"/>
-            <a:ext cx="9607661" cy="1056319"/>
+            <a:off x="675745" y="2160983"/>
+            <a:ext cx="4185623" cy="576262"/>
           </a:xfrm>
         </p:spPr>
         <p:txBody>
-          <a:bodyPr/>
-          <a:lstStyle/>
-          <a:p>
-            <a:r>
-              <a:rPr lang="en-US"/>
-              <a:t>Click to edit Master title style</a:t>
-            </a:r>
-            <a:endParaRPr lang="en-US" dirty="0"/>
-          </a:p>
-        </p:txBody>
-      </p:sp>
-      <p:sp>
-        <p:nvSpPr>
-          <p:cNvPr id="3" name="Text Placeholder 2"/>
-          <p:cNvSpPr>
-            <a:spLocks noGrp="1"/>
-          </p:cNvSpPr>
-          <p:nvPr>
-            <p:ph type="body" idx="1"/>
-          </p:nvPr>
-        </p:nvSpPr>
-        <p:spPr>
-          <a:xfrm>
-            <a:off x="1447191" y="2019549"/>
-            <a:ext cx="4645152" cy="801943"/>
-          </a:xfrm>
-        </p:spPr>
-        <p:txBody>
           <a:bodyPr anchor="b">
-            <a:normAutofit/>
+            <a:noAutofit/>
           </a:bodyPr>
           <a:lstStyle>
             <a:lvl1pPr marL="0" indent="0">
-              <a:lnSpc>
-                <a:spcPct val="100000"/>
-              </a:lnSpc>
-              <a:buNone/>
-              <a:defRPr sz="2200" b="0" cap="all" baseline="0">
-                <a:solidFill>
-                  <a:schemeClr val="accent1"/>
-                </a:solidFill>
-              </a:defRPr>
+              <a:buNone/>
+              <a:defRPr sz="2400" b="0"/>
             </a:lvl1pPr>
             <a:lvl2pPr marL="457200" indent="0">
               <a:buNone/>
@@ -1624,12 +3659,14 @@
         </p:nvSpPr>
         <p:spPr>
           <a:xfrm>
-            <a:off x="1447191" y="2824269"/>
-            <a:ext cx="4645152" cy="2644457"/>
+            <a:off x="675745" y="2737245"/>
+            <a:ext cx="4185623" cy="3304117"/>
           </a:xfrm>
         </p:spPr>
         <p:txBody>
-          <a:bodyPr/>
+          <a:bodyPr>
+            <a:normAutofit/>
+          </a:bodyPr>
           <a:lstStyle/>
           <a:p>
             <a:pPr lvl="0"/>
@@ -1681,25 +3718,18 @@
         </p:nvSpPr>
         <p:spPr>
           <a:xfrm>
-            <a:off x="6412362" y="2023003"/>
-            <a:ext cx="4645152" cy="802237"/>
+            <a:off x="5088383" y="2160983"/>
+            <a:ext cx="4185618" cy="576262"/>
           </a:xfrm>
         </p:spPr>
         <p:txBody>
           <a:bodyPr anchor="b">
-            <a:normAutofit/>
+            <a:noAutofit/>
           </a:bodyPr>
           <a:lstStyle>
             <a:lvl1pPr marL="0" indent="0">
-              <a:lnSpc>
-                <a:spcPct val="100000"/>
-              </a:lnSpc>
-              <a:buNone/>
-              <a:defRPr sz="2200" b="0" cap="all" baseline="0">
-                <a:solidFill>
-                  <a:schemeClr val="accent1"/>
-                </a:solidFill>
-              </a:defRPr>
+              <a:buNone/>
+              <a:defRPr sz="2400" b="0"/>
             </a:lvl1pPr>
             <a:lvl2pPr marL="457200" indent="0">
               <a:buNone/>
@@ -1755,12 +3785,14 @@
         </p:nvSpPr>
         <p:spPr>
           <a:xfrm>
-            <a:off x="6412362" y="2821491"/>
-            <a:ext cx="4645152" cy="2637371"/>
+            <a:off x="5088384" y="2737245"/>
+            <a:ext cx="4185617" cy="3304117"/>
           </a:xfrm>
         </p:spPr>
         <p:txBody>
-          <a:bodyPr/>
+          <a:bodyPr>
+            <a:normAutofit/>
+          </a:bodyPr>
           <a:lstStyle/>
           <a:p>
             <a:pPr lvl="0"/>
@@ -1816,8 +3848,8 @@
           <a:lstStyle/>
           <a:p>
             <a:fld id="{48A87A34-81AB-432B-8DAE-1953F412C126}" type="datetimeFigureOut">
-              <a:rPr lang="en-US" dirty="0"/>
-              <a:t>11/5/2019</a:t>
+              <a:rPr lang="en-US" smtClean="0"/>
+              <a:t>11/6/2019</a:t>
             </a:fld>
             <a:endParaRPr lang="en-US" dirty="0"/>
           </a:p>
@@ -1858,45 +3890,19 @@
           <a:lstStyle/>
           <a:p>
             <a:fld id="{6D22F896-40B5-4ADD-8801-0D06FADFA095}" type="slidenum">
-              <a:rPr lang="en-US" dirty="0"/>
+              <a:rPr lang="en-US" smtClean="0"/>
               <a:t>‹#›</a:t>
             </a:fld>
             <a:endParaRPr lang="en-US" dirty="0"/>
           </a:p>
         </p:txBody>
       </p:sp>
-      <p:cxnSp>
-        <p:nvCxnSpPr>
-          <p:cNvPr id="29" name="Straight Connector 28"/>
-          <p:cNvCxnSpPr/>
-          <p:nvPr/>
-        </p:nvCxnSpPr>
-        <p:spPr>
-          <a:xfrm>
-            <a:off x="1453896" y="1847088"/>
-            <a:ext cx="9607522" cy="0"/>
-          </a:xfrm>
-          <a:prstGeom prst="line">
-            <a:avLst/>
-          </a:prstGeom>
-          <a:ln w="31750"/>
-        </p:spPr>
-        <p:style>
-          <a:lnRef idx="3">
-            <a:schemeClr val="accent1"/>
-          </a:lnRef>
-          <a:fillRef idx="0">
-            <a:schemeClr val="accent1"/>
-          </a:fillRef>
-          <a:effectRef idx="2">
-            <a:schemeClr val="accent1"/>
-          </a:effectRef>
-          <a:fontRef idx="minor">
-            <a:schemeClr val="tx1"/>
-          </a:fontRef>
-        </p:style>
-      </p:cxnSp>
     </p:spTree>
+    <p:extLst>
+      <p:ext uri="{BB962C8B-B14F-4D97-AF65-F5344CB8AC3E}">
+        <p14:creationId xmlns:p14="http://schemas.microsoft.com/office/powerpoint/2010/main" val="3914738137"/>
+      </p:ext>
+    </p:extLst>
   </p:cSld>
   <p:clrMapOvr>
     <a:masterClrMapping/>
@@ -1931,7 +3937,12 @@
             <p:ph type="title"/>
           </p:nvPr>
         </p:nvSpPr>
-        <p:spPr/>
+        <p:spPr>
+          <a:xfrm>
+            <a:off x="677334" y="609600"/>
+            <a:ext cx="8596668" cy="1320800"/>
+          </a:xfrm>
+        </p:spPr>
         <p:txBody>
           <a:bodyPr/>
           <a:lstStyle/>
@@ -1960,8 +3971,8 @@
           <a:lstStyle/>
           <a:p>
             <a:fld id="{48A87A34-81AB-432B-8DAE-1953F412C126}" type="datetimeFigureOut">
-              <a:rPr lang="en-US" dirty="0"/>
-              <a:t>11/5/2019</a:t>
+              <a:rPr lang="en-US" smtClean="0"/>
+              <a:t>11/6/2019</a:t>
             </a:fld>
             <a:endParaRPr lang="en-US" dirty="0"/>
           </a:p>
@@ -2002,45 +4013,19 @@
           <a:lstStyle/>
           <a:p>
             <a:fld id="{6D22F896-40B5-4ADD-8801-0D06FADFA095}" type="slidenum">
-              <a:rPr lang="en-US" dirty="0"/>
+              <a:rPr lang="en-US" smtClean="0"/>
               <a:t>‹#›</a:t>
             </a:fld>
             <a:endParaRPr lang="en-US" dirty="0"/>
           </a:p>
         </p:txBody>
       </p:sp>
-      <p:cxnSp>
-        <p:nvCxnSpPr>
-          <p:cNvPr id="25" name="Straight Connector 24"/>
-          <p:cNvCxnSpPr/>
-          <p:nvPr/>
-        </p:nvCxnSpPr>
-        <p:spPr>
-          <a:xfrm>
-            <a:off x="1453896" y="1847088"/>
-            <a:ext cx="9607522" cy="0"/>
-          </a:xfrm>
-          <a:prstGeom prst="line">
-            <a:avLst/>
-          </a:prstGeom>
-          <a:ln w="31750"/>
-        </p:spPr>
-        <p:style>
-          <a:lnRef idx="3">
-            <a:schemeClr val="accent1"/>
-          </a:lnRef>
-          <a:fillRef idx="0">
-            <a:schemeClr val="accent1"/>
-          </a:fillRef>
-          <a:effectRef idx="2">
-            <a:schemeClr val="accent1"/>
-          </a:effectRef>
-          <a:fontRef idx="minor">
-            <a:schemeClr val="tx1"/>
-          </a:fontRef>
-        </p:style>
-      </p:cxnSp>
     </p:spTree>
+    <p:extLst>
+      <p:ext uri="{BB962C8B-B14F-4D97-AF65-F5344CB8AC3E}">
+        <p14:creationId xmlns:p14="http://schemas.microsoft.com/office/powerpoint/2010/main" val="3557061961"/>
+      </p:ext>
+    </p:extLst>
   </p:cSld>
   <p:clrMapOvr>
     <a:masterClrMapping/>
@@ -2081,8 +4066,8 @@
           <a:lstStyle/>
           <a:p>
             <a:fld id="{48A87A34-81AB-432B-8DAE-1953F412C126}" type="datetimeFigureOut">
-              <a:rPr lang="en-US" dirty="0"/>
-              <a:t>11/5/2019</a:t>
+              <a:rPr lang="en-US" smtClean="0"/>
+              <a:t>11/6/2019</a:t>
             </a:fld>
             <a:endParaRPr lang="en-US" dirty="0"/>
           </a:p>
@@ -2123,7 +4108,7 @@
           <a:lstStyle/>
           <a:p>
             <a:fld id="{6D22F896-40B5-4ADD-8801-0D06FADFA095}" type="slidenum">
-              <a:rPr lang="en-US" dirty="0"/>
+              <a:rPr lang="en-US" smtClean="0"/>
               <a:t>‹#›</a:t>
             </a:fld>
             <a:endParaRPr lang="en-US" dirty="0"/>
@@ -2131,6 +4116,11 @@
         </p:txBody>
       </p:sp>
     </p:spTree>
+    <p:extLst>
+      <p:ext uri="{BB962C8B-B14F-4D97-AF65-F5344CB8AC3E}">
+        <p14:creationId xmlns:p14="http://schemas.microsoft.com/office/powerpoint/2010/main" val="101595801"/>
+      </p:ext>
+    </p:extLst>
   </p:cSld>
   <p:clrMapOvr>
     <a:masterClrMapping/>
@@ -2167,8 +4157,8 @@
         </p:nvSpPr>
         <p:spPr>
           <a:xfrm>
-            <a:off x="1444671" y="798973"/>
-            <a:ext cx="3273099" cy="2247117"/>
+            <a:off x="677334" y="1498604"/>
+            <a:ext cx="3854528" cy="1278466"/>
           </a:xfrm>
         </p:spPr>
         <p:txBody>
@@ -2176,8 +4166,8 @@
             <a:normAutofit/>
           </a:bodyPr>
           <a:lstStyle>
-            <a:lvl1pPr algn="l">
-              <a:defRPr sz="2400"/>
+            <a:lvl1pPr>
+              <a:defRPr sz="2000"/>
             </a:lvl1pPr>
           </a:lstStyle>
           <a:p>
@@ -2201,12 +4191,14 @@
         </p:nvSpPr>
         <p:spPr>
           <a:xfrm>
-            <a:off x="5043714" y="798974"/>
-            <a:ext cx="6012470" cy="4658826"/>
+            <a:off x="4760461" y="514924"/>
+            <a:ext cx="4513541" cy="5526437"/>
           </a:xfrm>
         </p:spPr>
         <p:txBody>
-          <a:bodyPr anchor="ctr"/>
+          <a:bodyPr>
+            <a:normAutofit/>
+          </a:bodyPr>
           <a:lstStyle/>
           <a:p>
             <a:pPr lvl="0"/>
@@ -2258,46 +4250,48 @@
         </p:nvSpPr>
         <p:spPr>
           <a:xfrm>
-            <a:off x="1444671" y="3205491"/>
-            <a:ext cx="3275013" cy="2248181"/>
+            <a:off x="677334" y="2777069"/>
+            <a:ext cx="3854528" cy="2584449"/>
           </a:xfrm>
         </p:spPr>
         <p:txBody>
-          <a:bodyPr/>
+          <a:bodyPr>
+            <a:normAutofit/>
+          </a:bodyPr>
           <a:lstStyle>
-            <a:lvl1pPr marL="0" indent="0" algn="l">
-              <a:buNone/>
-              <a:defRPr sz="1600"/>
+            <a:lvl1pPr marL="0" indent="0">
+              <a:buNone/>
+              <a:defRPr sz="1400"/>
             </a:lvl1pPr>
-            <a:lvl2pPr marL="457200" indent="0">
+            <a:lvl2pPr marL="457063" indent="0">
               <a:buNone/>
               <a:defRPr sz="1400"/>
             </a:lvl2pPr>
-            <a:lvl3pPr marL="914400" indent="0">
+            <a:lvl3pPr marL="914126" indent="0">
               <a:buNone/>
               <a:defRPr sz="1200"/>
             </a:lvl3pPr>
-            <a:lvl4pPr marL="1371600" indent="0">
+            <a:lvl4pPr marL="1371189" indent="0">
               <a:buNone/>
               <a:defRPr sz="1000"/>
             </a:lvl4pPr>
-            <a:lvl5pPr marL="1828800" indent="0">
+            <a:lvl5pPr marL="1828251" indent="0">
               <a:buNone/>
               <a:defRPr sz="1000"/>
             </a:lvl5pPr>
-            <a:lvl6pPr marL="2286000" indent="0">
+            <a:lvl6pPr marL="2285314" indent="0">
               <a:buNone/>
               <a:defRPr sz="1000"/>
             </a:lvl6pPr>
-            <a:lvl7pPr marL="2743200" indent="0">
+            <a:lvl7pPr marL="2742377" indent="0">
               <a:buNone/>
               <a:defRPr sz="1000"/>
             </a:lvl7pPr>
-            <a:lvl8pPr marL="3200400" indent="0">
+            <a:lvl8pPr marL="3199440" indent="0">
               <a:buNone/>
               <a:defRPr sz="1000"/>
             </a:lvl8pPr>
-            <a:lvl9pPr marL="3657600" indent="0">
+            <a:lvl9pPr marL="3656503" indent="0">
               <a:buNone/>
               <a:defRPr sz="1000"/>
             </a:lvl9pPr>
@@ -2327,8 +4321,8 @@
           <a:lstStyle/>
           <a:p>
             <a:fld id="{48A87A34-81AB-432B-8DAE-1953F412C126}" type="datetimeFigureOut">
-              <a:rPr lang="en-US" dirty="0"/>
-              <a:t>11/5/2019</a:t>
+              <a:rPr lang="en-US" smtClean="0"/>
+              <a:t>11/6/2019</a:t>
             </a:fld>
             <a:endParaRPr lang="en-US" dirty="0"/>
           </a:p>
@@ -2369,45 +4363,19 @@
           <a:lstStyle/>
           <a:p>
             <a:fld id="{6D22F896-40B5-4ADD-8801-0D06FADFA095}" type="slidenum">
-              <a:rPr lang="en-US" dirty="0"/>
+              <a:rPr lang="en-US" smtClean="0"/>
               <a:t>‹#›</a:t>
             </a:fld>
             <a:endParaRPr lang="en-US" dirty="0"/>
           </a:p>
         </p:txBody>
       </p:sp>
-      <p:cxnSp>
-        <p:nvCxnSpPr>
-          <p:cNvPr id="17" name="Straight Connector 16"/>
-          <p:cNvCxnSpPr/>
-          <p:nvPr/>
-        </p:nvCxnSpPr>
-        <p:spPr>
-          <a:xfrm>
-            <a:off x="1448280" y="3205491"/>
-            <a:ext cx="3269490" cy="0"/>
-          </a:xfrm>
-          <a:prstGeom prst="line">
-            <a:avLst/>
-          </a:prstGeom>
-          <a:ln w="31750"/>
-        </p:spPr>
-        <p:style>
-          <a:lnRef idx="3">
-            <a:schemeClr val="accent1"/>
-          </a:lnRef>
-          <a:fillRef idx="0">
-            <a:schemeClr val="accent1"/>
-          </a:fillRef>
-          <a:effectRef idx="2">
-            <a:schemeClr val="accent1"/>
-          </a:effectRef>
-          <a:fontRef idx="minor">
-            <a:schemeClr val="tx1"/>
-          </a:fontRef>
-        </p:style>
-      </p:cxnSp>
     </p:spTree>
+    <p:extLst>
+      <p:ext uri="{BB962C8B-B14F-4D97-AF65-F5344CB8AC3E}">
+        <p14:creationId xmlns:p14="http://schemas.microsoft.com/office/powerpoint/2010/main" val="1647718669"/>
+      </p:ext>
+    </p:extLst>
   </p:cSld>
   <p:clrMapOvr>
     <a:masterClrMapping/>
@@ -2432,62 +4400,410 @@
           <a:chExt cx="0" cy="0"/>
         </a:xfrm>
       </p:grpSpPr>
+      <p:sp>
+        <p:nvSpPr>
+          <p:cNvPr id="2" name="Title 1"/>
+          <p:cNvSpPr>
+            <a:spLocks noGrp="1"/>
+          </p:cNvSpPr>
+          <p:nvPr>
+            <p:ph type="title"/>
+          </p:nvPr>
+        </p:nvSpPr>
+        <p:spPr>
+          <a:xfrm>
+            <a:off x="677334" y="4800600"/>
+            <a:ext cx="8596667" cy="566738"/>
+          </a:xfrm>
+        </p:spPr>
+        <p:txBody>
+          <a:bodyPr anchor="b">
+            <a:normAutofit/>
+          </a:bodyPr>
+          <a:lstStyle>
+            <a:lvl1pPr algn="l">
+              <a:defRPr sz="2400" b="0"/>
+            </a:lvl1pPr>
+          </a:lstStyle>
+          <a:p>
+            <a:r>
+              <a:rPr lang="en-US"/>
+              <a:t>Click to edit Master title style</a:t>
+            </a:r>
+            <a:endParaRPr lang="en-US" dirty="0"/>
+          </a:p>
+        </p:txBody>
+      </p:sp>
+      <p:sp>
+        <p:nvSpPr>
+          <p:cNvPr id="3" name="Picture Placeholder 2"/>
+          <p:cNvSpPr>
+            <a:spLocks noGrp="1" noChangeAspect="1"/>
+          </p:cNvSpPr>
+          <p:nvPr>
+            <p:ph type="pic" idx="1"/>
+          </p:nvPr>
+        </p:nvSpPr>
+        <p:spPr>
+          <a:xfrm>
+            <a:off x="677334" y="609600"/>
+            <a:ext cx="8596668" cy="3845718"/>
+          </a:xfrm>
+        </p:spPr>
+        <p:txBody>
+          <a:bodyPr anchor="t">
+            <a:normAutofit/>
+          </a:bodyPr>
+          <a:lstStyle>
+            <a:lvl1pPr marL="0" indent="0" algn="ctr">
+              <a:buNone/>
+              <a:defRPr sz="1600"/>
+            </a:lvl1pPr>
+            <a:lvl2pPr marL="457200" indent="0">
+              <a:buNone/>
+              <a:defRPr sz="1600"/>
+            </a:lvl2pPr>
+            <a:lvl3pPr marL="914400" indent="0">
+              <a:buNone/>
+              <a:defRPr sz="1600"/>
+            </a:lvl3pPr>
+            <a:lvl4pPr marL="1371600" indent="0">
+              <a:buNone/>
+              <a:defRPr sz="1600"/>
+            </a:lvl4pPr>
+            <a:lvl5pPr marL="1828800" indent="0">
+              <a:buNone/>
+              <a:defRPr sz="1600"/>
+            </a:lvl5pPr>
+            <a:lvl6pPr marL="2286000" indent="0">
+              <a:buNone/>
+              <a:defRPr sz="1600"/>
+            </a:lvl6pPr>
+            <a:lvl7pPr marL="2743200" indent="0">
+              <a:buNone/>
+              <a:defRPr sz="1600"/>
+            </a:lvl7pPr>
+            <a:lvl8pPr marL="3200400" indent="0">
+              <a:buNone/>
+              <a:defRPr sz="1600"/>
+            </a:lvl8pPr>
+            <a:lvl9pPr marL="3657600" indent="0">
+              <a:buNone/>
+              <a:defRPr sz="1600"/>
+            </a:lvl9pPr>
+          </a:lstStyle>
+          <a:p>
+            <a:r>
+              <a:rPr lang="en-US"/>
+              <a:t>Click icon to add picture</a:t>
+            </a:r>
+            <a:endParaRPr lang="en-US" dirty="0"/>
+          </a:p>
+        </p:txBody>
+      </p:sp>
+      <p:sp>
+        <p:nvSpPr>
+          <p:cNvPr id="4" name="Text Placeholder 3"/>
+          <p:cNvSpPr>
+            <a:spLocks noGrp="1"/>
+          </p:cNvSpPr>
+          <p:nvPr>
+            <p:ph type="body" sz="half" idx="2"/>
+          </p:nvPr>
+        </p:nvSpPr>
+        <p:spPr>
+          <a:xfrm>
+            <a:off x="677334" y="5367338"/>
+            <a:ext cx="8596667" cy="674024"/>
+          </a:xfrm>
+        </p:spPr>
+        <p:txBody>
+          <a:bodyPr>
+            <a:normAutofit/>
+          </a:bodyPr>
+          <a:lstStyle>
+            <a:lvl1pPr marL="0" indent="0">
+              <a:buNone/>
+              <a:defRPr sz="1200"/>
+            </a:lvl1pPr>
+            <a:lvl2pPr marL="457200" indent="0">
+              <a:buNone/>
+              <a:defRPr sz="1200"/>
+            </a:lvl2pPr>
+            <a:lvl3pPr marL="914400" indent="0">
+              <a:buNone/>
+              <a:defRPr sz="1000"/>
+            </a:lvl3pPr>
+            <a:lvl4pPr marL="1371600" indent="0">
+              <a:buNone/>
+              <a:defRPr sz="900"/>
+            </a:lvl4pPr>
+            <a:lvl5pPr marL="1828800" indent="0">
+              <a:buNone/>
+              <a:defRPr sz="900"/>
+            </a:lvl5pPr>
+            <a:lvl6pPr marL="2286000" indent="0">
+              <a:buNone/>
+              <a:defRPr sz="900"/>
+            </a:lvl6pPr>
+            <a:lvl7pPr marL="2743200" indent="0">
+              <a:buNone/>
+              <a:defRPr sz="900"/>
+            </a:lvl7pPr>
+            <a:lvl8pPr marL="3200400" indent="0">
+              <a:buNone/>
+              <a:defRPr sz="900"/>
+            </a:lvl8pPr>
+            <a:lvl9pPr marL="3657600" indent="0">
+              <a:buNone/>
+              <a:defRPr sz="900"/>
+            </a:lvl9pPr>
+          </a:lstStyle>
+          <a:p>
+            <a:pPr lvl="0"/>
+            <a:r>
+              <a:rPr lang="en-US"/>
+              <a:t>Click to edit Master text styles</a:t>
+            </a:r>
+          </a:p>
+        </p:txBody>
+      </p:sp>
+      <p:sp>
+        <p:nvSpPr>
+          <p:cNvPr id="5" name="Date Placeholder 4"/>
+          <p:cNvSpPr>
+            <a:spLocks noGrp="1"/>
+          </p:cNvSpPr>
+          <p:nvPr>
+            <p:ph type="dt" sz="half" idx="10"/>
+          </p:nvPr>
+        </p:nvSpPr>
+        <p:spPr/>
+        <p:txBody>
+          <a:bodyPr/>
+          <a:lstStyle/>
+          <a:p>
+            <a:fld id="{48A87A34-81AB-432B-8DAE-1953F412C126}" type="datetimeFigureOut">
+              <a:rPr lang="en-US" smtClean="0"/>
+              <a:pPr/>
+              <a:t>11/6/2019</a:t>
+            </a:fld>
+            <a:endParaRPr lang="en-US" dirty="0"/>
+          </a:p>
+        </p:txBody>
+      </p:sp>
+      <p:sp>
+        <p:nvSpPr>
+          <p:cNvPr id="6" name="Footer Placeholder 5"/>
+          <p:cNvSpPr>
+            <a:spLocks noGrp="1"/>
+          </p:cNvSpPr>
+          <p:nvPr>
+            <p:ph type="ftr" sz="quarter" idx="11"/>
+          </p:nvPr>
+        </p:nvSpPr>
+        <p:spPr/>
+        <p:txBody>
+          <a:bodyPr/>
+          <a:lstStyle/>
+          <a:p>
+            <a:endParaRPr lang="en-US" dirty="0"/>
+          </a:p>
+        </p:txBody>
+      </p:sp>
+      <p:sp>
+        <p:nvSpPr>
+          <p:cNvPr id="7" name="Slide Number Placeholder 6"/>
+          <p:cNvSpPr>
+            <a:spLocks noGrp="1"/>
+          </p:cNvSpPr>
+          <p:nvPr>
+            <p:ph type="sldNum" sz="quarter" idx="12"/>
+          </p:nvPr>
+        </p:nvSpPr>
+        <p:spPr/>
+        <p:txBody>
+          <a:bodyPr/>
+          <a:lstStyle/>
+          <a:p>
+            <a:fld id="{6D22F896-40B5-4ADD-8801-0D06FADFA095}" type="slidenum">
+              <a:rPr lang="en-US" smtClean="0"/>
+              <a:t>‹#›</a:t>
+            </a:fld>
+            <a:endParaRPr lang="en-US" dirty="0"/>
+          </a:p>
+        </p:txBody>
+      </p:sp>
+    </p:spTree>
+    <p:extLst>
+      <p:ext uri="{BB962C8B-B14F-4D97-AF65-F5344CB8AC3E}">
+        <p14:creationId xmlns:p14="http://schemas.microsoft.com/office/powerpoint/2010/main" val="3722210735"/>
+      </p:ext>
+    </p:extLst>
+  </p:cSld>
+  <p:clrMapOvr>
+    <a:masterClrMapping/>
+  </p:clrMapOvr>
+</p:sldLayout>
+</file>
+
+<file path=ppt/slideMasters/slideMaster1.xml><?xml version="1.0" encoding="utf-8"?>
+<p:sldMaster xmlns:a="http://schemas.openxmlformats.org/drawingml/2006/main" xmlns:r="http://schemas.openxmlformats.org/officeDocument/2006/relationships" xmlns:p="http://schemas.openxmlformats.org/presentationml/2006/main">
+  <p:cSld>
+    <p:bg>
+      <p:bgRef idx="1001">
+        <a:schemeClr val="bg1"/>
+      </p:bgRef>
+    </p:bg>
+    <p:spTree>
+      <p:nvGrpSpPr>
+        <p:cNvPr id="1" name=""/>
+        <p:cNvGrpSpPr/>
+        <p:nvPr/>
+      </p:nvGrpSpPr>
+      <p:grpSpPr>
+        <a:xfrm>
+          <a:off x="0" y="0"/>
+          <a:ext cx="0" cy="0"/>
+          <a:chOff x="0" y="0"/>
+          <a:chExt cx="0" cy="0"/>
+        </a:xfrm>
+      </p:grpSpPr>
       <p:grpSp>
         <p:nvGrpSpPr>
-          <p:cNvPr id="8" name="Group 7"/>
+          <p:cNvPr id="7" name="Group 6"/>
           <p:cNvGrpSpPr/>
           <p:nvPr/>
         </p:nvGrpSpPr>
         <p:grpSpPr>
           <a:xfrm>
-            <a:off x="7477387" y="482170"/>
-            <a:ext cx="4074533" cy="5149101"/>
-            <a:chOff x="7477387" y="482170"/>
-            <a:chExt cx="4074533" cy="5149101"/>
+            <a:off x="0" y="-8467"/>
+            <a:ext cx="12192000" cy="6866467"/>
+            <a:chOff x="0" y="-8467"/>
+            <a:chExt cx="12192000" cy="6866467"/>
           </a:xfrm>
         </p:grpSpPr>
+        <p:cxnSp>
+          <p:nvCxnSpPr>
+            <p:cNvPr id="20" name="Straight Connector 19"/>
+            <p:cNvCxnSpPr/>
+            <p:nvPr/>
+          </p:nvCxnSpPr>
+          <p:spPr>
+            <a:xfrm>
+              <a:off x="9371012" y="0"/>
+              <a:ext cx="1219200" cy="6858000"/>
+            </a:xfrm>
+            <a:prstGeom prst="line">
+              <a:avLst/>
+            </a:prstGeom>
+            <a:ln w="9525">
+              <a:solidFill>
+                <a:schemeClr val="bg1">
+                  <a:lumMod val="75000"/>
+                </a:schemeClr>
+              </a:solidFill>
+            </a:ln>
+          </p:spPr>
+          <p:style>
+            <a:lnRef idx="2">
+              <a:schemeClr val="accent1"/>
+            </a:lnRef>
+            <a:fillRef idx="0">
+              <a:schemeClr val="accent1"/>
+            </a:fillRef>
+            <a:effectRef idx="1">
+              <a:schemeClr val="accent1"/>
+            </a:effectRef>
+            <a:fontRef idx="minor">
+              <a:schemeClr val="tx1"/>
+            </a:fontRef>
+          </p:style>
+        </p:cxnSp>
+        <p:cxnSp>
+          <p:nvCxnSpPr>
+            <p:cNvPr id="21" name="Straight Connector 20"/>
+            <p:cNvCxnSpPr/>
+            <p:nvPr/>
+          </p:nvCxnSpPr>
+          <p:spPr>
+            <a:xfrm flipH="1">
+              <a:off x="7425267" y="3681413"/>
+              <a:ext cx="4763558" cy="3176587"/>
+            </a:xfrm>
+            <a:prstGeom prst="line">
+              <a:avLst/>
+            </a:prstGeom>
+            <a:ln w="9525">
+              <a:solidFill>
+                <a:schemeClr val="bg1">
+                  <a:lumMod val="85000"/>
+                </a:schemeClr>
+              </a:solidFill>
+            </a:ln>
+          </p:spPr>
+          <p:style>
+            <a:lnRef idx="2">
+              <a:schemeClr val="accent1"/>
+            </a:lnRef>
+            <a:fillRef idx="0">
+              <a:schemeClr val="accent1"/>
+            </a:fillRef>
+            <a:effectRef idx="1">
+              <a:schemeClr val="accent1"/>
+            </a:effectRef>
+            <a:fontRef idx="minor">
+              <a:schemeClr val="tx1"/>
+            </a:fontRef>
+          </p:style>
+        </p:cxnSp>
         <p:sp>
           <p:nvSpPr>
-            <p:cNvPr id="18" name="Rectangle 17"/>
+            <p:cNvPr id="22" name="Rectangle 23"/>
             <p:cNvSpPr/>
             <p:nvPr/>
           </p:nvSpPr>
-          <p:spPr bwMode="black">
+          <p:spPr>
             <a:xfrm>
-              <a:off x="7477387" y="482170"/>
-              <a:ext cx="4074533" cy="5149101"/>
+              <a:off x="9181476" y="-8467"/>
+              <a:ext cx="3007349" cy="6866467"/>
             </a:xfrm>
-            <a:prstGeom prst="rect">
+            <a:custGeom>
               <a:avLst/>
-            </a:prstGeom>
-            <a:gradFill>
-              <a:gsLst>
-                <a:gs pos="0">
-                  <a:srgbClr val="000001"/>
-                </a:gs>
-                <a:gs pos="100000">
-                  <a:srgbClr val="191919"/>
-                </a:gs>
-              </a:gsLst>
-            </a:gradFill>
-            <a:ln w="76200" cmpd="sng">
+              <a:gdLst/>
+              <a:ahLst/>
+              <a:cxnLst/>
+              <a:rect l="l" t="t" r="r" b="b"/>
+              <a:pathLst>
+                <a:path w="3007349" h="6866467">
+                  <a:moveTo>
+                    <a:pt x="2045532" y="0"/>
+                  </a:moveTo>
+                  <a:lnTo>
+                    <a:pt x="3007349" y="0"/>
+                  </a:lnTo>
+                  <a:lnTo>
+                    <a:pt x="3007349" y="6866467"/>
+                  </a:lnTo>
+                  <a:lnTo>
+                    <a:pt x="0" y="6866467"/>
+                  </a:lnTo>
+                  <a:lnTo>
+                    <a:pt x="2045532" y="0"/>
+                  </a:lnTo>
+                  <a:close/>
+                </a:path>
+              </a:pathLst>
+            </a:custGeom>
+            <a:solidFill>
+              <a:schemeClr val="accent1">
+                <a:alpha val="30000"/>
+              </a:schemeClr>
+            </a:solidFill>
+            <a:ln>
               <a:noFill/>
-              <a:miter lim="800000"/>
             </a:ln>
-            <a:effectLst>
-              <a:outerShdw blurRad="127000" dist="228600" dir="4740000" sx="98000" sy="98000" algn="tl" rotWithShape="0">
-                <a:srgbClr val="000000">
-                  <a:alpha val="34000"/>
-                </a:srgbClr>
-              </a:outerShdw>
-            </a:effectLst>
-            <a:scene3d>
-              <a:camera prst="orthographicFront"/>
-              <a:lightRig rig="threePt" dir="t"/>
-            </a:scene3d>
-            <a:sp3d>
-              <a:bevelT w="152400" h="50800" prst="softRound"/>
-            </a:sp3d>
+            <a:effectLst/>
           </p:spPr>
           <p:style>
             <a:lnRef idx="1">
@@ -2506,49 +4822,366 @@
         </p:sp>
         <p:sp>
           <p:nvSpPr>
-            <p:cNvPr id="19" name="Rectangle 18"/>
+            <p:cNvPr id="23" name="Rectangle 25"/>
             <p:cNvSpPr/>
             <p:nvPr/>
           </p:nvSpPr>
-          <p:spPr bwMode="blackWhite">
+          <p:spPr>
             <a:xfrm>
-              <a:off x="7790446" y="812506"/>
-              <a:ext cx="3450289" cy="4466452"/>
+              <a:off x="9603442" y="-8467"/>
+              <a:ext cx="2588558" cy="6866467"/>
             </a:xfrm>
-            <a:prstGeom prst="rect">
+            <a:custGeom>
               <a:avLst/>
+              <a:gdLst/>
+              <a:ahLst/>
+              <a:cxnLst/>
+              <a:rect l="l" t="t" r="r" b="b"/>
+              <a:pathLst>
+                <a:path w="2573311" h="6866467">
+                  <a:moveTo>
+                    <a:pt x="0" y="0"/>
+                  </a:moveTo>
+                  <a:lnTo>
+                    <a:pt x="2573311" y="0"/>
+                  </a:lnTo>
+                  <a:lnTo>
+                    <a:pt x="2573311" y="6866467"/>
+                  </a:lnTo>
+                  <a:lnTo>
+                    <a:pt x="1202336" y="6866467"/>
+                  </a:lnTo>
+                  <a:lnTo>
+                    <a:pt x="0" y="0"/>
+                  </a:lnTo>
+                  <a:close/>
+                </a:path>
+              </a:pathLst>
+            </a:custGeom>
+            <a:solidFill>
+              <a:schemeClr val="accent1">
+                <a:alpha val="20000"/>
+              </a:schemeClr>
+            </a:solidFill>
+            <a:ln>
+              <a:noFill/>
+            </a:ln>
+            <a:effectLst/>
+          </p:spPr>
+          <p:style>
+            <a:lnRef idx="1">
+              <a:schemeClr val="accent1"/>
+            </a:lnRef>
+            <a:fillRef idx="3">
+              <a:schemeClr val="accent1"/>
+            </a:fillRef>
+            <a:effectRef idx="2">
+              <a:schemeClr val="accent1"/>
+            </a:effectRef>
+            <a:fontRef idx="minor">
+              <a:schemeClr val="lt1"/>
+            </a:fontRef>
+          </p:style>
+        </p:sp>
+        <p:sp>
+          <p:nvSpPr>
+            <p:cNvPr id="24" name="Isosceles Triangle 23"/>
+            <p:cNvSpPr/>
+            <p:nvPr/>
+          </p:nvSpPr>
+          <p:spPr>
+            <a:xfrm>
+              <a:off x="8932333" y="3048000"/>
+              <a:ext cx="3259667" cy="3810000"/>
+            </a:xfrm>
+            <a:prstGeom prst="triangle">
+              <a:avLst>
+                <a:gd name="adj" fmla="val 100000"/>
+              </a:avLst>
             </a:prstGeom>
-            <a:gradFill>
-              <a:gsLst>
-                <a:gs pos="0">
-                  <a:srgbClr val="DADADA"/>
-                </a:gs>
-                <a:gs pos="100000">
-                  <a:srgbClr val="FFFFFE"/>
-                </a:gs>
-              </a:gsLst>
-              <a:lin ang="16200000" scaled="0"/>
-            </a:gradFill>
-            <a:ln w="50800" cmpd="sng">
-              <a:solidFill>
-                <a:srgbClr val="191919"/>
-              </a:solidFill>
-              <a:miter lim="800000"/>
+            <a:solidFill>
+              <a:schemeClr val="accent2">
+                <a:alpha val="72000"/>
+              </a:schemeClr>
+            </a:solidFill>
+            <a:ln>
+              <a:noFill/>
             </a:ln>
-            <a:effectLst>
-              <a:innerShdw blurRad="63500" dist="88900" dir="14100000">
-                <a:srgbClr val="000000">
-                  <a:alpha val="30000"/>
-                </a:srgbClr>
-              </a:innerShdw>
-            </a:effectLst>
-            <a:scene3d>
-              <a:camera prst="orthographicFront"/>
-              <a:lightRig rig="threePt" dir="t"/>
-            </a:scene3d>
-            <a:sp3d>
-              <a:bevelT prst="relaxedInset"/>
-            </a:sp3d>
+            <a:effectLst/>
+          </p:spPr>
+          <p:style>
+            <a:lnRef idx="1">
+              <a:schemeClr val="accent1"/>
+            </a:lnRef>
+            <a:fillRef idx="3">
+              <a:schemeClr val="accent1"/>
+            </a:fillRef>
+            <a:effectRef idx="2">
+              <a:schemeClr val="accent1"/>
+            </a:effectRef>
+            <a:fontRef idx="minor">
+              <a:schemeClr val="lt1"/>
+            </a:fontRef>
+          </p:style>
+        </p:sp>
+        <p:sp>
+          <p:nvSpPr>
+            <p:cNvPr id="25" name="Rectangle 27"/>
+            <p:cNvSpPr/>
+            <p:nvPr/>
+          </p:nvSpPr>
+          <p:spPr>
+            <a:xfrm>
+              <a:off x="9334500" y="-8467"/>
+              <a:ext cx="2854326" cy="6866467"/>
+            </a:xfrm>
+            <a:custGeom>
+              <a:avLst/>
+              <a:gdLst/>
+              <a:ahLst/>
+              <a:cxnLst/>
+              <a:rect l="l" t="t" r="r" b="b"/>
+              <a:pathLst>
+                <a:path w="2858013" h="6866467">
+                  <a:moveTo>
+                    <a:pt x="0" y="0"/>
+                  </a:moveTo>
+                  <a:lnTo>
+                    <a:pt x="2858013" y="0"/>
+                  </a:lnTo>
+                  <a:lnTo>
+                    <a:pt x="2858013" y="6866467"/>
+                  </a:lnTo>
+                  <a:lnTo>
+                    <a:pt x="2473942" y="6866467"/>
+                  </a:lnTo>
+                  <a:lnTo>
+                    <a:pt x="0" y="0"/>
+                  </a:lnTo>
+                  <a:close/>
+                </a:path>
+              </a:pathLst>
+            </a:custGeom>
+            <a:solidFill>
+              <a:schemeClr val="accent2">
+                <a:lumMod val="75000"/>
+                <a:alpha val="70000"/>
+              </a:schemeClr>
+            </a:solidFill>
+            <a:ln>
+              <a:noFill/>
+            </a:ln>
+            <a:effectLst/>
+          </p:spPr>
+          <p:style>
+            <a:lnRef idx="1">
+              <a:schemeClr val="accent1"/>
+            </a:lnRef>
+            <a:fillRef idx="3">
+              <a:schemeClr val="accent1"/>
+            </a:fillRef>
+            <a:effectRef idx="2">
+              <a:schemeClr val="accent1"/>
+            </a:effectRef>
+            <a:fontRef idx="minor">
+              <a:schemeClr val="lt1"/>
+            </a:fontRef>
+          </p:style>
+        </p:sp>
+        <p:sp>
+          <p:nvSpPr>
+            <p:cNvPr id="26" name="Rectangle 28"/>
+            <p:cNvSpPr/>
+            <p:nvPr/>
+          </p:nvSpPr>
+          <p:spPr>
+            <a:xfrm>
+              <a:off x="10898730" y="-8467"/>
+              <a:ext cx="1290094" cy="6866467"/>
+            </a:xfrm>
+            <a:custGeom>
+              <a:avLst/>
+              <a:gdLst/>
+              <a:ahLst/>
+              <a:cxnLst/>
+              <a:rect l="l" t="t" r="r" b="b"/>
+              <a:pathLst>
+                <a:path w="1290094" h="6858000">
+                  <a:moveTo>
+                    <a:pt x="1019735" y="0"/>
+                  </a:moveTo>
+                  <a:lnTo>
+                    <a:pt x="1290094" y="0"/>
+                  </a:lnTo>
+                  <a:lnTo>
+                    <a:pt x="1290094" y="6858000"/>
+                  </a:lnTo>
+                  <a:lnTo>
+                    <a:pt x="0" y="6858000"/>
+                  </a:lnTo>
+                  <a:lnTo>
+                    <a:pt x="1019735" y="0"/>
+                  </a:lnTo>
+                  <a:close/>
+                </a:path>
+              </a:pathLst>
+            </a:custGeom>
+            <a:solidFill>
+              <a:schemeClr val="accent1">
+                <a:lumMod val="60000"/>
+                <a:lumOff val="40000"/>
+                <a:alpha val="70000"/>
+              </a:schemeClr>
+            </a:solidFill>
+            <a:ln>
+              <a:noFill/>
+            </a:ln>
+            <a:effectLst/>
+          </p:spPr>
+          <p:style>
+            <a:lnRef idx="1">
+              <a:schemeClr val="accent1"/>
+            </a:lnRef>
+            <a:fillRef idx="3">
+              <a:schemeClr val="accent1"/>
+            </a:fillRef>
+            <a:effectRef idx="2">
+              <a:schemeClr val="accent1"/>
+            </a:effectRef>
+            <a:fontRef idx="minor">
+              <a:schemeClr val="lt1"/>
+            </a:fontRef>
+          </p:style>
+        </p:sp>
+        <p:sp>
+          <p:nvSpPr>
+            <p:cNvPr id="27" name="Rectangle 29"/>
+            <p:cNvSpPr/>
+            <p:nvPr/>
+          </p:nvSpPr>
+          <p:spPr>
+            <a:xfrm>
+              <a:off x="10938999" y="-8467"/>
+              <a:ext cx="1249825" cy="6866467"/>
+            </a:xfrm>
+            <a:custGeom>
+              <a:avLst/>
+              <a:gdLst/>
+              <a:ahLst/>
+              <a:cxnLst/>
+              <a:rect l="l" t="t" r="r" b="b"/>
+              <a:pathLst>
+                <a:path w="1249825" h="6858000">
+                  <a:moveTo>
+                    <a:pt x="0" y="0"/>
+                  </a:moveTo>
+                  <a:lnTo>
+                    <a:pt x="1249825" y="0"/>
+                  </a:lnTo>
+                  <a:lnTo>
+                    <a:pt x="1249825" y="6858000"/>
+                  </a:lnTo>
+                  <a:lnTo>
+                    <a:pt x="1109382" y="6858000"/>
+                  </a:lnTo>
+                  <a:lnTo>
+                    <a:pt x="0" y="0"/>
+                  </a:lnTo>
+                  <a:close/>
+                </a:path>
+              </a:pathLst>
+            </a:custGeom>
+            <a:solidFill>
+              <a:schemeClr val="accent1">
+                <a:alpha val="65000"/>
+              </a:schemeClr>
+            </a:solidFill>
+            <a:ln>
+              <a:noFill/>
+            </a:ln>
+            <a:effectLst/>
+          </p:spPr>
+          <p:style>
+            <a:lnRef idx="1">
+              <a:schemeClr val="accent1"/>
+            </a:lnRef>
+            <a:fillRef idx="3">
+              <a:schemeClr val="accent1"/>
+            </a:fillRef>
+            <a:effectRef idx="2">
+              <a:schemeClr val="accent1"/>
+            </a:effectRef>
+            <a:fontRef idx="minor">
+              <a:schemeClr val="lt1"/>
+            </a:fontRef>
+          </p:style>
+        </p:sp>
+        <p:sp>
+          <p:nvSpPr>
+            <p:cNvPr id="28" name="Isosceles Triangle 27"/>
+            <p:cNvSpPr/>
+            <p:nvPr/>
+          </p:nvSpPr>
+          <p:spPr>
+            <a:xfrm>
+              <a:off x="10371666" y="3589867"/>
+              <a:ext cx="1817159" cy="3268133"/>
+            </a:xfrm>
+            <a:prstGeom prst="triangle">
+              <a:avLst>
+                <a:gd name="adj" fmla="val 100000"/>
+              </a:avLst>
+            </a:prstGeom>
+            <a:solidFill>
+              <a:schemeClr val="accent1">
+                <a:alpha val="80000"/>
+              </a:schemeClr>
+            </a:solidFill>
+            <a:ln>
+              <a:noFill/>
+            </a:ln>
+            <a:effectLst/>
+          </p:spPr>
+          <p:style>
+            <a:lnRef idx="1">
+              <a:schemeClr val="accent1"/>
+            </a:lnRef>
+            <a:fillRef idx="3">
+              <a:schemeClr val="accent1"/>
+            </a:fillRef>
+            <a:effectRef idx="2">
+              <a:schemeClr val="accent1"/>
+            </a:effectRef>
+            <a:fontRef idx="minor">
+              <a:schemeClr val="lt1"/>
+            </a:fontRef>
+          </p:style>
+        </p:sp>
+        <p:sp>
+          <p:nvSpPr>
+            <p:cNvPr id="29" name="Isosceles Triangle 28"/>
+            <p:cNvSpPr/>
+            <p:nvPr/>
+          </p:nvSpPr>
+          <p:spPr>
+            <a:xfrm>
+              <a:off x="0" y="4013200"/>
+              <a:ext cx="448733" cy="2844800"/>
+            </a:xfrm>
+            <a:prstGeom prst="triangle">
+              <a:avLst>
+                <a:gd name="adj" fmla="val 0"/>
+              </a:avLst>
+            </a:prstGeom>
+            <a:solidFill>
+              <a:schemeClr val="accent1">
+                <a:alpha val="85000"/>
+              </a:schemeClr>
+            </a:solidFill>
+            <a:ln>
+              <a:noFill/>
+            </a:ln>
+            <a:effectLst/>
           </p:spPr>
           <p:style>
             <a:lnRef idx="1">
@@ -2568,7 +5201,7 @@
       </p:grpSp>
       <p:sp>
         <p:nvSpPr>
-          <p:cNvPr id="2" name="Title 1"/>
+          <p:cNvPr id="2" name="Title Placeholder 1"/>
           <p:cNvSpPr>
             <a:spLocks noGrp="1"/>
           </p:cNvSpPr>
@@ -2578,417 +5211,84 @@
         </p:nvSpPr>
         <p:spPr>
           <a:xfrm>
-            <a:off x="1451206" y="1129513"/>
-            <a:ext cx="5532328" cy="1830584"/>
-          </a:xfrm>
-        </p:spPr>
-        <p:txBody>
-          <a:bodyPr anchor="b">
-            <a:normAutofit/>
-          </a:bodyPr>
-          <a:lstStyle>
-            <a:lvl1pPr>
-              <a:defRPr sz="3200"/>
-            </a:lvl1pPr>
-          </a:lstStyle>
-          <a:p>
-            <a:r>
-              <a:rPr lang="en-US"/>
-              <a:t>Click to edit Master title style</a:t>
-            </a:r>
-            <a:endParaRPr lang="en-US" dirty="0"/>
-          </a:p>
-        </p:txBody>
-      </p:sp>
-      <p:sp>
-        <p:nvSpPr>
-          <p:cNvPr id="3" name="Picture Placeholder 2"/>
-          <p:cNvSpPr>
-            <a:spLocks noGrp="1" noChangeAspect="1"/>
-          </p:cNvSpPr>
-          <p:nvPr>
-            <p:ph type="pic" idx="1"/>
-          </p:nvPr>
-        </p:nvSpPr>
-        <p:spPr>
-          <a:xfrm>
-            <a:off x="8124389" y="1122542"/>
-            <a:ext cx="2791171" cy="3866327"/>
-          </a:xfrm>
-          <a:solidFill>
-            <a:schemeClr val="bg1">
-              <a:lumMod val="85000"/>
-            </a:schemeClr>
-          </a:solidFill>
-          <a:ln w="9525" cap="sq">
-            <a:noFill/>
-            <a:miter lim="800000"/>
-          </a:ln>
-          <a:effectLst/>
-        </p:spPr>
-        <p:txBody>
-          <a:bodyPr anchor="t"/>
-          <a:lstStyle>
-            <a:lvl1pPr marL="0" indent="0" algn="ctr">
-              <a:buNone/>
-              <a:defRPr sz="3200"/>
-            </a:lvl1pPr>
-            <a:lvl2pPr marL="457200" indent="0">
-              <a:buNone/>
-              <a:defRPr sz="2800"/>
-            </a:lvl2pPr>
-            <a:lvl3pPr marL="914400" indent="0">
-              <a:buNone/>
-              <a:defRPr sz="2400"/>
-            </a:lvl3pPr>
-            <a:lvl4pPr marL="1371600" indent="0">
-              <a:buNone/>
-              <a:defRPr sz="2000"/>
-            </a:lvl4pPr>
-            <a:lvl5pPr marL="1828800" indent="0">
-              <a:buNone/>
-              <a:defRPr sz="2000"/>
-            </a:lvl5pPr>
-            <a:lvl6pPr marL="2286000" indent="0">
-              <a:buNone/>
-              <a:defRPr sz="2000"/>
-            </a:lvl6pPr>
-            <a:lvl7pPr marL="2743200" indent="0">
-              <a:buNone/>
-              <a:defRPr sz="2000"/>
-            </a:lvl7pPr>
-            <a:lvl8pPr marL="3200400" indent="0">
-              <a:buNone/>
-              <a:defRPr sz="2000"/>
-            </a:lvl8pPr>
-            <a:lvl9pPr marL="3657600" indent="0">
-              <a:buNone/>
-              <a:defRPr sz="2000"/>
-            </a:lvl9pPr>
-          </a:lstStyle>
-          <a:p>
-            <a:r>
-              <a:rPr lang="en-US"/>
-              <a:t>Click icon to add picture</a:t>
-            </a:r>
-            <a:endParaRPr lang="en-US" dirty="0"/>
-          </a:p>
-        </p:txBody>
-      </p:sp>
-      <p:sp>
-        <p:nvSpPr>
-          <p:cNvPr id="4" name="Text Placeholder 3"/>
-          <p:cNvSpPr>
-            <a:spLocks noGrp="1"/>
-          </p:cNvSpPr>
-          <p:nvPr>
-            <p:ph type="body" sz="half" idx="2"/>
-          </p:nvPr>
-        </p:nvSpPr>
-        <p:spPr>
-          <a:xfrm>
-            <a:off x="1450329" y="3145992"/>
-            <a:ext cx="5524404" cy="2003742"/>
-          </a:xfrm>
-        </p:spPr>
-        <p:txBody>
-          <a:bodyPr>
-            <a:normAutofit/>
-          </a:bodyPr>
-          <a:lstStyle>
-            <a:lvl1pPr marL="0" indent="0" algn="l">
-              <a:buNone/>
-              <a:defRPr sz="1800"/>
-            </a:lvl1pPr>
-            <a:lvl2pPr marL="457200" indent="0">
-              <a:buNone/>
-              <a:defRPr sz="1400"/>
-            </a:lvl2pPr>
-            <a:lvl3pPr marL="914400" indent="0">
-              <a:buNone/>
-              <a:defRPr sz="1200"/>
-            </a:lvl3pPr>
-            <a:lvl4pPr marL="1371600" indent="0">
-              <a:buNone/>
-              <a:defRPr sz="1000"/>
-            </a:lvl4pPr>
-            <a:lvl5pPr marL="1828800" indent="0">
-              <a:buNone/>
-              <a:defRPr sz="1000"/>
-            </a:lvl5pPr>
-            <a:lvl6pPr marL="2286000" indent="0">
-              <a:buNone/>
-              <a:defRPr sz="1000"/>
-            </a:lvl6pPr>
-            <a:lvl7pPr marL="2743200" indent="0">
-              <a:buNone/>
-              <a:defRPr sz="1000"/>
-            </a:lvl7pPr>
-            <a:lvl8pPr marL="3200400" indent="0">
-              <a:buNone/>
-              <a:defRPr sz="1000"/>
-            </a:lvl8pPr>
-            <a:lvl9pPr marL="3657600" indent="0">
-              <a:buNone/>
-              <a:defRPr sz="1000"/>
-            </a:lvl9pPr>
-          </a:lstStyle>
-          <a:p>
-            <a:pPr lvl="0"/>
-            <a:r>
-              <a:rPr lang="en-US"/>
-              <a:t>Click to edit Master text styles</a:t>
-            </a:r>
-          </a:p>
-        </p:txBody>
-      </p:sp>
-      <p:sp>
-        <p:nvSpPr>
-          <p:cNvPr id="5" name="Date Placeholder 4"/>
-          <p:cNvSpPr>
-            <a:spLocks noGrp="1"/>
-          </p:cNvSpPr>
-          <p:nvPr>
-            <p:ph type="dt" sz="half" idx="10"/>
-          </p:nvPr>
-        </p:nvSpPr>
-        <p:spPr>
-          <a:xfrm>
-            <a:off x="1447382" y="5469856"/>
-            <a:ext cx="5527351" cy="320123"/>
-          </a:xfrm>
-        </p:spPr>
-        <p:txBody>
-          <a:bodyPr/>
-          <a:lstStyle>
-            <a:lvl1pPr algn="l">
-              <a:defRPr/>
-            </a:lvl1pPr>
-          </a:lstStyle>
-          <a:p>
-            <a:fld id="{48A87A34-81AB-432B-8DAE-1953F412C126}" type="datetimeFigureOut">
-              <a:rPr lang="en-US" dirty="0"/>
-              <a:pPr/>
-              <a:t>11/5/2019</a:t>
-            </a:fld>
-            <a:endParaRPr lang="en-US" dirty="0"/>
-          </a:p>
-        </p:txBody>
-      </p:sp>
-      <p:sp>
-        <p:nvSpPr>
-          <p:cNvPr id="6" name="Footer Placeholder 5"/>
-          <p:cNvSpPr>
-            <a:spLocks noGrp="1"/>
-          </p:cNvSpPr>
-          <p:nvPr>
-            <p:ph type="ftr" sz="quarter" idx="11"/>
-          </p:nvPr>
-        </p:nvSpPr>
-        <p:spPr>
-          <a:xfrm>
-            <a:off x="1447382" y="318640"/>
-            <a:ext cx="5541004" cy="320931"/>
-          </a:xfrm>
-        </p:spPr>
-        <p:txBody>
-          <a:bodyPr/>
-          <a:lstStyle/>
-          <a:p>
-            <a:endParaRPr lang="en-US" dirty="0"/>
-          </a:p>
-        </p:txBody>
-      </p:sp>
-      <p:sp>
-        <p:nvSpPr>
-          <p:cNvPr id="7" name="Slide Number Placeholder 6"/>
-          <p:cNvSpPr>
-            <a:spLocks noGrp="1"/>
-          </p:cNvSpPr>
-          <p:nvPr>
-            <p:ph type="sldNum" sz="quarter" idx="12"/>
-          </p:nvPr>
-        </p:nvSpPr>
-        <p:spPr/>
-        <p:txBody>
-          <a:bodyPr/>
-          <a:lstStyle/>
-          <a:p>
-            <a:fld id="{6D22F896-40B5-4ADD-8801-0D06FADFA095}" type="slidenum">
-              <a:rPr lang="en-US" dirty="0"/>
-              <a:t>‹#›</a:t>
-            </a:fld>
-            <a:endParaRPr lang="en-US" dirty="0"/>
-          </a:p>
-        </p:txBody>
-      </p:sp>
-      <p:cxnSp>
-        <p:nvCxnSpPr>
-          <p:cNvPr id="31" name="Straight Connector 30"/>
-          <p:cNvCxnSpPr/>
-          <p:nvPr/>
-        </p:nvCxnSpPr>
-        <p:spPr>
-          <a:xfrm>
-            <a:off x="1447382" y="3143605"/>
-            <a:ext cx="5527351" cy="0"/>
-          </a:xfrm>
-          <a:prstGeom prst="line">
-            <a:avLst/>
-          </a:prstGeom>
-          <a:ln w="31750"/>
-        </p:spPr>
-        <p:style>
-          <a:lnRef idx="3">
-            <a:schemeClr val="accent1"/>
-          </a:lnRef>
-          <a:fillRef idx="0">
-            <a:schemeClr val="accent1"/>
-          </a:fillRef>
-          <a:effectRef idx="2">
-            <a:schemeClr val="accent1"/>
-          </a:effectRef>
-          <a:fontRef idx="minor">
-            <a:schemeClr val="tx1"/>
-          </a:fontRef>
-        </p:style>
-      </p:cxnSp>
-    </p:spTree>
-  </p:cSld>
-  <p:clrMapOvr>
-    <a:masterClrMapping/>
-  </p:clrMapOvr>
-</p:sldLayout>
-</file>
-
-<file path=ppt/slideMasters/slideMaster1.xml><?xml version="1.0" encoding="utf-8"?>
-<p:sldMaster xmlns:a="http://schemas.openxmlformats.org/drawingml/2006/main" xmlns:r="http://schemas.openxmlformats.org/officeDocument/2006/relationships" xmlns:p="http://schemas.openxmlformats.org/presentationml/2006/main">
-  <p:cSld>
-    <p:bg>
-      <p:bgRef idx="1003">
-        <a:schemeClr val="bg2"/>
-      </p:bgRef>
-    </p:bg>
-    <p:spTree>
-      <p:nvGrpSpPr>
-        <p:cNvPr id="1" name=""/>
-        <p:cNvGrpSpPr/>
-        <p:nvPr/>
-      </p:nvGrpSpPr>
-      <p:grpSpPr>
-        <a:xfrm>
-          <a:off x="0" y="0"/>
-          <a:ext cx="0" cy="0"/>
-          <a:chOff x="0" y="0"/>
-          <a:chExt cx="0" cy="0"/>
-        </a:xfrm>
-      </p:grpSpPr>
-      <p:sp>
-        <p:nvSpPr>
-          <p:cNvPr id="8" name="Rectangle 7"/>
-          <p:cNvSpPr/>
-          <p:nvPr/>
-        </p:nvSpPr>
-        <p:spPr>
-          <a:xfrm>
-            <a:off x="0" y="2019476"/>
-            <a:ext cx="12192000" cy="4105941"/>
-          </a:xfrm>
-          <a:prstGeom prst="rect">
-            <a:avLst/>
-          </a:prstGeom>
-          <a:gradFill flip="none" rotWithShape="1">
-            <a:gsLst>
-              <a:gs pos="0">
-                <a:schemeClr val="bg2">
-                  <a:alpha val="0"/>
-                </a:schemeClr>
-              </a:gs>
-              <a:gs pos="100000">
-                <a:schemeClr val="bg2"/>
-              </a:gs>
-            </a:gsLst>
-            <a:lin ang="5400000" scaled="0"/>
-            <a:tileRect/>
-          </a:gradFill>
-          <a:ln>
-            <a:noFill/>
-          </a:ln>
-        </p:spPr>
-        <p:style>
-          <a:lnRef idx="2">
-            <a:schemeClr val="accent1">
-              <a:shade val="50000"/>
-            </a:schemeClr>
-          </a:lnRef>
-          <a:fillRef idx="1">
-            <a:schemeClr val="accent1"/>
-          </a:fillRef>
-          <a:effectRef idx="0">
-            <a:schemeClr val="accent1"/>
-          </a:effectRef>
-          <a:fontRef idx="minor">
-            <a:schemeClr val="lt1"/>
-          </a:fontRef>
-        </p:style>
-      </p:sp>
-      <p:pic>
-        <p:nvPicPr>
-          <p:cNvPr id="7" name="Picture 6"/>
-          <p:cNvPicPr>
-            <a:picLocks noChangeAspect="1"/>
-          </p:cNvPicPr>
-          <p:nvPr/>
-        </p:nvPicPr>
-        <p:blipFill rotWithShape="1">
-          <a:blip r:embed="rId13">
-            <a:extLst>
-              <a:ext uri="{28A0092B-C50C-407E-A947-70E740481C1C}">
-                <a14:useLocalDpi xmlns:a14="http://schemas.microsoft.com/office/drawing/2010/main" val="0"/>
-              </a:ext>
-            </a:extLst>
-          </a:blip>
-          <a:srcRect t="1538" b="-1538"/>
-          <a:stretch/>
-        </p:blipFill>
-        <p:spPr bwMode="black">
-          <a:xfrm>
-            <a:off x="0" y="6126480"/>
-            <a:ext cx="12192000" cy="742950"/>
+            <a:off x="677334" y="609600"/>
+            <a:ext cx="8596668" cy="1320800"/>
           </a:xfrm>
           <a:prstGeom prst="rect">
             <a:avLst/>
           </a:prstGeom>
         </p:spPr>
-      </p:pic>
-      <p:sp>
-        <p:nvSpPr>
-          <p:cNvPr id="2" name="Title Placeholder 1"/>
-          <p:cNvSpPr>
-            <a:spLocks noGrp="1"/>
-          </p:cNvSpPr>
-          <p:nvPr>
-            <p:ph type="title"/>
+        <p:txBody>
+          <a:bodyPr vert="horz" lIns="91440" tIns="45720" rIns="91440" bIns="45720" rtlCol="0" anchor="t">
+            <a:normAutofit/>
+          </a:bodyPr>
+          <a:lstStyle/>
+          <a:p>
+            <a:r>
+              <a:rPr lang="en-US"/>
+              <a:t>Click to edit Master title style</a:t>
+            </a:r>
+            <a:endParaRPr lang="en-US" dirty="0"/>
+          </a:p>
+        </p:txBody>
+      </p:sp>
+      <p:sp>
+        <p:nvSpPr>
+          <p:cNvPr id="3" name="Text Placeholder 2"/>
+          <p:cNvSpPr>
+            <a:spLocks noGrp="1"/>
+          </p:cNvSpPr>
+          <p:nvPr>
+            <p:ph type="body" idx="1"/>
           </p:nvPr>
         </p:nvSpPr>
         <p:spPr>
           <a:xfrm>
-            <a:off x="1451579" y="804519"/>
-            <a:ext cx="9603275" cy="1049235"/>
+            <a:off x="677334" y="2160589"/>
+            <a:ext cx="8596668" cy="3880773"/>
           </a:xfrm>
           <a:prstGeom prst="rect">
             <a:avLst/>
           </a:prstGeom>
         </p:spPr>
         <p:txBody>
-          <a:bodyPr vert="horz" lIns="91440" tIns="45720" rIns="91440" bIns="45720" rtlCol="0" anchor="t">
+          <a:bodyPr vert="horz" lIns="91440" tIns="45720" rIns="91440" bIns="45720" rtlCol="0">
             <a:normAutofit/>
           </a:bodyPr>
           <a:lstStyle/>
           <a:p>
+            <a:pPr lvl="0"/>
             <a:r>
               <a:rPr lang="en-US"/>
-              <a:t>Click to edit Master title style</a:t>
+              <a:t>Click to edit Master text styles</a:t>
+            </a:r>
+          </a:p>
+          <a:p>
+            <a:pPr lvl="1"/>
+            <a:r>
+              <a:rPr lang="en-US"/>
+              <a:t>Second level</a:t>
+            </a:r>
+          </a:p>
+          <a:p>
+            <a:pPr lvl="2"/>
+            <a:r>
+              <a:rPr lang="en-US"/>
+              <a:t>Third level</a:t>
+            </a:r>
+          </a:p>
+          <a:p>
+            <a:pPr lvl="3"/>
+            <a:r>
+              <a:rPr lang="en-US"/>
+              <a:t>Fourth level</a:t>
+            </a:r>
+          </a:p>
+          <a:p>
+            <a:pPr lvl="4"/>
+            <a:r>
+              <a:rPr lang="en-US"/>
+              <a:t>Fifth level</a:t>
             </a:r>
             <a:endParaRPr lang="en-US" dirty="0"/>
           </a:p>
@@ -2996,80 +5296,60 @@
       </p:sp>
       <p:sp>
         <p:nvSpPr>
-          <p:cNvPr id="3" name="Text Placeholder 2"/>
-          <p:cNvSpPr>
-            <a:spLocks noGrp="1"/>
-          </p:cNvSpPr>
-          <p:nvPr>
-            <p:ph type="body" idx="1"/>
+          <p:cNvPr id="4" name="Date Placeholder 3"/>
+          <p:cNvSpPr>
+            <a:spLocks noGrp="1"/>
+          </p:cNvSpPr>
+          <p:nvPr>
+            <p:ph type="dt" sz="half" idx="2"/>
           </p:nvPr>
         </p:nvSpPr>
         <p:spPr>
           <a:xfrm>
-            <a:off x="1451579" y="2015732"/>
-            <a:ext cx="9603275" cy="3450613"/>
+            <a:off x="7205133" y="6041362"/>
+            <a:ext cx="911939" cy="365125"/>
           </a:xfrm>
           <a:prstGeom prst="rect">
             <a:avLst/>
           </a:prstGeom>
         </p:spPr>
         <p:txBody>
-          <a:bodyPr vert="horz" lIns="91440" tIns="45720" rIns="91440" bIns="45720" rtlCol="0">
-            <a:normAutofit/>
-          </a:bodyPr>
-          <a:lstStyle/>
-          <a:p>
-            <a:pPr lvl="0"/>
-            <a:r>
-              <a:rPr lang="en-US"/>
-              <a:t>Click to edit Master text styles</a:t>
-            </a:r>
-          </a:p>
-          <a:p>
-            <a:pPr lvl="1"/>
-            <a:r>
-              <a:rPr lang="en-US"/>
-              <a:t>Second level</a:t>
-            </a:r>
-          </a:p>
-          <a:p>
-            <a:pPr lvl="2"/>
-            <a:r>
-              <a:rPr lang="en-US"/>
-              <a:t>Third level</a:t>
-            </a:r>
-          </a:p>
-          <a:p>
-            <a:pPr lvl="3"/>
-            <a:r>
-              <a:rPr lang="en-US"/>
-              <a:t>Fourth level</a:t>
-            </a:r>
-          </a:p>
-          <a:p>
-            <a:pPr lvl="4"/>
-            <a:r>
-              <a:rPr lang="en-US"/>
-              <a:t>Fifth level</a:t>
-            </a:r>
+          <a:bodyPr vert="horz" lIns="91440" tIns="45720" rIns="91440" bIns="45720" rtlCol="0" anchor="ctr"/>
+          <a:lstStyle>
+            <a:lvl1pPr algn="r">
+              <a:defRPr sz="900">
+                <a:solidFill>
+                  <a:schemeClr val="tx1">
+                    <a:tint val="75000"/>
+                  </a:schemeClr>
+                </a:solidFill>
+              </a:defRPr>
+            </a:lvl1pPr>
+          </a:lstStyle>
+          <a:p>
+            <a:fld id="{48A87A34-81AB-432B-8DAE-1953F412C126}" type="datetimeFigureOut">
+              <a:rPr lang="en-US" smtClean="0"/>
+              <a:pPr/>
+              <a:t>11/6/2019</a:t>
+            </a:fld>
             <a:endParaRPr lang="en-US" dirty="0"/>
           </a:p>
         </p:txBody>
       </p:sp>
       <p:sp>
         <p:nvSpPr>
-          <p:cNvPr id="4" name="Date Placeholder 3"/>
-          <p:cNvSpPr>
-            <a:spLocks noGrp="1"/>
-          </p:cNvSpPr>
-          <p:nvPr>
-            <p:ph type="dt" sz="half" idx="2"/>
+          <p:cNvPr id="5" name="Footer Placeholder 4"/>
+          <p:cNvSpPr>
+            <a:spLocks noGrp="1"/>
+          </p:cNvSpPr>
+          <p:nvPr>
+            <p:ph type="ftr" sz="quarter" idx="3"/>
           </p:nvPr>
         </p:nvSpPr>
         <p:spPr>
           <a:xfrm>
-            <a:off x="7554138" y="330370"/>
-            <a:ext cx="3500715" cy="309201"/>
+            <a:off x="677334" y="6041362"/>
+            <a:ext cx="6297612" cy="365125"/>
           </a:xfrm>
           <a:prstGeom prst="rect">
             <a:avLst/>
@@ -3078,8 +5358,8 @@
         <p:txBody>
           <a:bodyPr vert="horz" lIns="91440" tIns="45720" rIns="91440" bIns="45720" rtlCol="0" anchor="ctr"/>
           <a:lstStyle>
-            <a:lvl1pPr algn="r">
-              <a:defRPr sz="1000">
+            <a:lvl1pPr algn="l">
+              <a:defRPr sz="900">
                 <a:solidFill>
                   <a:schemeClr val="tx1">
                     <a:tint val="75000"/>
@@ -3089,29 +5369,24 @@
             </a:lvl1pPr>
           </a:lstStyle>
           <a:p>
-            <a:fld id="{48A87A34-81AB-432B-8DAE-1953F412C126}" type="datetimeFigureOut">
-              <a:rPr lang="en-US" dirty="0"/>
-              <a:pPr/>
-              <a:t>11/5/2019</a:t>
-            </a:fld>
             <a:endParaRPr lang="en-US" dirty="0"/>
           </a:p>
         </p:txBody>
       </p:sp>
       <p:sp>
         <p:nvSpPr>
-          <p:cNvPr id="5" name="Footer Placeholder 4"/>
-          <p:cNvSpPr>
-            <a:spLocks noGrp="1"/>
-          </p:cNvSpPr>
-          <p:nvPr>
-            <p:ph type="ftr" sz="quarter" idx="3"/>
+          <p:cNvPr id="6" name="Slide Number Placeholder 5"/>
+          <p:cNvSpPr>
+            <a:spLocks noGrp="1"/>
+          </p:cNvSpPr>
+          <p:nvPr>
+            <p:ph type="sldNum" sz="quarter" idx="4"/>
           </p:nvPr>
         </p:nvSpPr>
         <p:spPr>
           <a:xfrm>
-            <a:off x="1451579" y="329307"/>
-            <a:ext cx="5938836" cy="309201"/>
+            <a:off x="8590663" y="6041362"/>
+            <a:ext cx="683339" cy="365125"/>
           </a:xfrm>
           <a:prstGeom prst="rect">
             <a:avLst/>
@@ -3120,54 +5395,17 @@
         <p:txBody>
           <a:bodyPr vert="horz" lIns="91440" tIns="45720" rIns="91440" bIns="45720" rtlCol="0" anchor="ctr"/>
           <a:lstStyle>
-            <a:lvl1pPr algn="l">
-              <a:defRPr sz="1000">
-                <a:solidFill>
-                  <a:schemeClr val="tx1">
-                    <a:tint val="75000"/>
-                  </a:schemeClr>
+            <a:lvl1pPr algn="r">
+              <a:defRPr sz="900">
+                <a:solidFill>
+                  <a:schemeClr val="accent1"/>
                 </a:solidFill>
               </a:defRPr>
             </a:lvl1pPr>
           </a:lstStyle>
           <a:p>
-            <a:endParaRPr lang="en-US" dirty="0"/>
-          </a:p>
-        </p:txBody>
-      </p:sp>
-      <p:sp>
-        <p:nvSpPr>
-          <p:cNvPr id="6" name="Slide Number Placeholder 5"/>
-          <p:cNvSpPr>
-            <a:spLocks noGrp="1"/>
-          </p:cNvSpPr>
-          <p:nvPr>
-            <p:ph type="sldNum" sz="quarter" idx="4"/>
-          </p:nvPr>
-        </p:nvSpPr>
-        <p:spPr>
-          <a:xfrm>
-            <a:off x="480060" y="798973"/>
-            <a:ext cx="811019" cy="503578"/>
-          </a:xfrm>
-          <a:prstGeom prst="rect">
-            <a:avLst/>
-          </a:prstGeom>
-        </p:spPr>
-        <p:txBody>
-          <a:bodyPr vert="horz" lIns="91440" tIns="45720" rIns="91440" bIns="45720" rtlCol="0" anchor="t"/>
-          <a:lstStyle>
-            <a:lvl1pPr algn="r">
-              <a:defRPr sz="2800">
-                <a:solidFill>
-                  <a:schemeClr val="accent1"/>
-                </a:solidFill>
-              </a:defRPr>
-            </a:lvl1pPr>
-          </a:lstStyle>
-          <a:p>
             <a:fld id="{6D22F896-40B5-4ADD-8801-0D06FADFA095}" type="slidenum">
-              <a:rPr lang="en-US" dirty="0"/>
+              <a:rPr lang="en-US" smtClean="0"/>
               <a:pPr/>
               <a:t>‹#›</a:t>
             </a:fld>
@@ -3175,283 +5413,326 @@
           </a:p>
         </p:txBody>
       </p:sp>
-      <p:cxnSp>
-        <p:nvCxnSpPr>
-          <p:cNvPr id="10" name="Straight Connector 9"/>
-          <p:cNvCxnSpPr/>
-          <p:nvPr/>
-        </p:nvCxnSpPr>
-        <p:spPr>
-          <a:xfrm>
-            <a:off x="0" y="6128413"/>
-            <a:ext cx="12192000" cy="0"/>
-          </a:xfrm>
-          <a:prstGeom prst="line">
-            <a:avLst/>
-          </a:prstGeom>
-          <a:ln w="12700">
-            <a:solidFill>
-              <a:srgbClr val="000001">
-                <a:alpha val="20000"/>
-              </a:srgbClr>
-            </a:solidFill>
-          </a:ln>
-        </p:spPr>
-        <p:style>
-          <a:lnRef idx="1">
-            <a:schemeClr val="accent1"/>
-          </a:lnRef>
-          <a:fillRef idx="0">
-            <a:schemeClr val="accent1"/>
-          </a:fillRef>
-          <a:effectRef idx="0">
-            <a:schemeClr val="accent1"/>
-          </a:effectRef>
-          <a:fontRef idx="minor">
-            <a:schemeClr val="tx1"/>
-          </a:fontRef>
-        </p:style>
-      </p:cxnSp>
     </p:spTree>
+    <p:extLst>
+      <p:ext uri="{BB962C8B-B14F-4D97-AF65-F5344CB8AC3E}">
+        <p14:creationId xmlns:p14="http://schemas.microsoft.com/office/powerpoint/2010/main" val="2275152860"/>
+      </p:ext>
+    </p:extLst>
   </p:cSld>
   <p:clrMap bg1="lt1" tx1="dk1" bg2="lt2" tx2="dk2" accent1="accent1" accent2="accent2" accent3="accent3" accent4="accent4" accent5="accent5" accent6="accent6" hlink="hlink" folHlink="folHlink"/>
   <p:sldLayoutIdLst>
-    <p:sldLayoutId id="2147483649" r:id="rId1"/>
-    <p:sldLayoutId id="2147483650" r:id="rId2"/>
-    <p:sldLayoutId id="2147483651" r:id="rId3"/>
-    <p:sldLayoutId id="2147483652" r:id="rId4"/>
-    <p:sldLayoutId id="2147483653" r:id="rId5"/>
-    <p:sldLayoutId id="2147483654" r:id="rId6"/>
-    <p:sldLayoutId id="2147483655" r:id="rId7"/>
-    <p:sldLayoutId id="2147483656" r:id="rId8"/>
-    <p:sldLayoutId id="2147483657" r:id="rId9"/>
-    <p:sldLayoutId id="2147483658" r:id="rId10"/>
-    <p:sldLayoutId id="2147483659" r:id="rId11"/>
+    <p:sldLayoutId id="2147483715" r:id="rId1"/>
+    <p:sldLayoutId id="2147483716" r:id="rId2"/>
+    <p:sldLayoutId id="2147483717" r:id="rId3"/>
+    <p:sldLayoutId id="2147483718" r:id="rId4"/>
+    <p:sldLayoutId id="2147483719" r:id="rId5"/>
+    <p:sldLayoutId id="2147483720" r:id="rId6"/>
+    <p:sldLayoutId id="2147483721" r:id="rId7"/>
+    <p:sldLayoutId id="2147483722" r:id="rId8"/>
+    <p:sldLayoutId id="2147483723" r:id="rId9"/>
+    <p:sldLayoutId id="2147483724" r:id="rId10"/>
+    <p:sldLayoutId id="2147483725" r:id="rId11"/>
+    <p:sldLayoutId id="2147483726" r:id="rId12"/>
+    <p:sldLayoutId id="2147483727" r:id="rId13"/>
+    <p:sldLayoutId id="2147483728" r:id="rId14"/>
+    <p:sldLayoutId id="2147483729" r:id="rId15"/>
+    <p:sldLayoutId id="2147483730" r:id="rId16"/>
   </p:sldLayoutIdLst>
   <p:txStyles>
     <p:titleStyle>
-      <a:lvl1pPr algn="l" defTabSz="914400" rtl="0" eaLnBrk="1" latinLnBrk="0" hangingPunct="1">
-        <a:lnSpc>
-          <a:spcPct val="90000"/>
-        </a:lnSpc>
+      <a:lvl1pPr algn="l" defTabSz="457200" rtl="0" eaLnBrk="1" latinLnBrk="0" hangingPunct="1">
         <a:spcBef>
           <a:spcPct val="0"/>
         </a:spcBef>
         <a:buNone/>
-        <a:defRPr sz="3200" b="0" i="0" kern="1200" cap="all">
+        <a:defRPr sz="3600" kern="1200">
           <a:solidFill>
-            <a:schemeClr val="tx1"/>
+            <a:schemeClr val="accent1"/>
           </a:solidFill>
-          <a:effectLst/>
           <a:latin typeface="+mj-lt"/>
           <a:ea typeface="+mj-ea"/>
           <a:cs typeface="+mj-cs"/>
         </a:defRPr>
       </a:lvl1pPr>
+      <a:lvl2pPr eaLnBrk="1" hangingPunct="1">
+        <a:defRPr>
+          <a:solidFill>
+            <a:schemeClr val="tx2"/>
+          </a:solidFill>
+        </a:defRPr>
+      </a:lvl2pPr>
+      <a:lvl3pPr eaLnBrk="1" hangingPunct="1">
+        <a:defRPr>
+          <a:solidFill>
+            <a:schemeClr val="tx2"/>
+          </a:solidFill>
+        </a:defRPr>
+      </a:lvl3pPr>
+      <a:lvl4pPr eaLnBrk="1" hangingPunct="1">
+        <a:defRPr>
+          <a:solidFill>
+            <a:schemeClr val="tx2"/>
+          </a:solidFill>
+        </a:defRPr>
+      </a:lvl4pPr>
+      <a:lvl5pPr eaLnBrk="1" hangingPunct="1">
+        <a:defRPr>
+          <a:solidFill>
+            <a:schemeClr val="tx2"/>
+          </a:solidFill>
+        </a:defRPr>
+      </a:lvl5pPr>
+      <a:lvl6pPr eaLnBrk="1" hangingPunct="1">
+        <a:defRPr>
+          <a:solidFill>
+            <a:schemeClr val="tx2"/>
+          </a:solidFill>
+        </a:defRPr>
+      </a:lvl6pPr>
+      <a:lvl7pPr eaLnBrk="1" hangingPunct="1">
+        <a:defRPr>
+          <a:solidFill>
+            <a:schemeClr val="tx2"/>
+          </a:solidFill>
+        </a:defRPr>
+      </a:lvl7pPr>
+      <a:lvl8pPr eaLnBrk="1" hangingPunct="1">
+        <a:defRPr>
+          <a:solidFill>
+            <a:schemeClr val="tx2"/>
+          </a:solidFill>
+        </a:defRPr>
+      </a:lvl8pPr>
+      <a:lvl9pPr eaLnBrk="1" hangingPunct="1">
+        <a:defRPr>
+          <a:solidFill>
+            <a:schemeClr val="tx2"/>
+          </a:solidFill>
+        </a:defRPr>
+      </a:lvl9pPr>
     </p:titleStyle>
     <p:bodyStyle>
-      <a:lvl1pPr marL="228600" indent="-228600" algn="l" defTabSz="914400" rtl="0" eaLnBrk="1" latinLnBrk="0" hangingPunct="1">
-        <a:lnSpc>
-          <a:spcPct val="120000"/>
-        </a:lnSpc>
+      <a:lvl1pPr marL="342900" indent="-342900" algn="l" defTabSz="457200" rtl="0" eaLnBrk="1" latinLnBrk="0" hangingPunct="1">
         <a:spcBef>
           <a:spcPts val="1000"/>
         </a:spcBef>
+        <a:spcAft>
+          <a:spcPts val="0"/>
+        </a:spcAft>
         <a:buClr>
           <a:schemeClr val="accent1"/>
         </a:buClr>
-        <a:buSzPct val="100000"/>
-        <a:buFont typeface="Arial" panose="020B0604020202020204" pitchFamily="34" charset="0"/>
-        <a:buChar char="•"/>
-        <a:defRPr sz="2000" kern="1200">
+        <a:buSzPct val="80000"/>
+        <a:buFont typeface="Wingdings 3" charset="2"/>
+        <a:buChar char=""/>
+        <a:defRPr sz="1800" kern="1200">
           <a:solidFill>
-            <a:schemeClr val="tx1"/>
+            <a:schemeClr val="tx1">
+              <a:lumMod val="75000"/>
+              <a:lumOff val="25000"/>
+            </a:schemeClr>
           </a:solidFill>
-          <a:effectLst/>
           <a:latin typeface="+mn-lt"/>
           <a:ea typeface="+mn-ea"/>
           <a:cs typeface="+mn-cs"/>
         </a:defRPr>
       </a:lvl1pPr>
-      <a:lvl2pPr marL="685800" indent="-228600" algn="l" defTabSz="914400" rtl="0" eaLnBrk="1" latinLnBrk="0" hangingPunct="1">
-        <a:lnSpc>
-          <a:spcPct val="120000"/>
-        </a:lnSpc>
+      <a:lvl2pPr marL="742950" indent="-285750" algn="l" defTabSz="457200" rtl="0" eaLnBrk="1" latinLnBrk="0" hangingPunct="1">
         <a:spcBef>
-          <a:spcPts val="500"/>
+          <a:spcPts val="1000"/>
         </a:spcBef>
+        <a:spcAft>
+          <a:spcPts val="0"/>
+        </a:spcAft>
         <a:buClr>
           <a:schemeClr val="accent1"/>
         </a:buClr>
-        <a:buSzPct val="100000"/>
-        <a:buFont typeface="Arial" panose="020B0604020202020204" pitchFamily="34" charset="0"/>
-        <a:buChar char="•"/>
-        <a:defRPr sz="1800" kern="1200" cap="none" baseline="0">
+        <a:buSzPct val="80000"/>
+        <a:buFont typeface="Wingdings 3" charset="2"/>
+        <a:buChar char=""/>
+        <a:defRPr sz="1600" kern="1200">
           <a:solidFill>
-            <a:schemeClr val="tx1"/>
+            <a:schemeClr val="tx1">
+              <a:lumMod val="75000"/>
+              <a:lumOff val="25000"/>
+            </a:schemeClr>
           </a:solidFill>
-          <a:effectLst/>
           <a:latin typeface="+mn-lt"/>
           <a:ea typeface="+mn-ea"/>
           <a:cs typeface="+mn-cs"/>
         </a:defRPr>
       </a:lvl2pPr>
-      <a:lvl3pPr marL="1143000" indent="-228600" algn="l" defTabSz="914400" rtl="0" eaLnBrk="1" latinLnBrk="0" hangingPunct="1">
-        <a:lnSpc>
-          <a:spcPct val="120000"/>
-        </a:lnSpc>
+      <a:lvl3pPr marL="1143000" indent="-228600" algn="l" defTabSz="457200" rtl="0" eaLnBrk="1" latinLnBrk="0" hangingPunct="1">
         <a:spcBef>
-          <a:spcPts val="500"/>
+          <a:spcPts val="1000"/>
         </a:spcBef>
+        <a:spcAft>
+          <a:spcPts val="0"/>
+        </a:spcAft>
         <a:buClr>
           <a:schemeClr val="accent1"/>
         </a:buClr>
-        <a:buSzPct val="100000"/>
-        <a:buFont typeface="Arial" panose="020B0604020202020204" pitchFamily="34" charset="0"/>
-        <a:buChar char="•"/>
-        <a:defRPr sz="1600" kern="1200">
+        <a:buSzPct val="80000"/>
+        <a:buFont typeface="Wingdings 3" charset="2"/>
+        <a:buChar char=""/>
+        <a:defRPr sz="1400" kern="1200">
           <a:solidFill>
-            <a:schemeClr val="tx1"/>
+            <a:schemeClr val="tx1">
+              <a:lumMod val="75000"/>
+              <a:lumOff val="25000"/>
+            </a:schemeClr>
           </a:solidFill>
-          <a:effectLst/>
           <a:latin typeface="+mn-lt"/>
           <a:ea typeface="+mn-ea"/>
           <a:cs typeface="+mn-cs"/>
         </a:defRPr>
       </a:lvl3pPr>
-      <a:lvl4pPr marL="1600200" indent="-228600" algn="l" defTabSz="914400" rtl="0" eaLnBrk="1" latinLnBrk="0" hangingPunct="1">
-        <a:lnSpc>
-          <a:spcPct val="120000"/>
-        </a:lnSpc>
+      <a:lvl4pPr marL="1600200" indent="-228600" algn="l" defTabSz="457200" rtl="0" eaLnBrk="1" latinLnBrk="0" hangingPunct="1">
         <a:spcBef>
-          <a:spcPts val="500"/>
+          <a:spcPts val="1000"/>
         </a:spcBef>
+        <a:spcAft>
+          <a:spcPts val="0"/>
+        </a:spcAft>
         <a:buClr>
           <a:schemeClr val="accent1"/>
         </a:buClr>
-        <a:buSzPct val="100000"/>
-        <a:buFont typeface="Arial" panose="020B0604020202020204" pitchFamily="34" charset="0"/>
-        <a:buChar char="•"/>
-        <a:defRPr sz="1400" kern="1200" cap="none" baseline="0">
+        <a:buSzPct val="80000"/>
+        <a:buFont typeface="Wingdings 3" charset="2"/>
+        <a:buChar char=""/>
+        <a:defRPr sz="1200" kern="1200">
           <a:solidFill>
-            <a:schemeClr val="tx1"/>
+            <a:schemeClr val="tx1">
+              <a:lumMod val="75000"/>
+              <a:lumOff val="25000"/>
+            </a:schemeClr>
           </a:solidFill>
-          <a:effectLst/>
           <a:latin typeface="+mn-lt"/>
           <a:ea typeface="+mn-ea"/>
           <a:cs typeface="+mn-cs"/>
         </a:defRPr>
       </a:lvl4pPr>
-      <a:lvl5pPr marL="2057400" indent="-228600" algn="l" defTabSz="914400" rtl="0" eaLnBrk="1" latinLnBrk="0" hangingPunct="1">
-        <a:lnSpc>
-          <a:spcPct val="120000"/>
-        </a:lnSpc>
+      <a:lvl5pPr marL="2057400" indent="-228600" algn="l" defTabSz="457200" rtl="0" eaLnBrk="1" latinLnBrk="0" hangingPunct="1">
         <a:spcBef>
-          <a:spcPts val="500"/>
+          <a:spcPts val="1000"/>
         </a:spcBef>
+        <a:spcAft>
+          <a:spcPts val="0"/>
+        </a:spcAft>
         <a:buClr>
           <a:schemeClr val="accent1"/>
         </a:buClr>
-        <a:buSzPct val="100000"/>
-        <a:buFont typeface="Arial" panose="020B0604020202020204" pitchFamily="34" charset="0"/>
-        <a:buChar char="•"/>
+        <a:buSzPct val="80000"/>
+        <a:buFont typeface="Wingdings 3" charset="2"/>
+        <a:buChar char=""/>
         <a:defRPr sz="1200" kern="1200">
           <a:solidFill>
-            <a:schemeClr val="tx1"/>
+            <a:schemeClr val="tx1">
+              <a:lumMod val="75000"/>
+              <a:lumOff val="25000"/>
+            </a:schemeClr>
           </a:solidFill>
-          <a:effectLst/>
           <a:latin typeface="+mn-lt"/>
           <a:ea typeface="+mn-ea"/>
           <a:cs typeface="+mn-cs"/>
         </a:defRPr>
       </a:lvl5pPr>
-      <a:lvl6pPr marL="2514600" indent="-228600" algn="l" defTabSz="914400" rtl="0" eaLnBrk="1" latinLnBrk="0" hangingPunct="1">
-        <a:lnSpc>
-          <a:spcPct val="120000"/>
-        </a:lnSpc>
+      <a:lvl6pPr marL="2514600" indent="-228600" algn="l" defTabSz="457200" rtl="0" eaLnBrk="1" latinLnBrk="0" hangingPunct="1">
         <a:spcBef>
-          <a:spcPts val="500"/>
+          <a:spcPts val="1000"/>
         </a:spcBef>
+        <a:spcAft>
+          <a:spcPts val="0"/>
+        </a:spcAft>
         <a:buClr>
           <a:schemeClr val="accent1"/>
         </a:buClr>
-        <a:buSzPct val="100000"/>
-        <a:buFont typeface="Arial" panose="020B0604020202020204" pitchFamily="34" charset="0"/>
-        <a:buChar char="•"/>
+        <a:buSzPct val="80000"/>
+        <a:buFont typeface="Wingdings 3" charset="2"/>
+        <a:buChar char=""/>
         <a:defRPr sz="1200" kern="1200">
           <a:solidFill>
-            <a:schemeClr val="tx1"/>
+            <a:schemeClr val="tx1">
+              <a:lumMod val="75000"/>
+              <a:lumOff val="25000"/>
+            </a:schemeClr>
           </a:solidFill>
-          <a:effectLst/>
           <a:latin typeface="+mn-lt"/>
           <a:ea typeface="+mn-ea"/>
           <a:cs typeface="+mn-cs"/>
         </a:defRPr>
       </a:lvl6pPr>
-      <a:lvl7pPr marL="2971800" indent="-228600" algn="l" defTabSz="914400" rtl="0" eaLnBrk="1" latinLnBrk="0" hangingPunct="1">
-        <a:lnSpc>
-          <a:spcPct val="120000"/>
-        </a:lnSpc>
+      <a:lvl7pPr marL="2971800" indent="-228600" algn="l" defTabSz="457200" rtl="0" eaLnBrk="1" latinLnBrk="0" hangingPunct="1">
         <a:spcBef>
-          <a:spcPts val="500"/>
+          <a:spcPts val="1000"/>
         </a:spcBef>
+        <a:spcAft>
+          <a:spcPts val="0"/>
+        </a:spcAft>
         <a:buClr>
           <a:schemeClr val="accent1"/>
         </a:buClr>
-        <a:buSzPct val="100000"/>
-        <a:buFont typeface="Arial" panose="020B0604020202020204" pitchFamily="34" charset="0"/>
-        <a:buChar char="•"/>
+        <a:buSzPct val="80000"/>
+        <a:buFont typeface="Wingdings 3" charset="2"/>
+        <a:buChar char=""/>
         <a:defRPr sz="1200" kern="1200">
           <a:solidFill>
-            <a:schemeClr val="tx1"/>
+            <a:schemeClr val="tx1">
+              <a:lumMod val="75000"/>
+              <a:lumOff val="25000"/>
+            </a:schemeClr>
           </a:solidFill>
-          <a:effectLst/>
           <a:latin typeface="+mn-lt"/>
           <a:ea typeface="+mn-ea"/>
           <a:cs typeface="+mn-cs"/>
         </a:defRPr>
       </a:lvl7pPr>
-      <a:lvl8pPr marL="3429000" indent="-228600" algn="l" defTabSz="914400" rtl="0" eaLnBrk="1" latinLnBrk="0" hangingPunct="1">
-        <a:lnSpc>
-          <a:spcPct val="120000"/>
-        </a:lnSpc>
+      <a:lvl8pPr marL="3429000" indent="-228600" algn="l" defTabSz="457200" rtl="0" eaLnBrk="1" latinLnBrk="0" hangingPunct="1">
         <a:spcBef>
-          <a:spcPts val="500"/>
+          <a:spcPts val="1000"/>
         </a:spcBef>
+        <a:spcAft>
+          <a:spcPts val="0"/>
+        </a:spcAft>
         <a:buClr>
           <a:schemeClr val="accent1"/>
         </a:buClr>
-        <a:buSzPct val="100000"/>
-        <a:buFont typeface="Arial" panose="020B0604020202020204" pitchFamily="34" charset="0"/>
-        <a:buChar char="•"/>
-        <a:defRPr sz="1200" kern="1200" baseline="0">
+        <a:buSzPct val="80000"/>
+        <a:buFont typeface="Wingdings 3" charset="2"/>
+        <a:buChar char=""/>
+        <a:defRPr sz="1200" kern="1200">
           <a:solidFill>
-            <a:schemeClr val="tx1"/>
+            <a:schemeClr val="tx1">
+              <a:lumMod val="75000"/>
+              <a:lumOff val="25000"/>
+            </a:schemeClr>
           </a:solidFill>
-          <a:effectLst/>
           <a:latin typeface="+mn-lt"/>
           <a:ea typeface="+mn-ea"/>
           <a:cs typeface="+mn-cs"/>
         </a:defRPr>
       </a:lvl8pPr>
-      <a:lvl9pPr marL="3886200" indent="-228600" algn="l" defTabSz="914400" rtl="0" eaLnBrk="1" latinLnBrk="0" hangingPunct="1">
-        <a:lnSpc>
-          <a:spcPct val="120000"/>
-        </a:lnSpc>
+      <a:lvl9pPr marL="3886200" indent="-228600" algn="l" defTabSz="457200" rtl="0" eaLnBrk="1" latinLnBrk="0" hangingPunct="1">
         <a:spcBef>
-          <a:spcPts val="500"/>
+          <a:spcPts val="1000"/>
         </a:spcBef>
+        <a:spcAft>
+          <a:spcPts val="0"/>
+        </a:spcAft>
         <a:buClr>
           <a:schemeClr val="accent1"/>
         </a:buClr>
-        <a:buSzPct val="100000"/>
-        <a:buFont typeface="Arial" panose="020B0604020202020204" pitchFamily="34" charset="0"/>
-        <a:buChar char="•"/>
-        <a:defRPr sz="1200" kern="1200" baseline="0">
+        <a:buSzPct val="80000"/>
+        <a:buFont typeface="Wingdings 3" charset="2"/>
+        <a:buChar char=""/>
+        <a:defRPr sz="1200" kern="1200">
           <a:solidFill>
-            <a:schemeClr val="tx1"/>
+            <a:schemeClr val="tx1">
+              <a:lumMod val="75000"/>
+              <a:lumOff val="25000"/>
+            </a:schemeClr>
           </a:solidFill>
-          <a:effectLst/>
           <a:latin typeface="+mn-lt"/>
           <a:ea typeface="+mn-ea"/>
           <a:cs typeface="+mn-cs"/>
@@ -3462,7 +5743,7 @@
       <a:defPPr>
         <a:defRPr lang="en-US"/>
       </a:defPPr>
-      <a:lvl1pPr marL="0" algn="l" defTabSz="914400" rtl="0" eaLnBrk="1" latinLnBrk="0" hangingPunct="1">
+      <a:lvl1pPr marL="0" algn="l" defTabSz="457200" rtl="0" eaLnBrk="1" latinLnBrk="0" hangingPunct="1">
         <a:defRPr sz="1800" kern="1200">
           <a:solidFill>
             <a:schemeClr val="tx1"/>
@@ -3472,7 +5753,7 @@
           <a:cs typeface="+mn-cs"/>
         </a:defRPr>
       </a:lvl1pPr>
-      <a:lvl2pPr marL="457200" algn="l" defTabSz="914400" rtl="0" eaLnBrk="1" latinLnBrk="0" hangingPunct="1">
+      <a:lvl2pPr marL="457200" algn="l" defTabSz="457200" rtl="0" eaLnBrk="1" latinLnBrk="0" hangingPunct="1">
         <a:defRPr sz="1800" kern="1200">
           <a:solidFill>
             <a:schemeClr val="tx1"/>
@@ -3482,7 +5763,7 @@
           <a:cs typeface="+mn-cs"/>
         </a:defRPr>
       </a:lvl2pPr>
-      <a:lvl3pPr marL="914400" algn="l" defTabSz="914400" rtl="0" eaLnBrk="1" latinLnBrk="0" hangingPunct="1">
+      <a:lvl3pPr marL="914400" algn="l" defTabSz="457200" rtl="0" eaLnBrk="1" latinLnBrk="0" hangingPunct="1">
         <a:defRPr sz="1800" kern="1200">
           <a:solidFill>
             <a:schemeClr val="tx1"/>
@@ -3492,7 +5773,7 @@
           <a:cs typeface="+mn-cs"/>
         </a:defRPr>
       </a:lvl3pPr>
-      <a:lvl4pPr marL="1371600" algn="l" defTabSz="914400" rtl="0" eaLnBrk="1" latinLnBrk="0" hangingPunct="1">
+      <a:lvl4pPr marL="1371600" algn="l" defTabSz="457200" rtl="0" eaLnBrk="1" latinLnBrk="0" hangingPunct="1">
         <a:defRPr sz="1800" kern="1200">
           <a:solidFill>
             <a:schemeClr val="tx1"/>
@@ -3502,7 +5783,7 @@
           <a:cs typeface="+mn-cs"/>
         </a:defRPr>
       </a:lvl4pPr>
-      <a:lvl5pPr marL="1828800" algn="l" defTabSz="914400" rtl="0" eaLnBrk="1" latinLnBrk="0" hangingPunct="1">
+      <a:lvl5pPr marL="1828800" algn="l" defTabSz="457200" rtl="0" eaLnBrk="1" latinLnBrk="0" hangingPunct="1">
         <a:defRPr sz="1800" kern="1200">
           <a:solidFill>
             <a:schemeClr val="tx1"/>
@@ -3512,7 +5793,7 @@
           <a:cs typeface="+mn-cs"/>
         </a:defRPr>
       </a:lvl5pPr>
-      <a:lvl6pPr marL="2286000" algn="l" defTabSz="914400" rtl="0" eaLnBrk="1" latinLnBrk="0" hangingPunct="1">
+      <a:lvl6pPr marL="2286000" algn="l" defTabSz="457200" rtl="0" eaLnBrk="1" latinLnBrk="0" hangingPunct="1">
         <a:defRPr sz="1800" kern="1200">
           <a:solidFill>
             <a:schemeClr val="tx1"/>
@@ -3522,7 +5803,7 @@
           <a:cs typeface="+mn-cs"/>
         </a:defRPr>
       </a:lvl6pPr>
-      <a:lvl7pPr marL="2743200" algn="l" defTabSz="914400" rtl="0" eaLnBrk="1" latinLnBrk="0" hangingPunct="1">
+      <a:lvl7pPr marL="2743200" algn="l" defTabSz="457200" rtl="0" eaLnBrk="1" latinLnBrk="0" hangingPunct="1">
         <a:defRPr sz="1800" kern="1200">
           <a:solidFill>
             <a:schemeClr val="tx1"/>
@@ -3532,7 +5813,7 @@
           <a:cs typeface="+mn-cs"/>
         </a:defRPr>
       </a:lvl7pPr>
-      <a:lvl8pPr marL="3200400" algn="l" defTabSz="914400" rtl="0" eaLnBrk="1" latinLnBrk="0" hangingPunct="1">
+      <a:lvl8pPr marL="3200400" algn="l" defTabSz="457200" rtl="0" eaLnBrk="1" latinLnBrk="0" hangingPunct="1">
         <a:defRPr sz="1800" kern="1200">
           <a:solidFill>
             <a:schemeClr val="tx1"/>
@@ -3542,7 +5823,7 @@
           <a:cs typeface="+mn-cs"/>
         </a:defRPr>
       </a:lvl8pPr>
-      <a:lvl9pPr marL="3657600" algn="l" defTabSz="914400" rtl="0" eaLnBrk="1" latinLnBrk="0" hangingPunct="1">
+      <a:lvl9pPr marL="3657600" algn="l" defTabSz="457200" rtl="0" eaLnBrk="1" latinLnBrk="0" hangingPunct="1">
         <a:defRPr sz="1800" kern="1200">
           <a:solidFill>
             <a:schemeClr val="tx1"/>
@@ -3560,6 +5841,30 @@
 <file path=ppt/slides/slide1.xml><?xml version="1.0" encoding="utf-8"?>
 <p:sld xmlns:a="http://schemas.openxmlformats.org/drawingml/2006/main" xmlns:r="http://schemas.openxmlformats.org/officeDocument/2006/relationships" xmlns:p="http://schemas.openxmlformats.org/presentationml/2006/main">
   <p:cSld>
+    <p:bg>
+      <p:bgPr>
+        <a:gradFill>
+          <a:gsLst>
+            <a:gs pos="0">
+              <a:schemeClr val="bg2">
+                <a:tint val="94000"/>
+                <a:satMod val="80000"/>
+                <a:lumMod val="106000"/>
+              </a:schemeClr>
+            </a:gs>
+            <a:gs pos="100000">
+              <a:schemeClr val="bg2">
+                <a:shade val="80000"/>
+              </a:schemeClr>
+            </a:gs>
+          </a:gsLst>
+          <a:path path="circle">
+            <a:fillToRect l="50000" t="50000" r="50000" b="50000"/>
+          </a:path>
+        </a:gradFill>
+        <a:effectLst/>
+      </p:bgPr>
+    </p:bg>
     <p:spTree>
       <p:nvGrpSpPr>
         <p:cNvPr id="1" name=""/>
@@ -3680,6 +5985,366 @@
       </p:grpSpPr>
       <p:sp>
         <p:nvSpPr>
+          <p:cNvPr id="4" name="TextBox 3">
+            <a:extLst>
+              <a:ext uri="{FF2B5EF4-FFF2-40B4-BE49-F238E27FC236}">
+                <a16:creationId xmlns:a16="http://schemas.microsoft.com/office/drawing/2014/main" id="{C2DC9C39-1872-431F-8B38-E90941700A71}"/>
+              </a:ext>
+            </a:extLst>
+          </p:cNvPr>
+          <p:cNvSpPr txBox="1"/>
+          <p:nvPr/>
+        </p:nvSpPr>
+        <p:spPr>
+          <a:xfrm>
+            <a:off x="860070" y="1718119"/>
+            <a:ext cx="8554517" cy="4154984"/>
+          </a:xfrm>
+          <a:prstGeom prst="rect">
+            <a:avLst/>
+          </a:prstGeom>
+          <a:noFill/>
+        </p:spPr>
+        <p:txBody>
+          <a:bodyPr wrap="square" rtlCol="0">
+            <a:spAutoFit/>
+          </a:bodyPr>
+          <a:lstStyle/>
+          <a:p>
+            <a:pPr marL="342900" indent="-342900">
+              <a:buClr>
+                <a:schemeClr val="accent1"/>
+              </a:buClr>
+              <a:buFont typeface="Arial" panose="020B0604020202020204" pitchFamily="34" charset="0"/>
+              <a:buChar char="•"/>
+            </a:pPr>
+            <a:r>
+              <a:rPr lang="en-IN" sz="2400" dirty="0"/>
+              <a:t>USA  has a large number of colleges to the east. Also it has over 1200, the most number of colleges among all the countries.</a:t>
+            </a:r>
+          </a:p>
+          <a:p>
+            <a:pPr marL="342900" indent="-342900">
+              <a:buClr>
+                <a:schemeClr val="accent1"/>
+              </a:buClr>
+              <a:buFont typeface="Arial" panose="020B0604020202020204" pitchFamily="34" charset="0"/>
+              <a:buChar char="•"/>
+            </a:pPr>
+            <a:endParaRPr lang="en-IN" sz="2400" dirty="0"/>
+          </a:p>
+          <a:p>
+            <a:pPr marL="342900" indent="-342900">
+              <a:buClr>
+                <a:schemeClr val="accent1"/>
+              </a:buClr>
+              <a:buFont typeface="Arial" panose="020B0604020202020204" pitchFamily="34" charset="0"/>
+              <a:buChar char="•"/>
+            </a:pPr>
+            <a:r>
+              <a:rPr lang="en-IN" sz="2400" dirty="0"/>
+              <a:t>Canada has negligible colleges compared to USA and UK. It has only 52 colleges.</a:t>
+            </a:r>
+          </a:p>
+          <a:p>
+            <a:pPr marL="342900" indent="-342900">
+              <a:buClr>
+                <a:schemeClr val="accent1"/>
+              </a:buClr>
+              <a:buFont typeface="Arial" panose="020B0604020202020204" pitchFamily="34" charset="0"/>
+              <a:buChar char="•"/>
+            </a:pPr>
+            <a:endParaRPr lang="en-IN" sz="2400" dirty="0"/>
+          </a:p>
+          <a:p>
+            <a:pPr marL="342900" indent="-342900">
+              <a:buClr>
+                <a:schemeClr val="accent1"/>
+              </a:buClr>
+              <a:buFont typeface="Arial" panose="020B0604020202020204" pitchFamily="34" charset="0"/>
+              <a:buChar char="•"/>
+            </a:pPr>
+            <a:r>
+              <a:rPr lang="en-IN" sz="2400" dirty="0"/>
+              <a:t>UK has the best distribution of college. It has over 700 colleges.</a:t>
+            </a:r>
+          </a:p>
+          <a:p>
+            <a:pPr marL="342900" indent="-342900">
+              <a:buClr>
+                <a:schemeClr val="accent1"/>
+              </a:buClr>
+              <a:buFont typeface="Arial" panose="020B0604020202020204" pitchFamily="34" charset="0"/>
+              <a:buChar char="•"/>
+            </a:pPr>
+            <a:endParaRPr lang="en-IN" sz="2400" dirty="0"/>
+          </a:p>
+          <a:p>
+            <a:pPr marL="342900" indent="-342900">
+              <a:buClr>
+                <a:schemeClr val="accent1"/>
+              </a:buClr>
+              <a:buFont typeface="Arial" panose="020B0604020202020204" pitchFamily="34" charset="0"/>
+              <a:buChar char="•"/>
+            </a:pPr>
+            <a:endParaRPr lang="en-IN" sz="2400" dirty="0"/>
+          </a:p>
+        </p:txBody>
+      </p:sp>
+    </p:spTree>
+    <p:extLst>
+      <p:ext uri="{BB962C8B-B14F-4D97-AF65-F5344CB8AC3E}">
+        <p14:creationId xmlns:p14="http://schemas.microsoft.com/office/powerpoint/2010/main" val="2121022387"/>
+      </p:ext>
+    </p:extLst>
+  </p:cSld>
+  <p:clrMapOvr>
+    <a:masterClrMapping/>
+  </p:clrMapOvr>
+</p:sld>
+</file>
+
+<file path=ppt/slides/slide11.xml><?xml version="1.0" encoding="utf-8"?>
+<p:sld xmlns:a="http://schemas.openxmlformats.org/drawingml/2006/main" xmlns:r="http://schemas.openxmlformats.org/officeDocument/2006/relationships" xmlns:p="http://schemas.openxmlformats.org/presentationml/2006/main">
+  <p:cSld>
+    <p:spTree>
+      <p:nvGrpSpPr>
+        <p:cNvPr id="1" name=""/>
+        <p:cNvGrpSpPr/>
+        <p:nvPr/>
+      </p:nvGrpSpPr>
+      <p:grpSpPr>
+        <a:xfrm>
+          <a:off x="0" y="0"/>
+          <a:ext cx="0" cy="0"/>
+          <a:chOff x="0" y="0"/>
+          <a:chExt cx="0" cy="0"/>
+        </a:xfrm>
+      </p:grpSpPr>
+      <p:sp>
+        <p:nvSpPr>
+          <p:cNvPr id="2" name="Title 1">
+            <a:extLst>
+              <a:ext uri="{FF2B5EF4-FFF2-40B4-BE49-F238E27FC236}">
+                <a16:creationId xmlns:a16="http://schemas.microsoft.com/office/drawing/2014/main" id="{0B821C81-48A0-4F02-9FD8-3DBF5256892F}"/>
+              </a:ext>
+            </a:extLst>
+          </p:cNvPr>
+          <p:cNvSpPr>
+            <a:spLocks noGrp="1"/>
+          </p:cNvSpPr>
+          <p:nvPr>
+            <p:ph type="title"/>
+          </p:nvPr>
+        </p:nvSpPr>
+        <p:spPr>
+          <a:xfrm>
+            <a:off x="1384466" y="1081356"/>
+            <a:ext cx="9603275" cy="1049235"/>
+          </a:xfrm>
+        </p:spPr>
+        <p:txBody>
+          <a:bodyPr>
+            <a:normAutofit fontScale="90000"/>
+          </a:bodyPr>
+          <a:lstStyle/>
+          <a:p>
+            <a:r>
+              <a:rPr lang="en-US" dirty="0"/>
+              <a:t>EXPLORATORY DATA ANALYSIS</a:t>
+            </a:r>
+            <a:br>
+              <a:rPr lang="en-US" dirty="0"/>
+            </a:br>
+            <a:r>
+              <a:rPr lang="en-US" sz="2200" b="1" dirty="0">
+                <a:latin typeface="Adobe Gothic Std B" panose="020B0800000000000000" pitchFamily="34" charset="-128"/>
+                <a:ea typeface="Adobe Gothic Std B" panose="020B0800000000000000" pitchFamily="34" charset="-128"/>
+              </a:rPr>
+              <a:t>Numerical Data Analysis</a:t>
+            </a:r>
+            <a:br>
+              <a:rPr lang="en-US" b="1" dirty="0">
+                <a:latin typeface="Adobe Gothic Std B" panose="020B0800000000000000" pitchFamily="34" charset="-128"/>
+                <a:ea typeface="Adobe Gothic Std B" panose="020B0800000000000000" pitchFamily="34" charset="-128"/>
+              </a:rPr>
+            </a:br>
+            <a:endParaRPr lang="en-IN" dirty="0"/>
+          </a:p>
+        </p:txBody>
+      </p:sp>
+      <p:sp>
+        <p:nvSpPr>
+          <p:cNvPr id="3" name="Content Placeholder 2">
+            <a:extLst>
+              <a:ext uri="{FF2B5EF4-FFF2-40B4-BE49-F238E27FC236}">
+                <a16:creationId xmlns:a16="http://schemas.microsoft.com/office/drawing/2014/main" id="{8E4AD730-E373-4E81-BDBE-3A738230ABC9}"/>
+              </a:ext>
+            </a:extLst>
+          </p:cNvPr>
+          <p:cNvSpPr>
+            <a:spLocks noGrp="1"/>
+          </p:cNvSpPr>
+          <p:nvPr>
+            <p:ph idx="1"/>
+          </p:nvPr>
+        </p:nvSpPr>
+        <p:spPr>
+          <a:xfrm>
+            <a:off x="6683031" y="2130591"/>
+            <a:ext cx="4812401" cy="3450613"/>
+          </a:xfrm>
+        </p:spPr>
+        <p:txBody>
+          <a:bodyPr>
+            <a:normAutofit/>
+          </a:bodyPr>
+          <a:lstStyle/>
+          <a:p>
+            <a:r>
+              <a:rPr lang="en-IN" dirty="0"/>
+              <a:t>The box plot and the table show us the following:</a:t>
+            </a:r>
+          </a:p>
+          <a:p>
+            <a:r>
+              <a:rPr lang="en-IN" dirty="0"/>
+              <a:t>25% colleges have fees up to 15342.</a:t>
+            </a:r>
+          </a:p>
+          <a:p>
+            <a:r>
+              <a:rPr lang="en-IN" dirty="0"/>
+              <a:t>50% colleges have fees up to 20331.</a:t>
+            </a:r>
+          </a:p>
+          <a:p>
+            <a:r>
+              <a:rPr lang="en-IN" dirty="0"/>
+              <a:t>75% colleges have fees up to 26166.</a:t>
+            </a:r>
+          </a:p>
+          <a:p>
+            <a:r>
+              <a:rPr lang="en-IN" dirty="0"/>
+              <a:t>The highest reported tuition fee is 68640.</a:t>
+            </a:r>
+          </a:p>
+          <a:p>
+            <a:endParaRPr lang="en-IN" dirty="0"/>
+          </a:p>
+        </p:txBody>
+      </p:sp>
+      <p:pic>
+        <p:nvPicPr>
+          <p:cNvPr id="4" name="Picture 3">
+            <a:extLst>
+              <a:ext uri="{FF2B5EF4-FFF2-40B4-BE49-F238E27FC236}">
+                <a16:creationId xmlns:a16="http://schemas.microsoft.com/office/drawing/2014/main" id="{D908DB49-5B2E-4F26-99B1-FC5BD1A04947}"/>
+              </a:ext>
+            </a:extLst>
+          </p:cNvPr>
+          <p:cNvPicPr/>
+          <p:nvPr/>
+        </p:nvPicPr>
+        <p:blipFill>
+          <a:blip r:embed="rId2">
+            <a:extLst>
+              <a:ext uri="{28A0092B-C50C-407E-A947-70E740481C1C}">
+                <a14:useLocalDpi xmlns:a14="http://schemas.microsoft.com/office/drawing/2010/main" val="0"/>
+              </a:ext>
+            </a:extLst>
+          </a:blip>
+          <a:srcRect/>
+          <a:stretch>
+            <a:fillRect/>
+          </a:stretch>
+        </p:blipFill>
+        <p:spPr bwMode="auto">
+          <a:xfrm>
+            <a:off x="621067" y="2109636"/>
+            <a:ext cx="1934845" cy="3081655"/>
+          </a:xfrm>
+          <a:prstGeom prst="rect">
+            <a:avLst/>
+          </a:prstGeom>
+          <a:noFill/>
+          <a:ln>
+            <a:noFill/>
+          </a:ln>
+        </p:spPr>
+      </p:pic>
+      <p:pic>
+        <p:nvPicPr>
+          <p:cNvPr id="5" name="Picture 4">
+            <a:extLst>
+              <a:ext uri="{FF2B5EF4-FFF2-40B4-BE49-F238E27FC236}">
+                <a16:creationId xmlns:a16="http://schemas.microsoft.com/office/drawing/2014/main" id="{5FFF85E6-49E2-419E-B8D1-B0274A667EF5}"/>
+              </a:ext>
+            </a:extLst>
+          </p:cNvPr>
+          <p:cNvPicPr/>
+          <p:nvPr/>
+        </p:nvPicPr>
+        <p:blipFill>
+          <a:blip r:embed="rId3">
+            <a:extLst>
+              <a:ext uri="{28A0092B-C50C-407E-A947-70E740481C1C}">
+                <a14:useLocalDpi xmlns:a14="http://schemas.microsoft.com/office/drawing/2010/main" val="0"/>
+              </a:ext>
+            </a:extLst>
+          </a:blip>
+          <a:srcRect/>
+          <a:stretch>
+            <a:fillRect/>
+          </a:stretch>
+        </p:blipFill>
+        <p:spPr bwMode="auto">
+          <a:xfrm>
+            <a:off x="2644145" y="2110034"/>
+            <a:ext cx="3950653" cy="3060700"/>
+          </a:xfrm>
+          <a:prstGeom prst="rect">
+            <a:avLst/>
+          </a:prstGeom>
+          <a:noFill/>
+          <a:ln>
+            <a:noFill/>
+          </a:ln>
+        </p:spPr>
+      </p:pic>
+    </p:spTree>
+    <p:extLst>
+      <p:ext uri="{BB962C8B-B14F-4D97-AF65-F5344CB8AC3E}">
+        <p14:creationId xmlns:p14="http://schemas.microsoft.com/office/powerpoint/2010/main" val="1011740711"/>
+      </p:ext>
+    </p:extLst>
+  </p:cSld>
+  <p:clrMapOvr>
+    <a:masterClrMapping/>
+  </p:clrMapOvr>
+</p:sld>
+</file>
+
+<file path=ppt/slides/slide12.xml><?xml version="1.0" encoding="utf-8"?>
+<p:sld xmlns:a="http://schemas.openxmlformats.org/drawingml/2006/main" xmlns:r="http://schemas.openxmlformats.org/officeDocument/2006/relationships" xmlns:p="http://schemas.openxmlformats.org/presentationml/2006/main">
+  <p:cSld>
+    <p:spTree>
+      <p:nvGrpSpPr>
+        <p:cNvPr id="1" name=""/>
+        <p:cNvGrpSpPr/>
+        <p:nvPr/>
+      </p:nvGrpSpPr>
+      <p:grpSpPr>
+        <a:xfrm>
+          <a:off x="0" y="0"/>
+          <a:ext cx="0" cy="0"/>
+          <a:chOff x="0" y="0"/>
+          <a:chExt cx="0" cy="0"/>
+        </a:xfrm>
+      </p:grpSpPr>
+      <p:sp>
+        <p:nvSpPr>
           <p:cNvPr id="3" name="Content Placeholder 2">
             <a:extLst>
               <a:ext uri="{FF2B5EF4-FFF2-40B4-BE49-F238E27FC236}">
@@ -3696,8 +6361,8 @@
         </p:nvSpPr>
         <p:spPr>
           <a:xfrm>
-            <a:off x="5150840" y="2015732"/>
-            <a:ext cx="5904014" cy="3794783"/>
+            <a:off x="4581672" y="1587587"/>
+            <a:ext cx="4599650" cy="3794783"/>
           </a:xfrm>
         </p:spPr>
         <p:txBody>
@@ -3755,7 +6420,7 @@
         </p:blipFill>
         <p:spPr bwMode="auto">
           <a:xfrm>
-            <a:off x="1028455" y="2015732"/>
+            <a:off x="365982" y="1577193"/>
             <a:ext cx="3962995" cy="3450613"/>
           </a:xfrm>
           <a:prstGeom prst="rect">
@@ -3781,7 +6446,7 @@
         </p:nvSpPr>
         <p:spPr>
           <a:xfrm>
-            <a:off x="1028455" y="5466345"/>
+            <a:off x="477949" y="5173085"/>
             <a:ext cx="3962995" cy="215444"/>
           </a:xfrm>
           <a:prstGeom prst="rect">
@@ -3845,7 +6510,7 @@
 </p:sld>
 </file>
 
-<file path=ppt/slides/slide11.xml><?xml version="1.0" encoding="utf-8"?>
+<file path=ppt/slides/slide13.xml><?xml version="1.0" encoding="utf-8"?>
 <p:sld xmlns:a="http://schemas.openxmlformats.org/drawingml/2006/main" xmlns:r="http://schemas.openxmlformats.org/officeDocument/2006/relationships" xmlns:p="http://schemas.openxmlformats.org/presentationml/2006/main">
   <p:cSld>
     <p:spTree>
@@ -3885,7 +6550,9 @@
           </a:xfrm>
         </p:spPr>
         <p:txBody>
-          <a:bodyPr/>
+          <a:bodyPr>
+            <a:normAutofit fontScale="90000"/>
+          </a:bodyPr>
           <a:lstStyle/>
           <a:p>
             <a:r>
@@ -3918,7 +6585,7 @@
         <p:spPr/>
         <p:txBody>
           <a:bodyPr>
-            <a:normAutofit fontScale="92500" lnSpcReduction="20000"/>
+            <a:normAutofit/>
           </a:bodyPr>
           <a:lstStyle/>
           <a:p>
@@ -3992,7 +6659,7 @@
 </p:sld>
 </file>
 
-<file path=ppt/slides/slide12.xml><?xml version="1.0" encoding="utf-8"?>
+<file path=ppt/slides/slide14.xml><?xml version="1.0" encoding="utf-8"?>
 <p:sld xmlns:a="http://schemas.openxmlformats.org/drawingml/2006/main" xmlns:r="http://schemas.openxmlformats.org/officeDocument/2006/relationships" xmlns:p="http://schemas.openxmlformats.org/presentationml/2006/main">
   <p:cSld>
     <p:spTree>
@@ -4032,7 +6699,9 @@
           </a:xfrm>
         </p:spPr>
         <p:txBody>
-          <a:bodyPr/>
+          <a:bodyPr>
+            <a:normAutofit fontScale="90000"/>
+          </a:bodyPr>
           <a:lstStyle/>
           <a:p>
             <a:r>
@@ -4173,7 +6842,9 @@
         </p:nvSpPr>
         <p:spPr/>
         <p:txBody>
-          <a:bodyPr/>
+          <a:bodyPr>
+            <a:normAutofit/>
+          </a:bodyPr>
           <a:lstStyle/>
           <a:p>
             <a:r>
@@ -4290,7 +6961,7 @@
         <p:spPr/>
         <p:txBody>
           <a:bodyPr>
-            <a:normAutofit fontScale="92500" lnSpcReduction="10000"/>
+            <a:normAutofit/>
           </a:bodyPr>
           <a:lstStyle/>
           <a:p>
@@ -5245,7 +7916,7 @@
         </p:blipFill>
         <p:spPr bwMode="auto">
           <a:xfrm>
-            <a:off x="365125" y="2474608"/>
+            <a:off x="2259274" y="2662325"/>
             <a:ext cx="5730875" cy="3253740"/>
           </a:xfrm>
           <a:prstGeom prst="rect">
@@ -5257,20 +7928,89 @@
           </a:ln>
         </p:spPr>
       </p:pic>
-      <p:pic>
-        <p:nvPicPr>
-          <p:cNvPr id="10" name="Picture 9">
+      <p:sp>
+        <p:nvSpPr>
+          <p:cNvPr id="8" name="TextBox 7">
             <a:extLst>
               <a:ext uri="{FF2B5EF4-FFF2-40B4-BE49-F238E27FC236}">
-                <a16:creationId xmlns:a16="http://schemas.microsoft.com/office/drawing/2014/main" id="{41322116-9F09-42E6-AF01-CA227146DEDE}"/>
+                <a16:creationId xmlns:a16="http://schemas.microsoft.com/office/drawing/2014/main" id="{1A93F469-2D49-46A9-985A-52BFA30CDB69}"/>
               </a:ext>
             </a:extLst>
           </p:cNvPr>
-          <p:cNvPicPr/>
+          <p:cNvSpPr txBox="1"/>
           <p:nvPr/>
+        </p:nvSpPr>
+        <p:spPr>
+          <a:xfrm>
+            <a:off x="3680306" y="6033222"/>
+            <a:ext cx="3765522" cy="369332"/>
+          </a:xfrm>
+          <a:prstGeom prst="rect">
+            <a:avLst/>
+          </a:prstGeom>
+          <a:noFill/>
+        </p:spPr>
+        <p:txBody>
+          <a:bodyPr wrap="square" rtlCol="0">
+            <a:spAutoFit/>
+          </a:bodyPr>
+          <a:lstStyle/>
+          <a:p>
+            <a:r>
+              <a:rPr lang="en-IN" dirty="0"/>
+              <a:t>United States of America</a:t>
+            </a:r>
+          </a:p>
+        </p:txBody>
+      </p:sp>
+    </p:spTree>
+    <p:extLst>
+      <p:ext uri="{BB962C8B-B14F-4D97-AF65-F5344CB8AC3E}">
+        <p14:creationId xmlns:p14="http://schemas.microsoft.com/office/powerpoint/2010/main" val="3011918506"/>
+      </p:ext>
+    </p:extLst>
+  </p:cSld>
+  <p:clrMapOvr>
+    <a:masterClrMapping/>
+  </p:clrMapOvr>
+</p:sld>
+</file>
+
+<file path=ppt/slides/slide8.xml><?xml version="1.0" encoding="utf-8"?>
+<p:sld xmlns:a="http://schemas.openxmlformats.org/drawingml/2006/main" xmlns:r="http://schemas.openxmlformats.org/officeDocument/2006/relationships" xmlns:p="http://schemas.openxmlformats.org/presentationml/2006/main">
+  <p:cSld>
+    <p:spTree>
+      <p:nvGrpSpPr>
+        <p:cNvPr id="1" name=""/>
+        <p:cNvGrpSpPr/>
+        <p:nvPr/>
+      </p:nvGrpSpPr>
+      <p:grpSpPr>
+        <a:xfrm>
+          <a:off x="0" y="0"/>
+          <a:ext cx="0" cy="0"/>
+          <a:chOff x="0" y="0"/>
+          <a:chExt cx="0" cy="0"/>
+        </a:xfrm>
+      </p:grpSpPr>
+      <p:pic>
+        <p:nvPicPr>
+          <p:cNvPr id="4" name="Content Placeholder 3">
+            <a:extLst>
+              <a:ext uri="{FF2B5EF4-FFF2-40B4-BE49-F238E27FC236}">
+                <a16:creationId xmlns:a16="http://schemas.microsoft.com/office/drawing/2014/main" id="{803EC4EA-0876-4AD7-86DF-1C9A37D9C9DD}"/>
+              </a:ext>
+            </a:extLst>
+          </p:cNvPr>
+          <p:cNvPicPr>
+            <a:picLocks noGrp="1"/>
+          </p:cNvPicPr>
+          <p:nvPr>
+            <p:ph idx="1"/>
+          </p:nvPr>
         </p:nvPicPr>
         <p:blipFill rotWithShape="1">
-          <a:blip r:embed="rId3">
+          <a:blip r:embed="rId2">
             <a:extLst>
               <a:ext uri="{28A0092B-C50C-407E-A947-70E740481C1C}">
                 <a14:useLocalDpi xmlns:a14="http://schemas.microsoft.com/office/drawing/2010/main" val="0"/>
@@ -5282,8 +8022,8 @@
         </p:blipFill>
         <p:spPr bwMode="auto">
           <a:xfrm>
-            <a:off x="6193395" y="2474608"/>
-            <a:ext cx="5698760" cy="2897505"/>
+            <a:off x="1475093" y="1194257"/>
+            <a:ext cx="7412398" cy="3781543"/>
           </a:xfrm>
           <a:prstGeom prst="rect">
             <a:avLst/>
@@ -5301,10 +8041,10 @@
       </p:pic>
       <p:sp>
         <p:nvSpPr>
-          <p:cNvPr id="8" name="TextBox 7">
+          <p:cNvPr id="5" name="TextBox 4">
             <a:extLst>
               <a:ext uri="{FF2B5EF4-FFF2-40B4-BE49-F238E27FC236}">
-                <a16:creationId xmlns:a16="http://schemas.microsoft.com/office/drawing/2014/main" id="{1A93F469-2D49-46A9-985A-52BFA30CDB69}"/>
+                <a16:creationId xmlns:a16="http://schemas.microsoft.com/office/drawing/2014/main" id="{23BDD862-B373-4BA9-A656-F87D6453FE56}"/>
               </a:ext>
             </a:extLst>
           </p:cNvPr>
@@ -5313,42 +8053,7 @@
         </p:nvSpPr>
         <p:spPr>
           <a:xfrm>
-            <a:off x="2597921" y="5750313"/>
-            <a:ext cx="1888621" cy="369332"/>
-          </a:xfrm>
-          <a:prstGeom prst="rect">
-            <a:avLst/>
-          </a:prstGeom>
-          <a:noFill/>
-        </p:spPr>
-        <p:txBody>
-          <a:bodyPr wrap="square" rtlCol="0">
-            <a:spAutoFit/>
-          </a:bodyPr>
-          <a:lstStyle/>
-          <a:p>
-            <a:r>
-              <a:rPr lang="en-IN" dirty="0"/>
-              <a:t>USA</a:t>
-            </a:r>
-          </a:p>
-        </p:txBody>
-      </p:sp>
-      <p:sp>
-        <p:nvSpPr>
-          <p:cNvPr id="11" name="TextBox 10">
-            <a:extLst>
-              <a:ext uri="{FF2B5EF4-FFF2-40B4-BE49-F238E27FC236}">
-                <a16:creationId xmlns:a16="http://schemas.microsoft.com/office/drawing/2014/main" id="{195681F8-3998-4D21-BE7D-3158AED32CAE}"/>
-              </a:ext>
-            </a:extLst>
-          </p:cNvPr>
-          <p:cNvSpPr txBox="1"/>
-          <p:nvPr/>
-        </p:nvSpPr>
-        <p:spPr>
-          <a:xfrm>
-            <a:off x="8440397" y="5486219"/>
+            <a:off x="4400242" y="5294411"/>
             <a:ext cx="2307364" cy="369332"/>
           </a:xfrm>
           <a:prstGeom prst="rect">
@@ -5364,7 +8069,7 @@
           <a:p>
             <a:r>
               <a:rPr lang="en-IN" dirty="0"/>
-              <a:t>CANADA</a:t>
+              <a:t>Canada</a:t>
             </a:r>
           </a:p>
         </p:txBody>
@@ -5372,7 +8077,7 @@
     </p:spTree>
     <p:extLst>
       <p:ext uri="{BB962C8B-B14F-4D97-AF65-F5344CB8AC3E}">
-        <p14:creationId xmlns:p14="http://schemas.microsoft.com/office/powerpoint/2010/main" val="3011918506"/>
+        <p14:creationId xmlns:p14="http://schemas.microsoft.com/office/powerpoint/2010/main" val="3549421558"/>
       </p:ext>
     </p:extLst>
   </p:cSld>
@@ -5382,7 +8087,7 @@
 </p:sld>
 </file>
 
-<file path=ppt/slides/slide8.xml><?xml version="1.0" encoding="utf-8"?>
+<file path=ppt/slides/slide9.xml><?xml version="1.0" encoding="utf-8"?>
 <p:sld xmlns:a="http://schemas.openxmlformats.org/drawingml/2006/main" xmlns:r="http://schemas.openxmlformats.org/officeDocument/2006/relationships" xmlns:p="http://schemas.openxmlformats.org/presentationml/2006/main">
   <p:cSld>
     <p:spTree>
@@ -5424,8 +8129,8 @@
         </p:blipFill>
         <p:spPr bwMode="auto">
           <a:xfrm>
-            <a:off x="473654" y="2025345"/>
-            <a:ext cx="5473065" cy="3444875"/>
+            <a:off x="1705295" y="747051"/>
+            <a:ext cx="6710917" cy="4224008"/>
           </a:xfrm>
           <a:prstGeom prst="rect">
             <a:avLst/>
@@ -5443,10 +8148,10 @@
       </p:pic>
       <p:sp>
         <p:nvSpPr>
-          <p:cNvPr id="5" name="TextBox 4">
+          <p:cNvPr id="2" name="TextBox 1">
             <a:extLst>
               <a:ext uri="{FF2B5EF4-FFF2-40B4-BE49-F238E27FC236}">
-                <a16:creationId xmlns:a16="http://schemas.microsoft.com/office/drawing/2014/main" id="{ADF6F42F-05D9-4677-AE50-2FA7136A06B8}"/>
+                <a16:creationId xmlns:a16="http://schemas.microsoft.com/office/drawing/2014/main" id="{E9BD6771-8551-48AA-8728-52DBBBFE43FC}"/>
               </a:ext>
             </a:extLst>
           </p:cNvPr>
@@ -5455,8 +8160,8 @@
         </p:nvSpPr>
         <p:spPr>
           <a:xfrm>
-            <a:off x="6607728" y="2268626"/>
-            <a:ext cx="4387442" cy="2585323"/>
+            <a:off x="3442996" y="5477069"/>
+            <a:ext cx="2653004" cy="461665"/>
           </a:xfrm>
           <a:prstGeom prst="rect">
             <a:avLst/>
@@ -5469,83 +8174,10 @@
           </a:bodyPr>
           <a:lstStyle/>
           <a:p>
-            <a:pPr marL="342900" indent="-342900">
-              <a:buClr>
-                <a:schemeClr val="accent1"/>
-              </a:buClr>
-              <a:buFont typeface="Arial" panose="020B0604020202020204" pitchFamily="34" charset="0"/>
-              <a:buChar char="•"/>
-            </a:pPr>
-            <a:r>
-              <a:rPr lang="en-IN" dirty="0"/>
-              <a:t>USA  has a large number of colleges to the east.</a:t>
-            </a:r>
-          </a:p>
-          <a:p>
-            <a:pPr marL="342900" indent="-342900">
-              <a:buClr>
-                <a:schemeClr val="accent1"/>
-              </a:buClr>
-              <a:buFont typeface="Arial" panose="020B0604020202020204" pitchFamily="34" charset="0"/>
-              <a:buChar char="•"/>
-            </a:pPr>
-            <a:endParaRPr lang="en-IN" dirty="0"/>
-          </a:p>
-          <a:p>
-            <a:pPr marL="342900" indent="-342900">
-              <a:buClr>
-                <a:schemeClr val="accent1"/>
-              </a:buClr>
-              <a:buFont typeface="Arial" panose="020B0604020202020204" pitchFamily="34" charset="0"/>
-              <a:buChar char="•"/>
-            </a:pPr>
-            <a:r>
-              <a:rPr lang="en-IN" dirty="0"/>
-              <a:t>Canada has negligible colleges compared to USA and UK.</a:t>
-            </a:r>
-          </a:p>
-          <a:p>
-            <a:pPr marL="342900" indent="-342900">
-              <a:buClr>
-                <a:schemeClr val="accent1"/>
-              </a:buClr>
-              <a:buFont typeface="Arial" panose="020B0604020202020204" pitchFamily="34" charset="0"/>
-              <a:buChar char="•"/>
-            </a:pPr>
-            <a:endParaRPr lang="en-IN" dirty="0"/>
-          </a:p>
-          <a:p>
-            <a:pPr marL="342900" indent="-342900">
-              <a:buClr>
-                <a:schemeClr val="accent1"/>
-              </a:buClr>
-              <a:buFont typeface="Arial" panose="020B0604020202020204" pitchFamily="34" charset="0"/>
-              <a:buChar char="•"/>
-            </a:pPr>
-            <a:r>
-              <a:rPr lang="en-IN" dirty="0"/>
-              <a:t>UK has the best distribution of college.</a:t>
-            </a:r>
-          </a:p>
-          <a:p>
-            <a:pPr marL="342900" indent="-342900">
-              <a:buClr>
-                <a:schemeClr val="accent1"/>
-              </a:buClr>
-              <a:buFont typeface="Arial" panose="020B0604020202020204" pitchFamily="34" charset="0"/>
-              <a:buChar char="•"/>
-            </a:pPr>
-            <a:endParaRPr lang="en-IN" dirty="0"/>
-          </a:p>
-          <a:p>
-            <a:pPr marL="342900" indent="-342900">
-              <a:buClr>
-                <a:schemeClr val="accent1"/>
-              </a:buClr>
-              <a:buFont typeface="Arial" panose="020B0604020202020204" pitchFamily="34" charset="0"/>
-              <a:buChar char="•"/>
-            </a:pPr>
-            <a:endParaRPr lang="en-IN" dirty="0"/>
+            <a:r>
+              <a:rPr lang="en-IN" sz="2400" dirty="0"/>
+              <a:t>United Kingdoms</a:t>
+            </a:r>
           </a:p>
         </p:txBody>
       </p:sp>
@@ -5562,232 +8194,10 @@
 </p:sld>
 </file>
 
-<file path=ppt/slides/slide9.xml><?xml version="1.0" encoding="utf-8"?>
-<p:sld xmlns:a="http://schemas.openxmlformats.org/drawingml/2006/main" xmlns:r="http://schemas.openxmlformats.org/officeDocument/2006/relationships" xmlns:p="http://schemas.openxmlformats.org/presentationml/2006/main">
-  <p:cSld>
-    <p:spTree>
-      <p:nvGrpSpPr>
-        <p:cNvPr id="1" name=""/>
-        <p:cNvGrpSpPr/>
-        <p:nvPr/>
-      </p:nvGrpSpPr>
-      <p:grpSpPr>
-        <a:xfrm>
-          <a:off x="0" y="0"/>
-          <a:ext cx="0" cy="0"/>
-          <a:chOff x="0" y="0"/>
-          <a:chExt cx="0" cy="0"/>
-        </a:xfrm>
-      </p:grpSpPr>
-      <p:sp>
-        <p:nvSpPr>
-          <p:cNvPr id="2" name="Title 1">
-            <a:extLst>
-              <a:ext uri="{FF2B5EF4-FFF2-40B4-BE49-F238E27FC236}">
-                <a16:creationId xmlns:a16="http://schemas.microsoft.com/office/drawing/2014/main" id="{0B821C81-48A0-4F02-9FD8-3DBF5256892F}"/>
-              </a:ext>
-            </a:extLst>
-          </p:cNvPr>
-          <p:cNvSpPr>
-            <a:spLocks noGrp="1"/>
-          </p:cNvSpPr>
-          <p:nvPr>
-            <p:ph type="title"/>
-          </p:nvPr>
-        </p:nvSpPr>
-        <p:spPr>
-          <a:xfrm>
-            <a:off x="1384466" y="1081356"/>
-            <a:ext cx="9603275" cy="1049235"/>
-          </a:xfrm>
-        </p:spPr>
-        <p:txBody>
-          <a:bodyPr>
-            <a:normAutofit fontScale="90000"/>
-          </a:bodyPr>
-          <a:lstStyle/>
-          <a:p>
-            <a:r>
-              <a:rPr lang="en-US" dirty="0"/>
-              <a:t>EXPLORATORY DATA ANALYSIS</a:t>
-            </a:r>
-            <a:br>
-              <a:rPr lang="en-US" dirty="0"/>
-            </a:br>
-            <a:r>
-              <a:rPr lang="en-US" sz="2200" b="1" dirty="0">
-                <a:latin typeface="Adobe Gothic Std B" panose="020B0800000000000000" pitchFamily="34" charset="-128"/>
-                <a:ea typeface="Adobe Gothic Std B" panose="020B0800000000000000" pitchFamily="34" charset="-128"/>
-              </a:rPr>
-              <a:t>Numerical Data Analysis</a:t>
-            </a:r>
-            <a:br>
-              <a:rPr lang="en-US" b="1" dirty="0">
-                <a:latin typeface="Adobe Gothic Std B" panose="020B0800000000000000" pitchFamily="34" charset="-128"/>
-                <a:ea typeface="Adobe Gothic Std B" panose="020B0800000000000000" pitchFamily="34" charset="-128"/>
-              </a:rPr>
-            </a:br>
-            <a:endParaRPr lang="en-IN" dirty="0"/>
-          </a:p>
-        </p:txBody>
-      </p:sp>
-      <p:sp>
-        <p:nvSpPr>
-          <p:cNvPr id="3" name="Content Placeholder 2">
-            <a:extLst>
-              <a:ext uri="{FF2B5EF4-FFF2-40B4-BE49-F238E27FC236}">
-                <a16:creationId xmlns:a16="http://schemas.microsoft.com/office/drawing/2014/main" id="{8E4AD730-E373-4E81-BDBE-3A738230ABC9}"/>
-              </a:ext>
-            </a:extLst>
-          </p:cNvPr>
-          <p:cNvSpPr>
-            <a:spLocks noGrp="1"/>
-          </p:cNvSpPr>
-          <p:nvPr>
-            <p:ph idx="1"/>
-          </p:nvPr>
-        </p:nvSpPr>
-        <p:spPr>
-          <a:xfrm>
-            <a:off x="6683031" y="2130591"/>
-            <a:ext cx="4812401" cy="3450613"/>
-          </a:xfrm>
-        </p:spPr>
-        <p:txBody>
-          <a:bodyPr>
-            <a:normAutofit/>
-          </a:bodyPr>
-          <a:lstStyle/>
-          <a:p>
-            <a:r>
-              <a:rPr lang="en-IN" dirty="0"/>
-              <a:t>The box plot and the table show us the following:</a:t>
-            </a:r>
-          </a:p>
-          <a:p>
-            <a:r>
-              <a:rPr lang="en-IN" dirty="0"/>
-              <a:t>25% colleges have fees up to 15342.</a:t>
-            </a:r>
-          </a:p>
-          <a:p>
-            <a:r>
-              <a:rPr lang="en-IN" dirty="0"/>
-              <a:t>50% colleges have fees up to 20331.</a:t>
-            </a:r>
-          </a:p>
-          <a:p>
-            <a:r>
-              <a:rPr lang="en-IN" dirty="0"/>
-              <a:t>75% colleges have fees up to 26166.</a:t>
-            </a:r>
-          </a:p>
-          <a:p>
-            <a:r>
-              <a:rPr lang="en-IN" dirty="0"/>
-              <a:t>The highest reported tuition fee is 68640.</a:t>
-            </a:r>
-          </a:p>
-          <a:p>
-            <a:endParaRPr lang="en-IN" dirty="0"/>
-          </a:p>
-        </p:txBody>
-      </p:sp>
-      <p:pic>
-        <p:nvPicPr>
-          <p:cNvPr id="4" name="Picture 3">
-            <a:extLst>
-              <a:ext uri="{FF2B5EF4-FFF2-40B4-BE49-F238E27FC236}">
-                <a16:creationId xmlns:a16="http://schemas.microsoft.com/office/drawing/2014/main" id="{D908DB49-5B2E-4F26-99B1-FC5BD1A04947}"/>
-              </a:ext>
-            </a:extLst>
-          </p:cNvPr>
-          <p:cNvPicPr/>
-          <p:nvPr/>
-        </p:nvPicPr>
-        <p:blipFill>
-          <a:blip r:embed="rId2">
-            <a:extLst>
-              <a:ext uri="{28A0092B-C50C-407E-A947-70E740481C1C}">
-                <a14:useLocalDpi xmlns:a14="http://schemas.microsoft.com/office/drawing/2010/main" val="0"/>
-              </a:ext>
-            </a:extLst>
-          </a:blip>
-          <a:srcRect/>
-          <a:stretch>
-            <a:fillRect/>
-          </a:stretch>
-        </p:blipFill>
-        <p:spPr bwMode="auto">
-          <a:xfrm>
-            <a:off x="621067" y="2109636"/>
-            <a:ext cx="1934845" cy="3081655"/>
-          </a:xfrm>
-          <a:prstGeom prst="rect">
-            <a:avLst/>
-          </a:prstGeom>
-          <a:noFill/>
-          <a:ln>
-            <a:noFill/>
-          </a:ln>
-        </p:spPr>
-      </p:pic>
-      <p:pic>
-        <p:nvPicPr>
-          <p:cNvPr id="5" name="Picture 4">
-            <a:extLst>
-              <a:ext uri="{FF2B5EF4-FFF2-40B4-BE49-F238E27FC236}">
-                <a16:creationId xmlns:a16="http://schemas.microsoft.com/office/drawing/2014/main" id="{5FFF85E6-49E2-419E-B8D1-B0274A667EF5}"/>
-              </a:ext>
-            </a:extLst>
-          </p:cNvPr>
-          <p:cNvPicPr/>
-          <p:nvPr/>
-        </p:nvPicPr>
-        <p:blipFill>
-          <a:blip r:embed="rId3">
-            <a:extLst>
-              <a:ext uri="{28A0092B-C50C-407E-A947-70E740481C1C}">
-                <a14:useLocalDpi xmlns:a14="http://schemas.microsoft.com/office/drawing/2010/main" val="0"/>
-              </a:ext>
-            </a:extLst>
-          </a:blip>
-          <a:srcRect/>
-          <a:stretch>
-            <a:fillRect/>
-          </a:stretch>
-        </p:blipFill>
-        <p:spPr bwMode="auto">
-          <a:xfrm>
-            <a:off x="2644145" y="2110034"/>
-            <a:ext cx="3950653" cy="3060700"/>
-          </a:xfrm>
-          <a:prstGeom prst="rect">
-            <a:avLst/>
-          </a:prstGeom>
-          <a:noFill/>
-          <a:ln>
-            <a:noFill/>
-          </a:ln>
-        </p:spPr>
-      </p:pic>
-    </p:spTree>
-    <p:extLst>
-      <p:ext uri="{BB962C8B-B14F-4D97-AF65-F5344CB8AC3E}">
-        <p14:creationId xmlns:p14="http://schemas.microsoft.com/office/powerpoint/2010/main" val="1011740711"/>
-      </p:ext>
-    </p:extLst>
-  </p:cSld>
-  <p:clrMapOvr>
-    <a:masterClrMapping/>
-  </p:clrMapOvr>
-</p:sld>
-</file>
-
 <file path=ppt/theme/theme1.xml><?xml version="1.0" encoding="utf-8"?>
-<a:theme xmlns:a="http://schemas.openxmlformats.org/drawingml/2006/main" name="Gallery">
+<a:theme xmlns:a="http://schemas.openxmlformats.org/drawingml/2006/main" name="Facet">
   <a:themeElements>
-    <a:clrScheme name="Gallery">
+    <a:clrScheme name="Facet">
       <a:dk1>
         <a:sysClr val="windowText" lastClr="000000"/>
       </a:dk1>
@@ -5795,52 +8205,52 @@
         <a:sysClr val="window" lastClr="FFFFFF"/>
       </a:lt1>
       <a:dk2>
-        <a:srgbClr val="454545"/>
+        <a:srgbClr val="2C3C43"/>
       </a:dk2>
       <a:lt2>
-        <a:srgbClr val="DFDBD5"/>
+        <a:srgbClr val="EBEBEB"/>
       </a:lt2>
       <a:accent1>
-        <a:srgbClr val="B71E42"/>
+        <a:srgbClr val="90C226"/>
       </a:accent1>
       <a:accent2>
-        <a:srgbClr val="DE478E"/>
+        <a:srgbClr val="54A021"/>
       </a:accent2>
       <a:accent3>
-        <a:srgbClr val="BC72F0"/>
+        <a:srgbClr val="E6B91E"/>
       </a:accent3>
       <a:accent4>
-        <a:srgbClr val="795FAF"/>
+        <a:srgbClr val="E76618"/>
       </a:accent4>
       <a:accent5>
-        <a:srgbClr val="586EA6"/>
+        <a:srgbClr val="C42F1A"/>
       </a:accent5>
       <a:accent6>
-        <a:srgbClr val="6892A0"/>
+        <a:srgbClr val="918655"/>
       </a:accent6>
       <a:hlink>
-        <a:srgbClr val="FA2B5C"/>
+        <a:srgbClr val="99CA3C"/>
       </a:hlink>
       <a:folHlink>
-        <a:srgbClr val="BC658E"/>
+        <a:srgbClr val="B9D181"/>
       </a:folHlink>
     </a:clrScheme>
-    <a:fontScheme name="Gallery">
+    <a:fontScheme name="Facet">
       <a:majorFont>
-        <a:latin typeface="Gill Sans MT" panose="020B0502020104020203"/>
+        <a:latin typeface="Trebuchet MS" panose="020B0603020202020204"/>
         <a:ea typeface=""/>
         <a:cs typeface=""/>
-        <a:font script="Jpan" typeface="游ゴシック Light"/>
+        <a:font script="Jpan" typeface="メイリオ"/>
         <a:font script="Hang" typeface="맑은 고딕"/>
-        <a:font script="Hans" typeface="等线 Light"/>
-        <a:font script="Hant" typeface="新細明體"/>
-        <a:font script="Arab" typeface="Times New Roman"/>
-        <a:font script="Hebr" typeface="Times New Roman"/>
-        <a:font script="Thai" typeface="Angsana New"/>
+        <a:font script="Hans" typeface="方正姚体"/>
+        <a:font script="Hant" typeface="微軟正黑體"/>
+        <a:font script="Arab" typeface="Tahoma"/>
+        <a:font script="Hebr" typeface="Arial"/>
+        <a:font script="Thai" typeface="Cordia New"/>
         <a:font script="Ethi" typeface="Nyala"/>
         <a:font script="Beng" typeface="Vrinda"/>
         <a:font script="Gujr" typeface="Shruti"/>
-        <a:font script="Khmr" typeface="MoolBoran"/>
+        <a:font script="Khmr" typeface="DaunPenh"/>
         <a:font script="Knda" typeface="Tunga"/>
         <a:font script="Guru" typeface="Raavi"/>
         <a:font script="Cans" typeface="Euphemia"/>
@@ -5857,21 +8267,21 @@
         <a:font script="Laoo" typeface="DokChampa"/>
         <a:font script="Sinh" typeface="Iskoola Pota"/>
         <a:font script="Mong" typeface="Mongolian Baiti"/>
-        <a:font script="Viet" typeface="Times New Roman"/>
+        <a:font script="Viet" typeface="Tahoma"/>
         <a:font script="Uigh" typeface="Microsoft Uighur"/>
         <a:font script="Geor" typeface="Sylfaen"/>
       </a:majorFont>
       <a:minorFont>
-        <a:latin typeface="Gill Sans MT" panose="020B0502020104020203"/>
+        <a:latin typeface="Trebuchet MS" panose="020B0603020202020204"/>
         <a:ea typeface=""/>
         <a:cs typeface=""/>
-        <a:font script="Jpan" typeface="游ゴシック"/>
-        <a:font script="Hang" typeface="맑은 고딕"/>
-        <a:font script="Hans" typeface="等线"/>
-        <a:font script="Hant" typeface="新細明體"/>
-        <a:font script="Arab" typeface="Arial"/>
-        <a:font script="Hebr" typeface="Arial"/>
-        <a:font script="Thai" typeface="Cordia New"/>
+        <a:font script="Jpan" typeface="メイリオ"/>
+        <a:font script="Hang" typeface="HY그래픽M"/>
+        <a:font script="Hans" typeface="华文新魏"/>
+        <a:font script="Hant" typeface="微軟正黑體"/>
+        <a:font script="Arab" typeface="Tahoma"/>
+        <a:font script="Hebr" typeface="Gisha"/>
+        <a:font script="Thai" typeface="IrisUPC"/>
         <a:font script="Ethi" typeface="Nyala"/>
         <a:font script="Beng" typeface="Vrinda"/>
         <a:font script="Gujr" typeface="Shruti"/>
@@ -5897,7 +8307,7 @@
         <a:font script="Geor" typeface="Sylfaen"/>
       </a:minorFont>
     </a:fontScheme>
-    <a:fmtScheme name="Gallery">
+    <a:fmtScheme name="Facet">
       <a:fillStyleLst>
         <a:solidFill>
           <a:schemeClr val="phClr"/>
@@ -5906,18 +8316,13 @@
           <a:gsLst>
             <a:gs pos="0">
               <a:schemeClr val="phClr">
-                <a:tint val="54000"/>
-                <a:alpha val="100000"/>
-                <a:satMod val="105000"/>
+                <a:tint val="65000"/>
                 <a:lumMod val="110000"/>
               </a:schemeClr>
             </a:gs>
-            <a:gs pos="100000">
+            <a:gs pos="88000">
               <a:schemeClr val="phClr">
-                <a:tint val="78000"/>
-                <a:alpha val="92000"/>
-                <a:satMod val="109000"/>
-                <a:lumMod val="100000"/>
+                <a:tint val="90000"/>
               </a:schemeClr>
             </a:gs>
           </a:gsLst>
@@ -5927,23 +8332,14 @@
           <a:gsLst>
             <a:gs pos="0">
               <a:schemeClr val="phClr">
-                <a:tint val="98000"/>
-                <a:satMod val="110000"/>
-                <a:lumMod val="104000"/>
+                <a:tint val="96000"/>
+                <a:lumMod val="100000"/>
               </a:schemeClr>
             </a:gs>
-            <a:gs pos="69000">
+            <a:gs pos="78000">
               <a:schemeClr val="phClr">
-                <a:shade val="88000"/>
-                <a:satMod val="130000"/>
-                <a:lumMod val="92000"/>
-              </a:schemeClr>
-            </a:gs>
-            <a:gs pos="100000">
-              <a:schemeClr val="phClr">
-                <a:shade val="78000"/>
-                <a:satMod val="130000"/>
-                <a:lumMod val="92000"/>
+                <a:shade val="94000"/>
+                <a:lumMod val="94000"/>
               </a:schemeClr>
             </a:gs>
           </a:gsLst>
@@ -5951,19 +8347,19 @@
         </a:gradFill>
       </a:fillStyleLst>
       <a:lnStyleLst>
-        <a:ln w="9525" cap="flat" cmpd="sng" algn="ctr">
+        <a:ln w="12700" cap="rnd" cmpd="sng" algn="ctr">
           <a:solidFill>
             <a:schemeClr val="phClr"/>
           </a:solidFill>
           <a:prstDash val="solid"/>
         </a:ln>
-        <a:ln w="15875" cap="flat" cmpd="sng" algn="ctr">
+        <a:ln w="19050" cap="rnd" cmpd="sng" algn="ctr">
           <a:solidFill>
             <a:schemeClr val="phClr"/>
           </a:solidFill>
           <a:prstDash val="solid"/>
         </a:ln>
-        <a:ln w="22225" cap="flat" cmpd="sng" algn="ctr">
+        <a:ln w="25400" cap="rnd" cmpd="sng" algn="ctr">
           <a:solidFill>
             <a:schemeClr val="phClr"/>
           </a:solidFill>
@@ -5975,13 +8371,19 @@
           <a:effectLst/>
         </a:effectStyle>
         <a:effectStyle>
-          <a:effectLst/>
+          <a:effectLst>
+            <a:outerShdw blurRad="38100" dist="25400" dir="5400000" rotWithShape="0">
+              <a:srgbClr val="000000">
+                <a:alpha val="35000"/>
+              </a:srgbClr>
+            </a:outerShdw>
+          </a:effectLst>
         </a:effectStyle>
         <a:effectStyle>
           <a:effectLst>
-            <a:outerShdw blurRad="50800" dist="50800" dir="5400000" sx="96000" sy="96000" rotWithShape="0">
+            <a:outerShdw blurRad="50800" dist="38100" dir="5400000" rotWithShape="0">
               <a:srgbClr val="000000">
-                <a:alpha val="48000"/>
+                <a:alpha val="35000"/>
               </a:srgbClr>
             </a:outerShdw>
           </a:effectLst>
@@ -5989,12 +8391,10 @@
             <a:camera prst="orthographicFront">
               <a:rot lat="0" lon="0" rev="0"/>
             </a:camera>
-            <a:lightRig rig="balanced" dir="t">
-              <a:rot lat="0" lon="0" rev="1080000"/>
-            </a:lightRig>
+            <a:lightRig rig="threePt" dir="tl"/>
           </a:scene3d>
-          <a:sp3d>
-            <a:bevelT w="38100" h="12700" prst="softRound"/>
+          <a:sp3d prstMaterial="plastic">
+            <a:bevelT w="0" h="0"/>
           </a:sp3d>
         </a:effectStyle>
       </a:effectStyleLst>
@@ -6002,26 +8402,40 @@
         <a:solidFill>
           <a:schemeClr val="phClr"/>
         </a:solidFill>
-        <a:solidFill>
-          <a:schemeClr val="phClr"/>
-        </a:solidFill>
         <a:gradFill rotWithShape="1">
           <a:gsLst>
             <a:gs pos="0">
               <a:schemeClr val="phClr">
-                <a:tint val="94000"/>
-                <a:satMod val="80000"/>
-                <a:lumMod val="106000"/>
+                <a:tint val="90000"/>
+                <a:lumMod val="104000"/>
+              </a:schemeClr>
+            </a:gs>
+            <a:gs pos="94000">
+              <a:schemeClr val="phClr">
+                <a:shade val="96000"/>
+                <a:lumMod val="82000"/>
+              </a:schemeClr>
+            </a:gs>
+          </a:gsLst>
+          <a:lin ang="5400000" scaled="0"/>
+        </a:gradFill>
+        <a:gradFill rotWithShape="1">
+          <a:gsLst>
+            <a:gs pos="0">
+              <a:schemeClr val="phClr">
+                <a:tint val="90000"/>
+                <a:lumMod val="110000"/>
               </a:schemeClr>
             </a:gs>
             <a:gs pos="100000">
               <a:schemeClr val="phClr">
-                <a:shade val="80000"/>
+                <a:shade val="94000"/>
+                <a:lumMod val="96000"/>
               </a:schemeClr>
             </a:gs>
           </a:gsLst>
           <a:path path="circle">
-            <a:fillToRect l="50000" t="50000" r="50000" b="50000"/>
+            <a:fillToRect l="50000" t="50000" r="100000" b="100000"/>
           </a:path>
         </a:gradFill>
       </a:bgFillStyleLst>
@@ -6031,7 +8445,7 @@
   <a:extraClrSchemeLst/>
   <a:extLst>
     <a:ext uri="{05A4C25C-085E-4340-85A3-A5531E510DB2}">
-      <thm15:themeFamily xmlns:thm15="http://schemas.microsoft.com/office/thememl/2012/main" name="Gallery" id="{BBFCD31E-59A1-489D-B089-A3EAD7CAE12E}" vid="{F5E91637-A7B6-4E27-B710-77DA7014EE1E}"/>
+      <thm15:themeFamily xmlns:thm15="http://schemas.microsoft.com/office/thememl/2012/main" name="Facet" id="{C0C680CD-088A-49FC-A102-D699147F32B2}" vid="{CFBC31BA-B70F-4F30-BCAA-4F3011E16C4D}"/>
     </a:ext>
   </a:extLst>
 </a:theme>
